--- a/lectures/p-02-tests-for-cf-validity.pptx
+++ b/lectures/p-02-tests-for-cf-validity.pptx
@@ -8,7 +8,7 @@
     <p:sldMasterId id="2147483703" r:id="rId4"/>
   </p:sldMasterIdLst>
   <p:notesMasterIdLst>
-    <p:notesMasterId r:id="rId56"/>
+    <p:notesMasterId r:id="rId63"/>
   </p:notesMasterIdLst>
   <p:sldIdLst>
     <p:sldId id="401" r:id="rId5"/>
@@ -62,6 +62,13 @@
     <p:sldId id="493" r:id="rId53"/>
     <p:sldId id="494" r:id="rId54"/>
     <p:sldId id="495" r:id="rId55"/>
+    <p:sldId id="501" r:id="rId56"/>
+    <p:sldId id="497" r:id="rId57"/>
+    <p:sldId id="498" r:id="rId58"/>
+    <p:sldId id="499" r:id="rId59"/>
+    <p:sldId id="502" r:id="rId60"/>
+    <p:sldId id="500" r:id="rId61"/>
+    <p:sldId id="503" r:id="rId62"/>
   </p:sldIdLst>
   <p:sldSz cx="12192000" cy="6858000"/>
   <p:notesSz cx="6858000" cy="9144000"/>
@@ -1146,6 +1153,13 @@
         </dgm:presLayoutVars>
       </dgm:prSet>
       <dgm:spPr/>
+      <dgm:t>
+        <a:bodyPr/>
+        <a:lstStyle/>
+        <a:p>
+          <a:endParaRPr lang="en-US"/>
+        </a:p>
+      </dgm:t>
     </dgm:pt>
     <dgm:pt modelId="{B2EA3FCD-F985-47A1-84E0-B5ABB23176D2}" type="pres">
       <dgm:prSet presAssocID="{CD03223D-C8B0-4307-9602-3BB7DB0844E0}" presName="compNode" presStyleCnt="0"/>
@@ -1170,12 +1184,19 @@
       </dgm:prSet>
       <dgm:spPr>
         <a:solidFill>
-          <a:schemeClr val="dk1"/>
+          <a:srgbClr val="10253F"/>
         </a:solidFill>
         <a:ln>
           <a:noFill/>
         </a:ln>
       </dgm:spPr>
+      <dgm:t>
+        <a:bodyPr/>
+        <a:lstStyle/>
+        <a:p>
+          <a:endParaRPr lang="en-US"/>
+        </a:p>
+      </dgm:t>
     </dgm:pt>
     <dgm:pt modelId="{FE5E1B63-0B11-47F2-B10E-69147744F4D7}" type="pres">
       <dgm:prSet presAssocID="{CD03223D-C8B0-4307-9602-3BB7DB0844E0}" presName="iconRect" presStyleLbl="node1" presStyleIdx="0" presStyleCnt="3"/>
@@ -1184,7 +1205,7 @@
           <a:blip xmlns:r="http://schemas.openxmlformats.org/officeDocument/2006/relationships" r:embed="rId1">
             <a:extLst>
               <a:ext uri="{96DAC541-7B7A-43D3-8B79-37D633B846F1}">
-                <asvg:svgBlip xmlns:asvg="http://schemas.microsoft.com/office/drawing/2016/SVG/main" r:embed="rId2"/>
+                <asvg:svgBlip xmlns:asvg="http://schemas.microsoft.com/office/drawing/2016/SVG/main" xmlns="" r:embed="rId2"/>
               </a:ext>
             </a:extLst>
           </a:blip>
@@ -1215,6 +1236,13 @@
         </dgm:presLayoutVars>
       </dgm:prSet>
       <dgm:spPr/>
+      <dgm:t>
+        <a:bodyPr/>
+        <a:lstStyle/>
+        <a:p>
+          <a:endParaRPr lang="en-US"/>
+        </a:p>
+      </dgm:t>
     </dgm:pt>
     <dgm:pt modelId="{3550D20A-D1EB-4B41-9F15-6B8718060C6B}" type="pres">
       <dgm:prSet presAssocID="{53913610-3542-404F-A39A-AD34DD09BF73}" presName="sibTrans" presStyleCnt="0"/>
@@ -1243,24 +1271,31 @@
       </dgm:prSet>
       <dgm:spPr>
         <a:solidFill>
-          <a:schemeClr val="dk1"/>
+          <a:srgbClr val="10253F"/>
         </a:solidFill>
         <a:ln>
           <a:noFill/>
         </a:ln>
       </dgm:spPr>
+      <dgm:t>
+        <a:bodyPr/>
+        <a:lstStyle/>
+        <a:p>
+          <a:endParaRPr lang="en-US"/>
+        </a:p>
+      </dgm:t>
     </dgm:pt>
     <dgm:pt modelId="{7251D6BF-82D1-4BF4-921F-37AB34CAED65}" type="pres">
       <dgm:prSet presAssocID="{34219FAB-9FD1-4405-861D-B34C3309D9A3}" presName="iconRect" presStyleLbl="node1" presStyleIdx="1" presStyleCnt="3"/>
       <dgm:spPr>
         <a:blipFill>
-          <a:blip xmlns:r="http://schemas.openxmlformats.org/officeDocument/2006/relationships" r:embed="rId3">
+          <a:blip xmlns:r="http://schemas.openxmlformats.org/officeDocument/2006/relationships" r:embed="rId3" cstate="print">
             <a:extLst>
               <a:ext uri="{28A0092B-C50C-407E-A947-70E740481C1C}">
                 <a14:useLocalDpi xmlns:a14="http://schemas.microsoft.com/office/drawing/2010/main" val="0"/>
               </a:ext>
               <a:ext uri="{96DAC541-7B7A-43D3-8B79-37D633B846F1}">
-                <asvg:svgBlip xmlns:asvg="http://schemas.microsoft.com/office/drawing/2016/SVG/main" r:embed="rId4"/>
+                <asvg:svgBlip xmlns:asvg="http://schemas.microsoft.com/office/drawing/2016/SVG/main" xmlns="" r:embed="rId4"/>
               </a:ext>
             </a:extLst>
           </a:blip>
@@ -1272,6 +1307,13 @@
           <a:noFill/>
         </a:ln>
       </dgm:spPr>
+      <dgm:t>
+        <a:bodyPr/>
+        <a:lstStyle/>
+        <a:p>
+          <a:endParaRPr lang="en-US"/>
+        </a:p>
+      </dgm:t>
       <dgm:extLst>
         <a:ext uri="{E40237B7-FDA0-4F09-8148-C483321AD2D9}">
           <dgm14:cNvPr xmlns:dgm14="http://schemas.microsoft.com/office/drawing/2010/diagram" id="0" name="" descr="Checkmark"/>
@@ -1290,12 +1332,26 @@
         </dgm:presLayoutVars>
       </dgm:prSet>
       <dgm:spPr/>
+      <dgm:t>
+        <a:bodyPr/>
+        <a:lstStyle/>
+        <a:p>
+          <a:endParaRPr lang="en-US"/>
+        </a:p>
+      </dgm:t>
     </dgm:pt>
     <dgm:pt modelId="{443688BC-B612-4755-85FC-C352DF038CFB}" type="pres">
       <dgm:prSet presAssocID="{34219FAB-9FD1-4405-861D-B34C3309D9A3}" presName="desTx" presStyleLbl="revTx" presStyleIdx="2" presStyleCnt="4">
         <dgm:presLayoutVars/>
       </dgm:prSet>
       <dgm:spPr/>
+      <dgm:t>
+        <a:bodyPr/>
+        <a:lstStyle/>
+        <a:p>
+          <a:endParaRPr lang="en-US"/>
+        </a:p>
+      </dgm:t>
     </dgm:pt>
     <dgm:pt modelId="{4807DCDB-4092-400C-B432-39C108C6021B}" type="pres">
       <dgm:prSet presAssocID="{5581B19B-A242-4923-8AF3-CDBF67064340}" presName="sibTrans" presStyleCnt="0"/>
@@ -1324,21 +1380,28 @@
       </dgm:prSet>
       <dgm:spPr>
         <a:solidFill>
-          <a:schemeClr val="dk1"/>
+          <a:srgbClr val="10253F"/>
         </a:solidFill>
         <a:ln>
           <a:noFill/>
         </a:ln>
       </dgm:spPr>
+      <dgm:t>
+        <a:bodyPr/>
+        <a:lstStyle/>
+        <a:p>
+          <a:endParaRPr lang="en-US"/>
+        </a:p>
+      </dgm:t>
     </dgm:pt>
     <dgm:pt modelId="{BE9ECA56-884D-4B2F-8BD8-CA7F4922252A}" type="pres">
       <dgm:prSet presAssocID="{8B2DFA9F-2EBE-4C0F-B998-53A008BCC82B}" presName="iconRect" presStyleLbl="node1" presStyleIdx="2" presStyleCnt="3"/>
       <dgm:spPr>
         <a:blipFill>
-          <a:blip xmlns:r="http://schemas.openxmlformats.org/officeDocument/2006/relationships" r:embed="rId3">
+          <a:blip xmlns:r="http://schemas.openxmlformats.org/officeDocument/2006/relationships" r:embed="rId5">
             <a:extLst>
               <a:ext uri="{96DAC541-7B7A-43D3-8B79-37D633B846F1}">
-                <asvg:svgBlip xmlns:asvg="http://schemas.microsoft.com/office/drawing/2016/SVG/main" r:embed="rId4"/>
+                <asvg:svgBlip xmlns:asvg="http://schemas.microsoft.com/office/drawing/2016/SVG/main" xmlns="" r:embed="rId4"/>
               </a:ext>
             </a:extLst>
           </a:blip>
@@ -1369,20 +1432,27 @@
         </dgm:presLayoutVars>
       </dgm:prSet>
       <dgm:spPr/>
+      <dgm:t>
+        <a:bodyPr/>
+        <a:lstStyle/>
+        <a:p>
+          <a:endParaRPr lang="en-US"/>
+        </a:p>
+      </dgm:t>
     </dgm:pt>
   </dgm:ptLst>
   <dgm:cxnLst>
+    <dgm:cxn modelId="{40C90EFE-AE8F-4593-A7A2-B666FFD1FB6F}" srcId="{34219FAB-9FD1-4405-861D-B34C3309D9A3}" destId="{637B9BD7-AF4E-4696-8464-FE3A51620097}" srcOrd="1" destOrd="0" parTransId="{61BBC5BC-34C0-47ED-A0CB-4DD98F595FDC}" sibTransId="{182F897E-6506-49C3-89D8-0DF2D588CC6C}"/>
+    <dgm:cxn modelId="{BF0952CC-1704-4242-826A-9D3ADB5D8C7C}" type="presOf" srcId="{9D2349D6-2977-44F0-BABF-B12F7119C29F}" destId="{443688BC-B612-4755-85FC-C352DF038CFB}" srcOrd="0" destOrd="0" presId="urn:microsoft.com/office/officeart/2018/2/layout/IconVerticalSolidList"/>
+    <dgm:cxn modelId="{7AF70CC5-6375-4F32-81C9-6F21728EC472}" type="presOf" srcId="{9ECF8FEF-4FC1-4305-A898-EF94A4A93F84}" destId="{1D05761C-8BC2-43F2-A74E-893A5BB45119}" srcOrd="0" destOrd="0" presId="urn:microsoft.com/office/officeart/2018/2/layout/IconVerticalSolidList"/>
+    <dgm:cxn modelId="{C1C0693B-0659-4A92-85D9-B99CDBFF54C8}" srcId="{9ECF8FEF-4FC1-4305-A898-EF94A4A93F84}" destId="{8B2DFA9F-2EBE-4C0F-B998-53A008BCC82B}" srcOrd="2" destOrd="0" parTransId="{20E47FE8-756A-47C7-80F5-4BBA19D82BB8}" sibTransId="{863C8E72-6BC6-43F1-A7BA-325A2A1FE4A9}"/>
+    <dgm:cxn modelId="{FECACD13-4A8A-411E-BB1E-6196E2021688}" type="presOf" srcId="{CD03223D-C8B0-4307-9602-3BB7DB0844E0}" destId="{9FDBE5B0-49CD-4677-9815-2EAD729FF7CA}" srcOrd="0" destOrd="0" presId="urn:microsoft.com/office/officeart/2018/2/layout/IconVerticalSolidList"/>
+    <dgm:cxn modelId="{13B1814A-92EB-4A3D-91F8-05A0D5BF0FF4}" type="presOf" srcId="{637B9BD7-AF4E-4696-8464-FE3A51620097}" destId="{443688BC-B612-4755-85FC-C352DF038CFB}" srcOrd="0" destOrd="1" presId="urn:microsoft.com/office/officeart/2018/2/layout/IconVerticalSolidList"/>
+    <dgm:cxn modelId="{299F5FD6-97FE-4119-9C08-1ED8D2197FF9}" srcId="{9ECF8FEF-4FC1-4305-A898-EF94A4A93F84}" destId="{34219FAB-9FD1-4405-861D-B34C3309D9A3}" srcOrd="1" destOrd="0" parTransId="{580D63BE-DC0D-4C04-A7D4-89DFDD906FA4}" sibTransId="{5581B19B-A242-4923-8AF3-CDBF67064340}"/>
+    <dgm:cxn modelId="{5D3AB1A6-41E1-43CB-8952-2CE4A24F3E1A}" srcId="{9ECF8FEF-4FC1-4305-A898-EF94A4A93F84}" destId="{CD03223D-C8B0-4307-9602-3BB7DB0844E0}" srcOrd="0" destOrd="0" parTransId="{89FDA212-880D-44EF-9EC8-8728A3478491}" sibTransId="{53913610-3542-404F-A39A-AD34DD09BF73}"/>
     <dgm:cxn modelId="{ECF98F09-5678-4611-AE46-3221A8D0C8B9}" type="presOf" srcId="{8B2DFA9F-2EBE-4C0F-B998-53A008BCC82B}" destId="{17EB314A-5A9A-4C42-BA80-A5A95AF31231}" srcOrd="0" destOrd="0" presId="urn:microsoft.com/office/officeart/2018/2/layout/IconVerticalSolidList"/>
-    <dgm:cxn modelId="{FECACD13-4A8A-411E-BB1E-6196E2021688}" type="presOf" srcId="{CD03223D-C8B0-4307-9602-3BB7DB0844E0}" destId="{9FDBE5B0-49CD-4677-9815-2EAD729FF7CA}" srcOrd="0" destOrd="0" presId="urn:microsoft.com/office/officeart/2018/2/layout/IconVerticalSolidList"/>
-    <dgm:cxn modelId="{C1C0693B-0659-4A92-85D9-B99CDBFF54C8}" srcId="{9ECF8FEF-4FC1-4305-A898-EF94A4A93F84}" destId="{8B2DFA9F-2EBE-4C0F-B998-53A008BCC82B}" srcOrd="2" destOrd="0" parTransId="{20E47FE8-756A-47C7-80F5-4BBA19D82BB8}" sibTransId="{863C8E72-6BC6-43F1-A7BA-325A2A1FE4A9}"/>
+    <dgm:cxn modelId="{2D8DD9B4-8CF8-4C03-B767-562EF80DF573}" type="presOf" srcId="{34219FAB-9FD1-4405-861D-B34C3309D9A3}" destId="{511EE2CD-DE32-45B7-BEB2-BC5C3BD3DC26}" srcOrd="0" destOrd="0" presId="urn:microsoft.com/office/officeart/2018/2/layout/IconVerticalSolidList"/>
     <dgm:cxn modelId="{57C33361-9436-4457-A3CB-520E264D9F75}" srcId="{34219FAB-9FD1-4405-861D-B34C3309D9A3}" destId="{9D2349D6-2977-44F0-BABF-B12F7119C29F}" srcOrd="0" destOrd="0" parTransId="{56667F4F-A718-43D9-8987-B9A3F7B750A5}" sibTransId="{12FACB6C-C495-4941-AB14-BF8827F36F5D}"/>
-    <dgm:cxn modelId="{13B1814A-92EB-4A3D-91F8-05A0D5BF0FF4}" type="presOf" srcId="{637B9BD7-AF4E-4696-8464-FE3A51620097}" destId="{443688BC-B612-4755-85FC-C352DF038CFB}" srcOrd="0" destOrd="1" presId="urn:microsoft.com/office/officeart/2018/2/layout/IconVerticalSolidList"/>
-    <dgm:cxn modelId="{5D3AB1A6-41E1-43CB-8952-2CE4A24F3E1A}" srcId="{9ECF8FEF-4FC1-4305-A898-EF94A4A93F84}" destId="{CD03223D-C8B0-4307-9602-3BB7DB0844E0}" srcOrd="0" destOrd="0" parTransId="{89FDA212-880D-44EF-9EC8-8728A3478491}" sibTransId="{53913610-3542-404F-A39A-AD34DD09BF73}"/>
-    <dgm:cxn modelId="{2D8DD9B4-8CF8-4C03-B767-562EF80DF573}" type="presOf" srcId="{34219FAB-9FD1-4405-861D-B34C3309D9A3}" destId="{511EE2CD-DE32-45B7-BEB2-BC5C3BD3DC26}" srcOrd="0" destOrd="0" presId="urn:microsoft.com/office/officeart/2018/2/layout/IconVerticalSolidList"/>
-    <dgm:cxn modelId="{7AF70CC5-6375-4F32-81C9-6F21728EC472}" type="presOf" srcId="{9ECF8FEF-4FC1-4305-A898-EF94A4A93F84}" destId="{1D05761C-8BC2-43F2-A74E-893A5BB45119}" srcOrd="0" destOrd="0" presId="urn:microsoft.com/office/officeart/2018/2/layout/IconVerticalSolidList"/>
-    <dgm:cxn modelId="{BF0952CC-1704-4242-826A-9D3ADB5D8C7C}" type="presOf" srcId="{9D2349D6-2977-44F0-BABF-B12F7119C29F}" destId="{443688BC-B612-4755-85FC-C352DF038CFB}" srcOrd="0" destOrd="0" presId="urn:microsoft.com/office/officeart/2018/2/layout/IconVerticalSolidList"/>
-    <dgm:cxn modelId="{299F5FD6-97FE-4119-9C08-1ED8D2197FF9}" srcId="{9ECF8FEF-4FC1-4305-A898-EF94A4A93F84}" destId="{34219FAB-9FD1-4405-861D-B34C3309D9A3}" srcOrd="1" destOrd="0" parTransId="{580D63BE-DC0D-4C04-A7D4-89DFDD906FA4}" sibTransId="{5581B19B-A242-4923-8AF3-CDBF67064340}"/>
-    <dgm:cxn modelId="{40C90EFE-AE8F-4593-A7A2-B666FFD1FB6F}" srcId="{34219FAB-9FD1-4405-861D-B34C3309D9A3}" destId="{637B9BD7-AF4E-4696-8464-FE3A51620097}" srcOrd="1" destOrd="0" parTransId="{61BBC5BC-34C0-47ED-A0CB-4DD98F595FDC}" sibTransId="{182F897E-6506-49C3-89D8-0DF2D588CC6C}"/>
     <dgm:cxn modelId="{1008889C-9DB8-47DF-B05C-F7AC3E48A23D}" type="presParOf" srcId="{1D05761C-8BC2-43F2-A74E-893A5BB45119}" destId="{B2EA3FCD-F985-47A1-84E0-B5ABB23176D2}" srcOrd="0" destOrd="0" presId="urn:microsoft.com/office/officeart/2018/2/layout/IconVerticalSolidList"/>
     <dgm:cxn modelId="{23CC077B-EE06-4DC8-B062-0A980ACCB27D}" type="presParOf" srcId="{B2EA3FCD-F985-47A1-84E0-B5ABB23176D2}" destId="{4441649F-8DC2-48FF-A485-D17740EB3CCF}" srcOrd="0" destOrd="0" presId="urn:microsoft.com/office/officeart/2018/2/layout/IconVerticalSolidList"/>
     <dgm:cxn modelId="{47D213CB-7483-470E-AB5F-CCA3333F4A22}" type="presParOf" srcId="{B2EA3FCD-F985-47A1-84E0-B5ABB23176D2}" destId="{FE5E1B63-0B11-47F2-B10E-69147744F4D7}" srcOrd="1" destOrd="0" presId="urn:microsoft.com/office/officeart/2018/2/layout/IconVerticalSolidList"/>
@@ -1436,7 +1506,7 @@
           </a:avLst>
         </a:prstGeom>
         <a:solidFill>
-          <a:schemeClr val="dk1"/>
+          <a:srgbClr val="10253F"/>
         </a:solidFill>
         <a:ln>
           <a:noFill/>
@@ -1475,7 +1545,7 @@
           <a:blip xmlns:r="http://schemas.openxmlformats.org/officeDocument/2006/relationships" r:embed="rId1">
             <a:extLst>
               <a:ext uri="{96DAC541-7B7A-43D3-8B79-37D633B846F1}">
-                <asvg:svgBlip xmlns:asvg="http://schemas.microsoft.com/office/drawing/2016/SVG/main" r:embed="rId2"/>
+                <asvg:svgBlip xmlns:asvg="http://schemas.microsoft.com/office/drawing/2016/SVG/main" xmlns="" r:embed="rId2"/>
               </a:ext>
             </a:extLst>
           </a:blip>
@@ -1543,7 +1613,7 @@
         </a:bodyPr>
         <a:lstStyle/>
         <a:p>
-          <a:pPr marL="0" lvl="0" indent="0" algn="l" defTabSz="1111250">
+          <a:pPr lvl="0" algn="l" defTabSz="1111250">
             <a:lnSpc>
               <a:spcPct val="100000"/>
             </a:lnSpc>
@@ -1553,7 +1623,6 @@
             <a:spcAft>
               <a:spcPct val="35000"/>
             </a:spcAft>
-            <a:buNone/>
           </a:pPr>
           <a:r>
             <a:rPr lang="en-US" sz="2500" b="1" kern="1200" dirty="0"/>
@@ -1582,7 +1651,7 @@
           </a:avLst>
         </a:prstGeom>
         <a:solidFill>
-          <a:schemeClr val="dk1"/>
+          <a:srgbClr val="10253F"/>
         </a:solidFill>
         <a:ln>
           <a:noFill/>
@@ -1618,13 +1687,13 @@
           <a:avLst/>
         </a:prstGeom>
         <a:blipFill>
-          <a:blip xmlns:r="http://schemas.openxmlformats.org/officeDocument/2006/relationships" r:embed="rId3">
+          <a:blip xmlns:r="http://schemas.openxmlformats.org/officeDocument/2006/relationships" r:embed="rId3" cstate="print">
             <a:extLst>
               <a:ext uri="{28A0092B-C50C-407E-A947-70E740481C1C}">
                 <a14:useLocalDpi xmlns:a14="http://schemas.microsoft.com/office/drawing/2010/main" val="0"/>
               </a:ext>
               <a:ext uri="{96DAC541-7B7A-43D3-8B79-37D633B846F1}">
-                <asvg:svgBlip xmlns:asvg="http://schemas.microsoft.com/office/drawing/2016/SVG/main" r:embed="rId4"/>
+                <asvg:svgBlip xmlns:asvg="http://schemas.microsoft.com/office/drawing/2016/SVG/main" xmlns="" r:embed="rId4"/>
               </a:ext>
             </a:extLst>
           </a:blip>
@@ -1691,7 +1760,7 @@
         </a:bodyPr>
         <a:lstStyle/>
         <a:p>
-          <a:pPr marL="0" lvl="0" indent="0" algn="l" defTabSz="1111250">
+          <a:pPr lvl="0" algn="l" defTabSz="1111250">
             <a:lnSpc>
               <a:spcPct val="100000"/>
             </a:lnSpc>
@@ -1701,7 +1770,6 @@
             <a:spcAft>
               <a:spcPct val="35000"/>
             </a:spcAft>
-            <a:buNone/>
           </a:pPr>
           <a:r>
             <a:rPr lang="en-US" sz="2500" b="1" kern="1200" dirty="0"/>
@@ -1752,7 +1820,7 @@
         </a:bodyPr>
         <a:lstStyle/>
         <a:p>
-          <a:pPr marL="0" lvl="0" indent="0" algn="l" defTabSz="800100">
+          <a:pPr lvl="0" algn="l" defTabSz="800100">
             <a:lnSpc>
               <a:spcPct val="100000"/>
             </a:lnSpc>
@@ -1762,7 +1830,6 @@
             <a:spcAft>
               <a:spcPct val="35000"/>
             </a:spcAft>
-            <a:buNone/>
           </a:pPr>
           <a:r>
             <a:rPr lang="en-US" sz="1800" kern="1200" dirty="0"/>
@@ -1770,7 +1837,7 @@
           </a:r>
         </a:p>
         <a:p>
-          <a:pPr marL="0" lvl="0" indent="0" algn="l" defTabSz="800100">
+          <a:pPr lvl="0" algn="l" defTabSz="800100">
             <a:lnSpc>
               <a:spcPct val="100000"/>
             </a:lnSpc>
@@ -1780,7 +1847,6 @@
             <a:spcAft>
               <a:spcPct val="35000"/>
             </a:spcAft>
-            <a:buNone/>
           </a:pPr>
           <a:r>
             <a:rPr lang="en-US" sz="1800" kern="1200" dirty="0"/>
@@ -1809,7 +1875,7 @@
           </a:avLst>
         </a:prstGeom>
         <a:solidFill>
-          <a:schemeClr val="dk1"/>
+          <a:srgbClr val="10253F"/>
         </a:solidFill>
         <a:ln>
           <a:noFill/>
@@ -1845,10 +1911,10 @@
           <a:avLst/>
         </a:prstGeom>
         <a:blipFill>
-          <a:blip xmlns:r="http://schemas.openxmlformats.org/officeDocument/2006/relationships" r:embed="rId3">
+          <a:blip xmlns:r="http://schemas.openxmlformats.org/officeDocument/2006/relationships" r:embed="rId5">
             <a:extLst>
               <a:ext uri="{96DAC541-7B7A-43D3-8B79-37D633B846F1}">
-                <asvg:svgBlip xmlns:asvg="http://schemas.microsoft.com/office/drawing/2016/SVG/main" r:embed="rId4"/>
+                <asvg:svgBlip xmlns:asvg="http://schemas.microsoft.com/office/drawing/2016/SVG/main" xmlns="" r:embed="rId4"/>
               </a:ext>
             </a:extLst>
           </a:blip>
@@ -1916,7 +1982,7 @@
         </a:bodyPr>
         <a:lstStyle/>
         <a:p>
-          <a:pPr marL="0" lvl="0" indent="0" algn="l" defTabSz="1111250">
+          <a:pPr lvl="0" algn="l" defTabSz="1111250">
             <a:lnSpc>
               <a:spcPct val="100000"/>
             </a:lnSpc>
@@ -1926,7 +1992,6 @@
             <a:spcAft>
               <a:spcPct val="35000"/>
             </a:spcAft>
-            <a:buNone/>
           </a:pPr>
           <a:r>
             <a:rPr lang="en-US" sz="2500" b="1" kern="1200" dirty="0"/>
@@ -2221,7 +2286,7 @@
   </dgm:layoutNode>
   <dgm:extLst>
     <a:ext uri="{68A01E43-0DF5-4B5B-8FA6-DAF915123BFB}">
-      <dgm1612:lstStyle xmlns:dgm1612="http://schemas.microsoft.com/office/drawing/2016/12/diagram">
+      <dgm1612:lstStyle xmlns:dgm1612="http://schemas.microsoft.com/office/drawing/2016/12/diagram" xmlns="">
         <a:lvl1pPr>
           <a:lnSpc>
             <a:spcPct val="100000"/>
@@ -3354,7 +3419,7 @@
           <a:p>
             <a:fld id="{001A807B-7DBB-45D2-B3F3-CAA592858B49}" type="datetimeFigureOut">
               <a:rPr lang="en-US" smtClean="0"/>
-              <a:t>1/27/2020</a:t>
+              <a:t>2/1/2020</a:t>
             </a:fld>
             <a:endParaRPr lang="en-US"/>
           </a:p>
@@ -4350,7 +4415,7 @@
           <a:p>
             <a:fld id="{F3175D55-7172-4598-95C7-7AC62CC8AEC3}" type="datetimeFigureOut">
               <a:rPr lang="en-US" smtClean="0"/>
-              <a:t>1/27/2020</a:t>
+              <a:t>2/1/2020</a:t>
             </a:fld>
             <a:endParaRPr lang="en-US"/>
           </a:p>
@@ -4518,7 +4583,7 @@
           <a:p>
             <a:fld id="{F3175D55-7172-4598-95C7-7AC62CC8AEC3}" type="datetimeFigureOut">
               <a:rPr lang="en-US" smtClean="0"/>
-              <a:t>1/27/2020</a:t>
+              <a:t>2/1/2020</a:t>
             </a:fld>
             <a:endParaRPr lang="en-US"/>
           </a:p>
@@ -4696,7 +4761,7 @@
           <a:p>
             <a:fld id="{F3175D55-7172-4598-95C7-7AC62CC8AEC3}" type="datetimeFigureOut">
               <a:rPr lang="en-US" smtClean="0"/>
-              <a:t>1/27/2020</a:t>
+              <a:t>2/1/2020</a:t>
             </a:fld>
             <a:endParaRPr lang="en-US"/>
           </a:p>
@@ -4937,7 +5002,7 @@
             <a:fld id="{AEF3C9D5-948D-45BF-A43A-BC1C8F177659}" type="datetime1">
               <a:rPr lang="en-US" smtClean="0"/>
               <a:pPr/>
-              <a:t>1/27/2020</a:t>
+              <a:t>2/1/2020</a:t>
             </a:fld>
             <a:endParaRPr lang="en-US"/>
           </a:p>
@@ -5107,7 +5172,7 @@
             <a:fld id="{24DE1747-153E-4BA7-845E-5E7975F88D66}" type="datetime1">
               <a:rPr lang="en-US" smtClean="0"/>
               <a:pPr/>
-              <a:t>1/27/2020</a:t>
+              <a:t>2/1/2020</a:t>
             </a:fld>
             <a:endParaRPr lang="en-US"/>
           </a:p>
@@ -5354,7 +5419,7 @@
             <a:fld id="{F71ECA1C-BCD9-4C21-9BC5-BB94294F1269}" type="datetime1">
               <a:rPr lang="en-US" smtClean="0"/>
               <a:pPr/>
-              <a:t>1/27/2020</a:t>
+              <a:t>2/1/2020</a:t>
             </a:fld>
             <a:endParaRPr lang="en-US"/>
           </a:p>
@@ -5641,7 +5706,7 @@
             <a:fld id="{C74D56A4-68C4-40CF-99B1-A59BBC130E54}" type="datetime1">
               <a:rPr lang="en-US" smtClean="0"/>
               <a:pPr/>
-              <a:t>1/27/2020</a:t>
+              <a:t>2/1/2020</a:t>
             </a:fld>
             <a:endParaRPr lang="en-US"/>
           </a:p>
@@ -6062,7 +6127,7 @@
             <a:fld id="{50E4250C-EECC-464A-9F01-39097C0C28CA}" type="datetime1">
               <a:rPr lang="en-US" smtClean="0"/>
               <a:pPr/>
-              <a:t>1/27/2020</a:t>
+              <a:t>2/1/2020</a:t>
             </a:fld>
             <a:endParaRPr lang="en-US"/>
           </a:p>
@@ -6898,7 +6963,7 @@
             <a:fld id="{EE38F263-8F67-4EB6-A377-0FB965046360}" type="datetime1">
               <a:rPr lang="en-US" smtClean="0"/>
               <a:pPr/>
-              <a:t>1/27/2020</a:t>
+              <a:t>2/1/2020</a:t>
             </a:fld>
             <a:endParaRPr lang="en-US"/>
           </a:p>
@@ -7076,7 +7141,7 @@
           <a:p>
             <a:fld id="{F3175D55-7172-4598-95C7-7AC62CC8AEC3}" type="datetimeFigureOut">
               <a:rPr lang="en-US" smtClean="0"/>
-              <a:t>1/27/2020</a:t>
+              <a:t>2/1/2020</a:t>
             </a:fld>
             <a:endParaRPr lang="en-US"/>
           </a:p>
@@ -7406,7 +7471,7 @@
             <a:fld id="{D059461F-53CE-4F0D-8C52-0E69A5D463FE}" type="datetime1">
               <a:rPr lang="en-US" smtClean="0"/>
               <a:pPr/>
-              <a:t>1/27/2020</a:t>
+              <a:t>2/1/2020</a:t>
             </a:fld>
             <a:endParaRPr lang="en-US"/>
           </a:p>
@@ -7660,7 +7725,7 @@
             <a:fld id="{AF95868E-B978-4568-9431-F5759F396BAA}" type="datetime1">
               <a:rPr lang="en-US" smtClean="0"/>
               <a:pPr/>
-              <a:t>1/27/2020</a:t>
+              <a:t>2/1/2020</a:t>
             </a:fld>
             <a:endParaRPr lang="en-US"/>
           </a:p>
@@ -7830,7 +7895,7 @@
             <a:fld id="{C4E74B5A-09BF-4687-B57D-3DB82197D943}" type="datetime1">
               <a:rPr lang="en-US" smtClean="0"/>
               <a:pPr/>
-              <a:t>1/27/2020</a:t>
+              <a:t>2/1/2020</a:t>
             </a:fld>
             <a:endParaRPr lang="en-US"/>
           </a:p>
@@ -8010,7 +8075,7 @@
             <a:fld id="{49A3F927-E985-4A56-9013-78D3FFC3EF4C}" type="datetime1">
               <a:rPr lang="en-US" smtClean="0"/>
               <a:pPr/>
-              <a:t>1/27/2020</a:t>
+              <a:t>2/1/2020</a:t>
             </a:fld>
             <a:endParaRPr lang="en-US"/>
           </a:p>
@@ -8129,7 +8194,7 @@
             <a:fld id="{EE38F263-8F67-4EB6-A377-0FB965046360}" type="datetime1">
               <a:rPr lang="en-US" smtClean="0"/>
               <a:pPr/>
-              <a:t>1/27/2020</a:t>
+              <a:t>2/1/2020</a:t>
             </a:fld>
             <a:endParaRPr lang="en-US"/>
           </a:p>
@@ -8371,7 +8436,7 @@
             <a:fld id="{AEF3C9D5-948D-45BF-A43A-BC1C8F177659}" type="datetime1">
               <a:rPr lang="en-US" smtClean="0"/>
               <a:pPr/>
-              <a:t>1/27/2020</a:t>
+              <a:t>2/1/2020</a:t>
             </a:fld>
             <a:endParaRPr lang="en-US"/>
           </a:p>
@@ -8541,7 +8606,7 @@
             <a:fld id="{24DE1747-153E-4BA7-845E-5E7975F88D66}" type="datetime1">
               <a:rPr lang="en-US" smtClean="0"/>
               <a:pPr/>
-              <a:t>1/27/2020</a:t>
+              <a:t>2/1/2020</a:t>
             </a:fld>
             <a:endParaRPr lang="en-US"/>
           </a:p>
@@ -8788,7 +8853,7 @@
             <a:fld id="{F71ECA1C-BCD9-4C21-9BC5-BB94294F1269}" type="datetime1">
               <a:rPr lang="en-US" smtClean="0"/>
               <a:pPr/>
-              <a:t>1/27/2020</a:t>
+              <a:t>2/1/2020</a:t>
             </a:fld>
             <a:endParaRPr lang="en-US"/>
           </a:p>
@@ -9075,7 +9140,7 @@
             <a:fld id="{C74D56A4-68C4-40CF-99B1-A59BBC130E54}" type="datetime1">
               <a:rPr lang="en-US" smtClean="0"/>
               <a:pPr/>
-              <a:t>1/27/2020</a:t>
+              <a:t>2/1/2020</a:t>
             </a:fld>
             <a:endParaRPr lang="en-US"/>
           </a:p>
@@ -9326,7 +9391,7 @@
           <a:p>
             <a:fld id="{F3175D55-7172-4598-95C7-7AC62CC8AEC3}" type="datetimeFigureOut">
               <a:rPr lang="en-US" smtClean="0"/>
-              <a:t>1/27/2020</a:t>
+              <a:t>2/1/2020</a:t>
             </a:fld>
             <a:endParaRPr lang="en-US"/>
           </a:p>
@@ -9746,7 +9811,7 @@
             <a:fld id="{50E4250C-EECC-464A-9F01-39097C0C28CA}" type="datetime1">
               <a:rPr lang="en-US" smtClean="0"/>
               <a:pPr/>
-              <a:t>1/27/2020</a:t>
+              <a:t>2/1/2020</a:t>
             </a:fld>
             <a:endParaRPr lang="en-US"/>
           </a:p>
@@ -10135,7 +10200,7 @@
             <a:fld id="{EE38F263-8F67-4EB6-A377-0FB965046360}" type="datetime1">
               <a:rPr lang="en-US" smtClean="0"/>
               <a:pPr/>
-              <a:t>1/27/2020</a:t>
+              <a:t>2/1/2020</a:t>
             </a:fld>
             <a:endParaRPr lang="en-US"/>
           </a:p>
@@ -10466,7 +10531,7 @@
             <a:fld id="{D059461F-53CE-4F0D-8C52-0E69A5D463FE}" type="datetime1">
               <a:rPr lang="en-US" smtClean="0"/>
               <a:pPr/>
-              <a:t>1/27/2020</a:t>
+              <a:t>2/1/2020</a:t>
             </a:fld>
             <a:endParaRPr lang="en-US"/>
           </a:p>
@@ -10720,7 +10785,7 @@
             <a:fld id="{AF95868E-B978-4568-9431-F5759F396BAA}" type="datetime1">
               <a:rPr lang="en-US" smtClean="0"/>
               <a:pPr/>
-              <a:t>1/27/2020</a:t>
+              <a:t>2/1/2020</a:t>
             </a:fld>
             <a:endParaRPr lang="en-US"/>
           </a:p>
@@ -10890,7 +10955,7 @@
             <a:fld id="{C4E74B5A-09BF-4687-B57D-3DB82197D943}" type="datetime1">
               <a:rPr lang="en-US" smtClean="0"/>
               <a:pPr/>
-              <a:t>1/27/2020</a:t>
+              <a:t>2/1/2020</a:t>
             </a:fld>
             <a:endParaRPr lang="en-US"/>
           </a:p>
@@ -11070,7 +11135,7 @@
             <a:fld id="{49A3F927-E985-4A56-9013-78D3FFC3EF4C}" type="datetime1">
               <a:rPr lang="en-US" smtClean="0"/>
               <a:pPr/>
-              <a:t>1/27/2020</a:t>
+              <a:t>2/1/2020</a:t>
             </a:fld>
             <a:endParaRPr lang="en-US"/>
           </a:p>
@@ -11189,7 +11254,7 @@
             <a:fld id="{EE38F263-8F67-4EB6-A377-0FB965046360}" type="datetime1">
               <a:rPr lang="en-US" smtClean="0"/>
               <a:pPr/>
-              <a:t>1/27/2020</a:t>
+              <a:t>2/1/2020</a:t>
             </a:fld>
             <a:endParaRPr lang="en-US"/>
           </a:p>
@@ -11307,7 +11372,7 @@
           <a:p>
             <a:fld id="{5F8CB659-BAAB-4DA9-8080-ED588401F2FB}" type="datetimeFigureOut">
               <a:rPr lang="en-US" smtClean="0"/>
-              <a:t>1/27/2020</a:t>
+              <a:t>2/1/2020</a:t>
             </a:fld>
             <a:endParaRPr lang="en-US"/>
           </a:p>
@@ -11536,7 +11601,7 @@
           <a:p>
             <a:fld id="{F3175D55-7172-4598-95C7-7AC62CC8AEC3}" type="datetimeFigureOut">
               <a:rPr lang="en-US" smtClean="0"/>
-              <a:t>1/27/2020</a:t>
+              <a:t>2/1/2020</a:t>
             </a:fld>
             <a:endParaRPr lang="en-US"/>
           </a:p>
@@ -11777,7 +11842,7 @@
             <a:fld id="{AEF3C9D5-948D-45BF-A43A-BC1C8F177659}" type="datetime1">
               <a:rPr lang="en-US" smtClean="0"/>
               <a:pPr/>
-              <a:t>1/27/2020</a:t>
+              <a:t>2/1/2020</a:t>
             </a:fld>
             <a:endParaRPr lang="en-US"/>
           </a:p>
@@ -11947,7 +12012,7 @@
             <a:fld id="{24DE1747-153E-4BA7-845E-5E7975F88D66}" type="datetime1">
               <a:rPr lang="en-US" smtClean="0"/>
               <a:pPr/>
-              <a:t>1/27/2020</a:t>
+              <a:t>2/1/2020</a:t>
             </a:fld>
             <a:endParaRPr lang="en-US"/>
           </a:p>
@@ -12194,7 +12259,7 @@
             <a:fld id="{F71ECA1C-BCD9-4C21-9BC5-BB94294F1269}" type="datetime1">
               <a:rPr lang="en-US" smtClean="0"/>
               <a:pPr/>
-              <a:t>1/27/2020</a:t>
+              <a:t>2/1/2020</a:t>
             </a:fld>
             <a:endParaRPr lang="en-US"/>
           </a:p>
@@ -12481,7 +12546,7 @@
             <a:fld id="{C74D56A4-68C4-40CF-99B1-A59BBC130E54}" type="datetime1">
               <a:rPr lang="en-US" smtClean="0"/>
               <a:pPr/>
-              <a:t>1/27/2020</a:t>
+              <a:t>2/1/2020</a:t>
             </a:fld>
             <a:endParaRPr lang="en-US"/>
           </a:p>
@@ -12902,7 +12967,7 @@
             <a:fld id="{50E4250C-EECC-464A-9F01-39097C0C28CA}" type="datetime1">
               <a:rPr lang="en-US" smtClean="0"/>
               <a:pPr/>
-              <a:t>1/27/2020</a:t>
+              <a:t>2/1/2020</a:t>
             </a:fld>
             <a:endParaRPr lang="en-US"/>
           </a:p>
@@ -13738,7 +13803,7 @@
             <a:fld id="{EE38F263-8F67-4EB6-A377-0FB965046360}" type="datetime1">
               <a:rPr lang="en-US" smtClean="0"/>
               <a:pPr/>
-              <a:t>1/27/2020</a:t>
+              <a:t>2/1/2020</a:t>
             </a:fld>
             <a:endParaRPr lang="en-US"/>
           </a:p>
@@ -14069,7 +14134,7 @@
             <a:fld id="{D059461F-53CE-4F0D-8C52-0E69A5D463FE}" type="datetime1">
               <a:rPr lang="en-US" smtClean="0"/>
               <a:pPr/>
-              <a:t>1/27/2020</a:t>
+              <a:t>2/1/2020</a:t>
             </a:fld>
             <a:endParaRPr lang="en-US"/>
           </a:p>
@@ -14434,7 +14499,7 @@
           <a:p>
             <a:fld id="{F3175D55-7172-4598-95C7-7AC62CC8AEC3}" type="datetimeFigureOut">
               <a:rPr lang="en-US" smtClean="0"/>
-              <a:t>1/27/2020</a:t>
+              <a:t>2/1/2020</a:t>
             </a:fld>
             <a:endParaRPr lang="en-US"/>
           </a:p>
@@ -14687,7 +14752,7 @@
             <a:fld id="{AF95868E-B978-4568-9431-F5759F396BAA}" type="datetime1">
               <a:rPr lang="en-US" smtClean="0"/>
               <a:pPr/>
-              <a:t>1/27/2020</a:t>
+              <a:t>2/1/2020</a:t>
             </a:fld>
             <a:endParaRPr lang="en-US"/>
           </a:p>
@@ -14857,7 +14922,7 @@
             <a:fld id="{C4E74B5A-09BF-4687-B57D-3DB82197D943}" type="datetime1">
               <a:rPr lang="en-US" smtClean="0"/>
               <a:pPr/>
-              <a:t>1/27/2020</a:t>
+              <a:t>2/1/2020</a:t>
             </a:fld>
             <a:endParaRPr lang="en-US"/>
           </a:p>
@@ -15037,7 +15102,7 @@
             <a:fld id="{49A3F927-E985-4A56-9013-78D3FFC3EF4C}" type="datetime1">
               <a:rPr lang="en-US" smtClean="0"/>
               <a:pPr/>
-              <a:t>1/27/2020</a:t>
+              <a:t>2/1/2020</a:t>
             </a:fld>
             <a:endParaRPr lang="en-US"/>
           </a:p>
@@ -15156,7 +15221,7 @@
             <a:fld id="{EE38F263-8F67-4EB6-A377-0FB965046360}" type="datetime1">
               <a:rPr lang="en-US" smtClean="0"/>
               <a:pPr/>
-              <a:t>1/27/2020</a:t>
+              <a:t>2/1/2020</a:t>
             </a:fld>
             <a:endParaRPr lang="en-US"/>
           </a:p>
@@ -15274,7 +15339,7 @@
           <a:p>
             <a:fld id="{9AA5EA0D-0DFA-4FB3-91EC-F80588E7F6C0}" type="datetimeFigureOut">
               <a:rPr lang="en-US" smtClean="0"/>
-              <a:t>1/27/2020</a:t>
+              <a:t>2/1/2020</a:t>
             </a:fld>
             <a:endParaRPr lang="en-US"/>
           </a:p>
@@ -15652,7 +15717,7 @@
           <a:p>
             <a:fld id="{F3175D55-7172-4598-95C7-7AC62CC8AEC3}" type="datetimeFigureOut">
               <a:rPr lang="en-US" smtClean="0"/>
-              <a:t>1/27/2020</a:t>
+              <a:t>2/1/2020</a:t>
             </a:fld>
             <a:endParaRPr lang="en-US"/>
           </a:p>
@@ -15747,7 +15812,7 @@
           <a:p>
             <a:fld id="{F3175D55-7172-4598-95C7-7AC62CC8AEC3}" type="datetimeFigureOut">
               <a:rPr lang="en-US" smtClean="0"/>
-              <a:t>1/27/2020</a:t>
+              <a:t>2/1/2020</a:t>
             </a:fld>
             <a:endParaRPr lang="en-US"/>
           </a:p>
@@ -16022,7 +16087,7 @@
           <a:p>
             <a:fld id="{F3175D55-7172-4598-95C7-7AC62CC8AEC3}" type="datetimeFigureOut">
               <a:rPr lang="en-US" smtClean="0"/>
-              <a:t>1/27/2020</a:t>
+              <a:t>2/1/2020</a:t>
             </a:fld>
             <a:endParaRPr lang="en-US"/>
           </a:p>
@@ -16274,7 +16339,7 @@
           <a:p>
             <a:fld id="{F3175D55-7172-4598-95C7-7AC62CC8AEC3}" type="datetimeFigureOut">
               <a:rPr lang="en-US" smtClean="0"/>
-              <a:t>1/27/2020</a:t>
+              <a:t>2/1/2020</a:t>
             </a:fld>
             <a:endParaRPr lang="en-US"/>
           </a:p>
@@ -16485,7 +16550,7 @@
           <a:p>
             <a:fld id="{F3175D55-7172-4598-95C7-7AC62CC8AEC3}" type="datetimeFigureOut">
               <a:rPr lang="en-US" smtClean="0"/>
-              <a:t>1/27/2020</a:t>
+              <a:t>2/1/2020</a:t>
             </a:fld>
             <a:endParaRPr lang="en-US"/>
           </a:p>
@@ -17024,7 +17089,7 @@
             <a:fld id="{EE38F263-8F67-4EB6-A377-0FB965046360}" type="datetime1">
               <a:rPr lang="en-US" smtClean="0"/>
               <a:pPr/>
-              <a:t>1/27/2020</a:t>
+              <a:t>2/1/2020</a:t>
             </a:fld>
             <a:endParaRPr lang="en-US"/>
           </a:p>
@@ -17540,7 +17605,7 @@
             <a:fld id="{EE38F263-8F67-4EB6-A377-0FB965046360}" type="datetime1">
               <a:rPr lang="en-US" smtClean="0"/>
               <a:pPr/>
-              <a:t>1/27/2020</a:t>
+              <a:t>2/1/2020</a:t>
             </a:fld>
             <a:endParaRPr lang="en-US"/>
           </a:p>
@@ -18054,7 +18119,7 @@
             <a:fld id="{EE38F263-8F67-4EB6-A377-0FB965046360}" type="datetime1">
               <a:rPr lang="en-US" smtClean="0"/>
               <a:pPr/>
-              <a:t>1/27/2020</a:t>
+              <a:t>2/1/2020</a:t>
             </a:fld>
             <a:endParaRPr lang="en-US"/>
           </a:p>
@@ -18427,9 +18492,7 @@
     <p:bg>
       <p:bgPr>
         <a:solidFill>
-          <a:schemeClr val="tx2">
-            <a:lumMod val="50000"/>
-          </a:schemeClr>
+          <a:srgbClr val="10253F"/>
         </a:solidFill>
         <a:effectLst/>
       </p:bgPr>
@@ -20744,8 +20807,8 @@
           <a:chExt cx="0" cy="0"/>
         </a:xfrm>
       </p:grpSpPr>
-      <mc:AlternateContent xmlns:mc="http://schemas.openxmlformats.org/markup-compatibility/2006">
-        <mc:Choice xmlns:a14="http://schemas.microsoft.com/office/drawing/2010/main" Requires="a14">
+      <mc:AlternateContent xmlns:mc="http://schemas.openxmlformats.org/markup-compatibility/2006" xmlns:a14="http://schemas.microsoft.com/office/drawing/2010/main">
+        <mc:Choice Requires="a14">
           <p:sp>
             <p:nvSpPr>
               <p:cNvPr id="3" name="TextBox 2"/>
@@ -20768,6 +20831,7 @@
               </a:bodyPr>
               <a:lstStyle/>
               <a:p>
+                <a:pPr/>
                 <a14:m>
                   <m:oMathPara xmlns:m="http://schemas.openxmlformats.org/officeDocument/2006/math">
                     <m:oMathParaPr>
@@ -20921,7 +20985,7 @@
             </p:txBody>
           </p:sp>
         </mc:Choice>
-        <mc:Fallback>
+        <mc:Fallback xmlns="">
           <p:sp>
             <p:nvSpPr>
               <p:cNvPr id="3" name="TextBox 2"/>
@@ -21369,8 +21433,8 @@
           </a:fontRef>
         </p:style>
       </p:cxnSp>
-      <mc:AlternateContent xmlns:mc="http://schemas.openxmlformats.org/markup-compatibility/2006">
-        <mc:Choice xmlns:a14="http://schemas.microsoft.com/office/drawing/2010/main" Requires="a14">
+      <mc:AlternateContent xmlns:mc="http://schemas.openxmlformats.org/markup-compatibility/2006" xmlns:a14="http://schemas.microsoft.com/office/drawing/2010/main">
+        <mc:Choice Requires="a14">
           <p:sp>
             <p:nvSpPr>
               <p:cNvPr id="6" name="TextBox 5"/>
@@ -21393,6 +21457,7 @@
               </a:bodyPr>
               <a:lstStyle/>
               <a:p>
+                <a:pPr/>
                 <a14:m>
                   <m:oMathPara xmlns:m="http://schemas.openxmlformats.org/officeDocument/2006/math">
                     <m:oMathParaPr>
@@ -21546,7 +21611,7 @@
             </p:txBody>
           </p:sp>
         </mc:Choice>
-        <mc:Fallback>
+        <mc:Fallback xmlns="">
           <p:sp>
             <p:nvSpPr>
               <p:cNvPr id="6" name="TextBox 5"/>
@@ -23648,7 +23713,7 @@
           <p:nvPr>
             <p:extLst>
               <p:ext uri="{D42A27DB-BD31-4B8C-83A1-F6EECF244321}">
-                <p14:modId xmlns:p14="http://schemas.microsoft.com/office/powerpoint/2010/main" val="3984212259"/>
+                <p14:modId xmlns:p14="http://schemas.microsoft.com/office/powerpoint/2010/main" val="1030700909"/>
               </p:ext>
             </p:extLst>
           </p:nvPr>
@@ -24453,8 +24518,8 @@
           </a:p>
         </p:txBody>
       </p:sp>
-      <mc:AlternateContent xmlns:mc="http://schemas.openxmlformats.org/markup-compatibility/2006">
-        <mc:Choice xmlns:a14="http://schemas.microsoft.com/office/drawing/2010/main" Requires="a14">
+      <mc:AlternateContent xmlns:mc="http://schemas.openxmlformats.org/markup-compatibility/2006" xmlns:a14="http://schemas.microsoft.com/office/drawing/2010/main">
+        <mc:Choice Requires="a14">
           <p:sp>
             <p:nvSpPr>
               <p:cNvPr id="16" name="Object 15"/>
@@ -24566,6 +24631,15 @@
               </a:p>
               <a:p>
                 <a:pPr/>
+                <a:r>
+                  <a:rPr lang="en-US" i="1" dirty="0">
+                    <a:solidFill>
+                      <a:srgbClr val="000000"/>
+                    </a:solidFill>
+                    <a:latin typeface="Cambria Math" panose="02040503050406030204" pitchFamily="18" charset="0"/>
+                  </a:rPr>
+                  <a:t/>
+                </a:r>
                 <a:br>
                   <a:rPr lang="en-US" i="1" dirty="0">
                     <a:solidFill>
@@ -24658,7 +24732,7 @@
             </p:txBody>
           </p:sp>
         </mc:Choice>
-        <mc:Fallback>
+        <mc:Fallback xmlns="">
           <p:sp>
             <p:nvSpPr>
               <p:cNvPr id="16" name="Object 15"/>
@@ -26115,8 +26189,8 @@
           </a:p>
         </p:txBody>
       </p:sp>
-      <mc:AlternateContent xmlns:mc="http://schemas.openxmlformats.org/markup-compatibility/2006">
-        <mc:Choice xmlns:a14="http://schemas.microsoft.com/office/drawing/2010/main" Requires="a14">
+      <mc:AlternateContent xmlns:mc="http://schemas.openxmlformats.org/markup-compatibility/2006" xmlns:a14="http://schemas.microsoft.com/office/drawing/2010/main">
+        <mc:Choice Requires="a14">
           <p:sp>
             <p:nvSpPr>
               <p:cNvPr id="26" name="TextBox 25"/>
@@ -26139,6 +26213,7 @@
               </a:bodyPr>
               <a:lstStyle/>
               <a:p>
+                <a:pPr/>
                 <a14:m>
                   <m:oMathPara xmlns:m="http://schemas.openxmlformats.org/officeDocument/2006/math">
                     <m:oMathParaPr>
@@ -26212,7 +26287,7 @@
             </p:txBody>
           </p:sp>
         </mc:Choice>
-        <mc:Fallback>
+        <mc:Fallback xmlns="">
           <p:sp>
             <p:nvSpPr>
               <p:cNvPr id="26" name="TextBox 25"/>
@@ -28350,6 +28425,23 @@
               </a:rPr>
               <a:t>T2</a:t>
             </a:r>
+            <a:r>
+              <a:rPr kumimoji="0" lang="en-US" sz="1400" b="0" i="0" u="none" strike="noStrike" kern="1200" cap="none" spc="0" normalizeH="0" baseline="0" noProof="0" dirty="0">
+                <a:ln>
+                  <a:noFill/>
+                </a:ln>
+                <a:solidFill>
+                  <a:prstClr val="black"/>
+                </a:solidFill>
+                <a:effectLst/>
+                <a:uLnTx/>
+                <a:uFillTx/>
+                <a:latin typeface="Tahoma" charset="0"/>
+                <a:ea typeface="+mn-ea"/>
+                <a:cs typeface="+mn-cs"/>
+              </a:rPr>
+              <a:t/>
+            </a:r>
             <a:br>
               <a:rPr kumimoji="0" lang="en-US" sz="1400" b="0" i="0" u="none" strike="noStrike" kern="1200" cap="none" spc="0" normalizeH="0" baseline="0" noProof="0" dirty="0">
                 <a:ln>
@@ -29534,7 +29626,7 @@
               </a:rPr>
               <a:t>T2 - T1 = 0 </a:t>
             </a:r>
-            <a:br>
+            <a:r>
               <a:rPr kumimoji="0" lang="en-US" sz="1600" b="0" i="0" u="none" strike="noStrike" kern="1200" cap="none" spc="0" normalizeH="0" baseline="0" noProof="0" dirty="0">
                 <a:ln>
                   <a:noFill/>
@@ -29549,8 +29641,9 @@
                 <a:ea typeface="+mn-ea"/>
                 <a:cs typeface="+mn-cs"/>
               </a:rPr>
-            </a:br>
-            <a:r>
+              <a:t/>
+            </a:r>
+            <a:br>
               <a:rPr kumimoji="0" lang="en-US" sz="1600" b="0" i="0" u="none" strike="noStrike" kern="1200" cap="none" spc="0" normalizeH="0" baseline="0" noProof="0" dirty="0">
                 <a:ln>
                   <a:noFill/>
@@ -29565,6 +29658,22 @@
                 <a:ea typeface="+mn-ea"/>
                 <a:cs typeface="+mn-cs"/>
               </a:rPr>
+            </a:br>
+            <a:r>
+              <a:rPr kumimoji="0" lang="en-US" sz="1600" b="0" i="0" u="none" strike="noStrike" kern="1200" cap="none" spc="0" normalizeH="0" baseline="0" noProof="0" dirty="0">
+                <a:ln>
+                  <a:noFill/>
+                </a:ln>
+                <a:solidFill>
+                  <a:srgbClr val="FF6D16"/>
+                </a:solidFill>
+                <a:effectLst/>
+                <a:uLnTx/>
+                <a:uFillTx/>
+                <a:latin typeface="Tahoma" charset="0"/>
+                <a:ea typeface="+mn-ea"/>
+                <a:cs typeface="+mn-cs"/>
+              </a:rPr>
               <a:t>Impact study accurately represents program effects</a:t>
             </a:r>
           </a:p>
@@ -29575,6 +29684,23 @@
                 <a:latin typeface="Tahoma" charset="0"/>
               </a:rPr>
               <a:t>Program is not determined to be effective (no change)</a:t>
+            </a:r>
+            <a:r>
+              <a:rPr kumimoji="0" lang="en-US" sz="1600" b="0" i="0" u="none" strike="noStrike" kern="1200" cap="none" spc="0" normalizeH="0" baseline="0" noProof="0" dirty="0">
+                <a:ln>
+                  <a:noFill/>
+                </a:ln>
+                <a:solidFill>
+                  <a:srgbClr val="FF6D16"/>
+                </a:solidFill>
+                <a:effectLst/>
+                <a:uLnTx/>
+                <a:uFillTx/>
+                <a:latin typeface="Tahoma" charset="0"/>
+                <a:ea typeface="+mn-ea"/>
+                <a:cs typeface="+mn-cs"/>
+              </a:rPr>
+              <a:t/>
             </a:r>
             <a:br>
               <a:rPr kumimoji="0" lang="en-US" sz="1600" b="0" i="0" u="none" strike="noStrike" kern="1200" cap="none" spc="0" normalizeH="0" baseline="0" noProof="0" dirty="0">
@@ -31991,6 +32117,10 @@
               </a:rPr>
               <a:t>Nature gives us correlations: </a:t>
             </a:r>
+            <a:r>
+              <a:rPr lang="en-US" sz="4400" dirty="0"/>
+              <a:t/>
+            </a:r>
             <a:br>
               <a:rPr lang="en-US" sz="4400" dirty="0"/>
             </a:br>
@@ -32492,6 +32622,16 @@
               </a:rPr>
               <a:t>How do we test the criteria: </a:t>
             </a:r>
+            <a:r>
+              <a:rPr lang="en-US" sz="2400" dirty="0">
+                <a:solidFill>
+                  <a:prstClr val="black"/>
+                </a:solidFill>
+                <a:latin typeface="Century Gothic" panose="020B0502020202020204" pitchFamily="34" charset="0"/>
+                <a:cs typeface="Times New Roman" panose="02020603050405020304" pitchFamily="18" charset="0"/>
+              </a:rPr>
+              <a:t/>
+            </a:r>
             <a:br>
               <a:rPr lang="en-US" sz="2400" dirty="0">
                 <a:solidFill>
@@ -32501,6 +32641,16 @@
                 <a:cs typeface="Times New Roman" panose="02020603050405020304" pitchFamily="18" charset="0"/>
               </a:rPr>
             </a:br>
+            <a:r>
+              <a:rPr lang="en-US" sz="2400" dirty="0">
+                <a:solidFill>
+                  <a:prstClr val="black"/>
+                </a:solidFill>
+                <a:latin typeface="Century Gothic" panose="020B0502020202020204" pitchFamily="34" charset="0"/>
+                <a:cs typeface="Times New Roman" panose="02020603050405020304" pitchFamily="18" charset="0"/>
+              </a:rPr>
+              <a:t/>
+            </a:r>
             <a:br>
               <a:rPr lang="en-US" sz="2400" dirty="0">
                 <a:solidFill>
@@ -32992,6 +33142,16 @@
                 <a:cs typeface="Times New Roman" panose="02020603050405020304" pitchFamily="18" charset="0"/>
               </a:rPr>
             </a:br>
+            <a:r>
+              <a:rPr lang="en-US" sz="2400" dirty="0">
+                <a:solidFill>
+                  <a:prstClr val="white"/>
+                </a:solidFill>
+                <a:latin typeface="Century Gothic" panose="020B0502020202020204" pitchFamily="34" charset="0"/>
+                <a:cs typeface="Times New Roman" panose="02020603050405020304" pitchFamily="18" charset="0"/>
+              </a:rPr>
+              <a:t/>
+            </a:r>
             <a:br>
               <a:rPr lang="en-US" sz="2400" dirty="0">
                 <a:solidFill>
@@ -33268,6 +33428,23 @@
               <a:tabLst/>
               <a:defRPr/>
             </a:pPr>
+            <a:r>
+              <a:rPr kumimoji="0" lang="en-US" sz="4000" b="1" i="0" u="none" strike="noStrike" kern="1200" cap="all" spc="0" normalizeH="0" baseline="0" noProof="0" dirty="0">
+                <a:ln>
+                  <a:noFill/>
+                </a:ln>
+                <a:solidFill>
+                  <a:prstClr val="white"/>
+                </a:solidFill>
+                <a:effectLst/>
+                <a:uLnTx/>
+                <a:uFillTx/>
+                <a:latin typeface="Euphemia"/>
+                <a:ea typeface="+mj-ea"/>
+                <a:cs typeface="+mj-cs"/>
+              </a:rPr>
+              <a:t/>
+            </a:r>
             <a:br>
               <a:rPr kumimoji="0" lang="en-US" sz="4000" b="1" i="0" u="none" strike="noStrike" kern="1200" cap="all" spc="0" normalizeH="0" baseline="0" noProof="0" dirty="0">
                 <a:ln>
@@ -33472,6 +33649,23 @@
                 <a:cs typeface="Times New Roman" panose="02020603050405020304" pitchFamily="18" charset="0"/>
               </a:rPr>
               <a:t>level of confidence </a:t>
+            </a:r>
+            <a:r>
+              <a:rPr kumimoji="0" lang="en-US" sz="2400" b="0" i="0" u="none" strike="noStrike" kern="1200" cap="none" spc="0" normalizeH="0" baseline="0" noProof="0" dirty="0">
+                <a:ln>
+                  <a:noFill/>
+                </a:ln>
+                <a:solidFill>
+                  <a:prstClr val="white"/>
+                </a:solidFill>
+                <a:effectLst/>
+                <a:uLnTx/>
+                <a:uFillTx/>
+                <a:latin typeface="Century Gothic" panose="020B0502020202020204" pitchFamily="34" charset="0"/>
+                <a:ea typeface="+mn-ea"/>
+                <a:cs typeface="Times New Roman" panose="02020603050405020304" pitchFamily="18" charset="0"/>
+              </a:rPr>
+              <a:t/>
             </a:r>
             <a:br>
               <a:rPr kumimoji="0" lang="en-US" sz="2400" b="0" i="0" u="none" strike="noStrike" kern="1200" cap="none" spc="0" normalizeH="0" baseline="0" noProof="0" dirty="0">
@@ -33679,6 +33873,23 @@
               <a:tabLst/>
               <a:defRPr/>
             </a:pPr>
+            <a:r>
+              <a:rPr kumimoji="0" lang="en-US" sz="4000" b="1" i="0" u="none" strike="noStrike" kern="1200" cap="all" spc="0" normalizeH="0" baseline="0" noProof="0" dirty="0">
+                <a:ln>
+                  <a:noFill/>
+                </a:ln>
+                <a:solidFill>
+                  <a:prstClr val="white"/>
+                </a:solidFill>
+                <a:effectLst/>
+                <a:uLnTx/>
+                <a:uFillTx/>
+                <a:latin typeface="Euphemia"/>
+                <a:ea typeface="+mj-ea"/>
+                <a:cs typeface="+mj-cs"/>
+              </a:rPr>
+              <a:t/>
+            </a:r>
             <a:br>
               <a:rPr kumimoji="0" lang="en-US" sz="4000" b="1" i="0" u="none" strike="noStrike" kern="1200" cap="all" spc="0" normalizeH="0" baseline="0" noProof="0" dirty="0">
                 <a:ln>
@@ -33826,7 +34037,7 @@
               <a:tabLst/>
               <a:defRPr/>
             </a:pPr>
-            <a:br>
+            <a:r>
               <a:rPr kumimoji="0" lang="en-US" sz="2400" b="0" i="0" u="none" strike="noStrike" kern="1200" cap="none" spc="0" normalizeH="0" baseline="0" noProof="0" dirty="0">
                 <a:ln>
                   <a:noFill/>
@@ -33841,16 +34052,15 @@
                 <a:ea typeface="+mn-ea"/>
                 <a:cs typeface="Times New Roman" panose="02020603050405020304" pitchFamily="18" charset="0"/>
               </a:rPr>
-            </a:br>
-            <a:r>
+              <a:t/>
+            </a:r>
+            <a:br>
               <a:rPr kumimoji="0" lang="en-US" sz="2400" b="0" i="0" u="none" strike="noStrike" kern="1200" cap="none" spc="0" normalizeH="0" baseline="0" noProof="0" dirty="0">
                 <a:ln>
                   <a:noFill/>
                 </a:ln>
                 <a:solidFill>
-                  <a:srgbClr val="FFC000">
-                    <a:lumMod val="75000"/>
-                  </a:srgbClr>
+                  <a:prstClr val="white"/>
                 </a:solidFill>
                 <a:effectLst/>
                 <a:uLnTx/>
@@ -33859,7 +34069,42 @@
                 <a:ea typeface="+mn-ea"/>
                 <a:cs typeface="Times New Roman" panose="02020603050405020304" pitchFamily="18" charset="0"/>
               </a:rPr>
+            </a:br>
+            <a:r>
+              <a:rPr kumimoji="0" lang="en-US" sz="2400" b="0" i="0" u="none" strike="noStrike" kern="1200" cap="none" spc="0" normalizeH="0" baseline="0" noProof="0" dirty="0">
+                <a:ln>
+                  <a:noFill/>
+                </a:ln>
+                <a:solidFill>
+                  <a:srgbClr val="FFC000">
+                    <a:lumMod val="75000"/>
+                  </a:srgbClr>
+                </a:solidFill>
+                <a:effectLst/>
+                <a:uLnTx/>
+                <a:uFillTx/>
+                <a:latin typeface="Century Gothic" panose="020B0502020202020204" pitchFamily="34" charset="0"/>
+                <a:ea typeface="+mn-ea"/>
+                <a:cs typeface="Times New Roman" panose="02020603050405020304" pitchFamily="18" charset="0"/>
+              </a:rPr>
               <a:t>What does alpha=0.05 mean?</a:t>
+            </a:r>
+            <a:r>
+              <a:rPr kumimoji="0" lang="en-US" sz="2400" b="0" i="0" u="none" strike="noStrike" kern="1200" cap="none" spc="0" normalizeH="0" baseline="0" noProof="0" dirty="0">
+                <a:ln>
+                  <a:noFill/>
+                </a:ln>
+                <a:solidFill>
+                  <a:prstClr val="white"/>
+                </a:solidFill>
+                <a:effectLst/>
+                <a:uLnTx/>
+                <a:uFillTx/>
+                <a:latin typeface="Century Gothic" panose="020B0502020202020204" pitchFamily="34" charset="0"/>
+                <a:ea typeface="+mn-ea"/>
+                <a:cs typeface="Times New Roman" panose="02020603050405020304" pitchFamily="18" charset="0"/>
+              </a:rPr>
+              <a:t/>
             </a:r>
             <a:br>
               <a:rPr kumimoji="0" lang="en-US" sz="2400" b="0" i="0" u="none" strike="noStrike" kern="1200" cap="none" spc="0" normalizeH="0" baseline="0" noProof="0" dirty="0">
@@ -34067,6 +34312,23 @@
               <a:tabLst/>
               <a:defRPr/>
             </a:pPr>
+            <a:r>
+              <a:rPr kumimoji="0" lang="en-US" sz="4000" b="1" i="0" u="none" strike="noStrike" kern="1200" cap="all" spc="0" normalizeH="0" baseline="0" noProof="0" dirty="0">
+                <a:ln>
+                  <a:noFill/>
+                </a:ln>
+                <a:solidFill>
+                  <a:prstClr val="white"/>
+                </a:solidFill>
+                <a:effectLst/>
+                <a:uLnTx/>
+                <a:uFillTx/>
+                <a:latin typeface="Euphemia"/>
+                <a:ea typeface="+mj-ea"/>
+                <a:cs typeface="+mj-cs"/>
+              </a:rPr>
+              <a:t/>
+            </a:r>
             <a:br>
               <a:rPr kumimoji="0" lang="en-US" sz="4000" b="1" i="0" u="none" strike="noStrike" kern="1200" cap="all" spc="0" normalizeH="0" baseline="0" noProof="0" dirty="0">
                 <a:ln>
@@ -34211,7 +34473,7 @@
               <a:tabLst/>
               <a:defRPr/>
             </a:pPr>
-            <a:br>
+            <a:r>
               <a:rPr kumimoji="0" lang="en-US" sz="2400" b="0" i="0" u="none" strike="noStrike" kern="1200" cap="none" spc="0" normalizeH="0" baseline="0" noProof="0" dirty="0">
                 <a:ln>
                   <a:noFill/>
@@ -34226,16 +34488,15 @@
                 <a:ea typeface="+mn-ea"/>
                 <a:cs typeface="Times New Roman" panose="02020603050405020304" pitchFamily="18" charset="0"/>
               </a:rPr>
-            </a:br>
-            <a:r>
+              <a:t/>
+            </a:r>
+            <a:br>
               <a:rPr kumimoji="0" lang="en-US" sz="2400" b="0" i="0" u="none" strike="noStrike" kern="1200" cap="none" spc="0" normalizeH="0" baseline="0" noProof="0" dirty="0">
                 <a:ln>
                   <a:noFill/>
                 </a:ln>
                 <a:solidFill>
-                  <a:srgbClr val="FFC000">
-                    <a:lumMod val="75000"/>
-                  </a:srgbClr>
+                  <a:prstClr val="white"/>
                 </a:solidFill>
                 <a:effectLst/>
                 <a:uLnTx/>
@@ -34244,7 +34505,42 @@
                 <a:ea typeface="+mn-ea"/>
                 <a:cs typeface="Times New Roman" panose="02020603050405020304" pitchFamily="18" charset="0"/>
               </a:rPr>
+            </a:br>
+            <a:r>
+              <a:rPr kumimoji="0" lang="en-US" sz="2400" b="0" i="0" u="none" strike="noStrike" kern="1200" cap="none" spc="0" normalizeH="0" baseline="0" noProof="0" dirty="0">
+                <a:ln>
+                  <a:noFill/>
+                </a:ln>
+                <a:solidFill>
+                  <a:srgbClr val="FFC000">
+                    <a:lumMod val="75000"/>
+                  </a:srgbClr>
+                </a:solidFill>
+                <a:effectLst/>
+                <a:uLnTx/>
+                <a:uFillTx/>
+                <a:latin typeface="Century Gothic" panose="020B0502020202020204" pitchFamily="34" charset="0"/>
+                <a:ea typeface="+mn-ea"/>
+                <a:cs typeface="Times New Roman" panose="02020603050405020304" pitchFamily="18" charset="0"/>
+              </a:rPr>
               <a:t>What does alpha=0.05 mean?</a:t>
+            </a:r>
+            <a:r>
+              <a:rPr kumimoji="0" lang="en-US" sz="2400" b="0" i="0" u="none" strike="noStrike" kern="1200" cap="none" spc="0" normalizeH="0" baseline="0" noProof="0" dirty="0">
+                <a:ln>
+                  <a:noFill/>
+                </a:ln>
+                <a:solidFill>
+                  <a:prstClr val="white"/>
+                </a:solidFill>
+                <a:effectLst/>
+                <a:uLnTx/>
+                <a:uFillTx/>
+                <a:latin typeface="Century Gothic" panose="020B0502020202020204" pitchFamily="34" charset="0"/>
+                <a:ea typeface="+mn-ea"/>
+                <a:cs typeface="Times New Roman" panose="02020603050405020304" pitchFamily="18" charset="0"/>
+              </a:rPr>
+              <a:t/>
             </a:r>
             <a:br>
               <a:rPr kumimoji="0" lang="en-US" sz="2400" b="0" i="0" u="none" strike="noStrike" kern="1200" cap="none" spc="0" normalizeH="0" baseline="0" noProof="0" dirty="0">
@@ -34728,13 +35024,13 @@
           <p:nvPr/>
         </p:nvPicPr>
         <p:blipFill>
-          <a:blip r:embed="rId3">
+          <a:blip r:embed="rId3" cstate="print">
             <a:extLst>
               <a:ext uri="{28A0092B-C50C-407E-A947-70E740481C1C}">
                 <a14:useLocalDpi xmlns:a14="http://schemas.microsoft.com/office/drawing/2010/main" val="0"/>
               </a:ext>
               <a:ext uri="{96DAC541-7B7A-43D3-8B79-37D633B846F1}">
-                <asvg:svgBlip xmlns:asvg="http://schemas.microsoft.com/office/drawing/2016/SVG/main" r:embed="rId4"/>
+                <asvg:svgBlip xmlns:asvg="http://schemas.microsoft.com/office/drawing/2016/SVG/main" xmlns="" r:embed="rId4"/>
               </a:ext>
             </a:extLst>
           </a:blip>
@@ -35019,6 +35315,16 @@
                 <a:cs typeface="Times New Roman" panose="02020603050405020304" pitchFamily="18" charset="0"/>
               </a:rPr>
             </a:br>
+            <a:r>
+              <a:rPr lang="en-US" sz="2400" dirty="0">
+                <a:solidFill>
+                  <a:prstClr val="black"/>
+                </a:solidFill>
+                <a:latin typeface="Century Gothic" panose="020B0502020202020204" pitchFamily="34" charset="0"/>
+                <a:cs typeface="Times New Roman" panose="02020603050405020304" pitchFamily="18" charset="0"/>
+              </a:rPr>
+              <a:t/>
+            </a:r>
             <a:br>
               <a:rPr lang="en-US" sz="2400" dirty="0">
                 <a:solidFill>
@@ -35187,6 +35493,16 @@
                 <a:cs typeface="Times New Roman" panose="02020603050405020304" pitchFamily="18" charset="0"/>
               </a:rPr>
               <a:t> in measured traits. </a:t>
+            </a:r>
+            <a:r>
+              <a:rPr lang="en-US" sz="1600" dirty="0">
+                <a:solidFill>
+                  <a:prstClr val="black"/>
+                </a:solidFill>
+                <a:latin typeface="Century Gothic" panose="020B0502020202020204" pitchFamily="34" charset="0"/>
+                <a:cs typeface="Times New Roman" panose="02020603050405020304" pitchFamily="18" charset="0"/>
+              </a:rPr>
+              <a:t/>
             </a:r>
             <a:br>
               <a:rPr lang="en-US" sz="1600" dirty="0">
@@ -36306,6 +36622,16 @@
               </a:rPr>
               <a:t>0.04  &gt;  0.0083</a:t>
             </a:r>
+            <a:r>
+              <a:rPr lang="en-US" dirty="0">
+                <a:solidFill>
+                  <a:schemeClr val="accent6">
+                    <a:lumMod val="75000"/>
+                  </a:schemeClr>
+                </a:solidFill>
+              </a:rPr>
+              <a:t/>
+            </a:r>
             <a:br>
               <a:rPr lang="en-US" dirty="0">
                 <a:solidFill>
@@ -36591,6 +36917,10 @@
               </a:rPr>
               <a:t>Vietnam draft </a:t>
             </a:r>
+            <a:r>
+              <a:rPr lang="en-US" b="1" dirty="0"/>
+              <a:t/>
+            </a:r>
             <a:br>
               <a:rPr lang="en-US" b="1" dirty="0"/>
             </a:br>
@@ -39009,6 +39339,23 @@
               </a:rPr>
               <a:t>T2</a:t>
             </a:r>
+            <a:r>
+              <a:rPr kumimoji="0" lang="en-US" sz="1400" b="0" i="0" u="none" strike="noStrike" kern="1200" cap="none" spc="0" normalizeH="0" baseline="0" noProof="0" dirty="0">
+                <a:ln>
+                  <a:noFill/>
+                </a:ln>
+                <a:solidFill>
+                  <a:prstClr val="black"/>
+                </a:solidFill>
+                <a:effectLst/>
+                <a:uLnTx/>
+                <a:uFillTx/>
+                <a:latin typeface="Tahoma" charset="0"/>
+                <a:ea typeface="+mn-ea"/>
+                <a:cs typeface="+mn-cs"/>
+              </a:rPr>
+              <a:t/>
+            </a:r>
             <a:br>
               <a:rPr kumimoji="0" lang="en-US" sz="1400" b="0" i="0" u="none" strike="noStrike" kern="1200" cap="none" spc="0" normalizeH="0" baseline="0" noProof="0" dirty="0">
                 <a:ln>
@@ -40193,7 +40540,7 @@
               </a:rPr>
               <a:t>T2 - T1 = 0 </a:t>
             </a:r>
-            <a:br>
+            <a:r>
               <a:rPr kumimoji="0" lang="en-US" sz="1600" b="0" i="0" u="none" strike="noStrike" kern="1200" cap="none" spc="0" normalizeH="0" baseline="0" noProof="0" dirty="0">
                 <a:ln>
                   <a:noFill/>
@@ -40208,8 +40555,9 @@
                 <a:ea typeface="+mn-ea"/>
                 <a:cs typeface="+mn-cs"/>
               </a:rPr>
-            </a:br>
-            <a:r>
+              <a:t/>
+            </a:r>
+            <a:br>
               <a:rPr kumimoji="0" lang="en-US" sz="1600" b="0" i="0" u="none" strike="noStrike" kern="1200" cap="none" spc="0" normalizeH="0" baseline="0" noProof="0" dirty="0">
                 <a:ln>
                   <a:noFill/>
@@ -40224,6 +40572,22 @@
                 <a:ea typeface="+mn-ea"/>
                 <a:cs typeface="+mn-cs"/>
               </a:rPr>
+            </a:br>
+            <a:r>
+              <a:rPr kumimoji="0" lang="en-US" sz="1600" b="0" i="0" u="none" strike="noStrike" kern="1200" cap="none" spc="0" normalizeH="0" baseline="0" noProof="0" dirty="0">
+                <a:ln>
+                  <a:noFill/>
+                </a:ln>
+                <a:solidFill>
+                  <a:srgbClr val="FF6D16"/>
+                </a:solidFill>
+                <a:effectLst/>
+                <a:uLnTx/>
+                <a:uFillTx/>
+                <a:latin typeface="Tahoma" charset="0"/>
+                <a:ea typeface="+mn-ea"/>
+                <a:cs typeface="+mn-cs"/>
+              </a:rPr>
               <a:t>Impact study accurately represents program effects</a:t>
             </a:r>
           </a:p>
@@ -40234,6 +40598,23 @@
                 <a:latin typeface="Tahoma" charset="0"/>
               </a:rPr>
               <a:t>Program is not determined to be effective (no change)</a:t>
+            </a:r>
+            <a:r>
+              <a:rPr kumimoji="0" lang="en-US" sz="1600" b="0" i="0" u="none" strike="noStrike" kern="1200" cap="none" spc="0" normalizeH="0" baseline="0" noProof="0" dirty="0">
+                <a:ln>
+                  <a:noFill/>
+                </a:ln>
+                <a:solidFill>
+                  <a:srgbClr val="FF6D16"/>
+                </a:solidFill>
+                <a:effectLst/>
+                <a:uLnTx/>
+                <a:uFillTx/>
+                <a:latin typeface="Tahoma" charset="0"/>
+                <a:ea typeface="+mn-ea"/>
+                <a:cs typeface="+mn-cs"/>
+              </a:rPr>
+              <a:t/>
             </a:r>
             <a:br>
               <a:rPr kumimoji="0" lang="en-US" sz="1600" b="0" i="0" u="none" strike="noStrike" kern="1200" cap="none" spc="0" normalizeH="0" baseline="0" noProof="0" dirty="0">
@@ -40374,7 +40755,7 @@
                 <a:hlinkClick r:id="rId2">
                   <a:extLst>
                     <a:ext uri="{A12FA001-AC4F-418D-AE19-62706E023703}">
-                      <ahyp:hlinkClr xmlns:ahyp="http://schemas.microsoft.com/office/drawing/2018/hyperlinkcolor" val="tx"/>
+                      <ahyp:hlinkClr xmlns:ahyp="http://schemas.microsoft.com/office/drawing/2018/hyperlinkcolor" xmlns="" val="tx"/>
                     </a:ext>
                   </a:extLst>
                 </a:hlinkClick>
@@ -42553,6 +42934,5170 @@
     <p:extLst>
       <p:ext uri="{BB962C8B-B14F-4D97-AF65-F5344CB8AC3E}">
         <p14:creationId xmlns:p14="http://schemas.microsoft.com/office/powerpoint/2010/main" val="3225941680"/>
+      </p:ext>
+    </p:extLst>
+  </p:cSld>
+  <p:clrMapOvr>
+    <a:masterClrMapping/>
+  </p:clrMapOvr>
+</p:sld>
+</file>
+
+<file path=ppt/slides/slide52.xml><?xml version="1.0" encoding="utf-8"?>
+<p:sld xmlns:a="http://schemas.openxmlformats.org/drawingml/2006/main" xmlns:r="http://schemas.openxmlformats.org/officeDocument/2006/relationships" xmlns:p="http://schemas.openxmlformats.org/presentationml/2006/main">
+  <p:cSld>
+    <p:bg>
+      <p:bgPr>
+        <a:solidFill>
+          <a:srgbClr val="1B043C"/>
+        </a:solidFill>
+        <a:effectLst/>
+      </p:bgPr>
+    </p:bg>
+    <p:spTree>
+      <p:nvGrpSpPr>
+        <p:cNvPr id="1" name=""/>
+        <p:cNvGrpSpPr/>
+        <p:nvPr/>
+      </p:nvGrpSpPr>
+      <p:grpSpPr>
+        <a:xfrm>
+          <a:off x="0" y="0"/>
+          <a:ext cx="0" cy="0"/>
+          <a:chOff x="0" y="0"/>
+          <a:chExt cx="0" cy="0"/>
+        </a:xfrm>
+      </p:grpSpPr>
+      <p:sp>
+        <p:nvSpPr>
+          <p:cNvPr id="24" name="Title 23"/>
+          <p:cNvSpPr>
+            <a:spLocks noGrp="1"/>
+          </p:cNvSpPr>
+          <p:nvPr>
+            <p:ph type="title"/>
+          </p:nvPr>
+        </p:nvSpPr>
+        <p:spPr>
+          <a:xfrm>
+            <a:off x="609600" y="517232"/>
+            <a:ext cx="10972800" cy="5146450"/>
+          </a:xfrm>
+        </p:spPr>
+        <p:txBody>
+          <a:bodyPr>
+            <a:normAutofit/>
+          </a:bodyPr>
+          <a:lstStyle/>
+          <a:p>
+            <a:r>
+              <a:rPr lang="en-US" sz="4400" dirty="0" smtClean="0">
+                <a:solidFill>
+                  <a:schemeClr val="accent6">
+                    <a:lumMod val="75000"/>
+                  </a:schemeClr>
+                </a:solidFill>
+                <a:latin typeface="Euphemia"/>
+              </a:rPr>
+              <a:t>What do we mean by “treated”?</a:t>
+            </a:r>
+            <a:r>
+              <a:rPr lang="en-US" sz="4400" dirty="0" smtClean="0">
+                <a:solidFill>
+                  <a:schemeClr val="bg1"/>
+                </a:solidFill>
+                <a:latin typeface="Euphemia"/>
+              </a:rPr>
+              <a:t/>
+            </a:r>
+            <a:br>
+              <a:rPr lang="en-US" sz="4400" dirty="0" smtClean="0">
+                <a:solidFill>
+                  <a:schemeClr val="bg1"/>
+                </a:solidFill>
+                <a:latin typeface="Euphemia"/>
+              </a:rPr>
+            </a:br>
+            <a:r>
+              <a:rPr lang="en-US" sz="4400" dirty="0">
+                <a:solidFill>
+                  <a:schemeClr val="bg1"/>
+                </a:solidFill>
+                <a:latin typeface="Euphemia"/>
+              </a:rPr>
+              <a:t/>
+            </a:r>
+            <a:br>
+              <a:rPr lang="en-US" sz="4400" dirty="0">
+                <a:solidFill>
+                  <a:schemeClr val="bg1"/>
+                </a:solidFill>
+                <a:latin typeface="Euphemia"/>
+              </a:rPr>
+            </a:br>
+            <a:r>
+              <a:rPr lang="en-US" sz="4400" dirty="0" smtClean="0">
+                <a:solidFill>
+                  <a:schemeClr val="bg1"/>
+                </a:solidFill>
+                <a:latin typeface="Euphemia"/>
+              </a:rPr>
+              <a:t>How non-compliance</a:t>
+            </a:r>
+            <a:r>
+              <a:rPr lang="en-US" sz="4400" dirty="0" smtClean="0">
+                <a:solidFill>
+                  <a:schemeClr val="bg1"/>
+                </a:solidFill>
+                <a:latin typeface="Euphemia"/>
+              </a:rPr>
+              <a:t/>
+            </a:r>
+            <a:br>
+              <a:rPr lang="en-US" sz="4400" dirty="0" smtClean="0">
+                <a:solidFill>
+                  <a:schemeClr val="bg1"/>
+                </a:solidFill>
+                <a:latin typeface="Euphemia"/>
+              </a:rPr>
+            </a:br>
+            <a:r>
+              <a:rPr lang="en-US" sz="4400" dirty="0" smtClean="0">
+                <a:solidFill>
+                  <a:schemeClr val="bg1"/>
+                </a:solidFill>
+                <a:latin typeface="Euphemia"/>
+              </a:rPr>
+              <a:t>changes our </a:t>
+            </a:r>
+            <a:br>
+              <a:rPr lang="en-US" sz="4400" dirty="0" smtClean="0">
+                <a:solidFill>
+                  <a:schemeClr val="bg1"/>
+                </a:solidFill>
+                <a:latin typeface="Euphemia"/>
+              </a:rPr>
+            </a:br>
+            <a:r>
+              <a:rPr lang="en-US" sz="4400" dirty="0" smtClean="0">
+                <a:solidFill>
+                  <a:schemeClr val="bg1"/>
+                </a:solidFill>
+                <a:latin typeface="Euphemia"/>
+              </a:rPr>
+              <a:t>measure of</a:t>
+            </a:r>
+            <a:r>
+              <a:rPr lang="en-US" sz="4400" dirty="0" smtClean="0">
+                <a:solidFill>
+                  <a:schemeClr val="bg1"/>
+                </a:solidFill>
+                <a:latin typeface="Euphemia"/>
+              </a:rPr>
+              <a:t> </a:t>
+            </a:r>
+            <a:br>
+              <a:rPr lang="en-US" sz="4400" dirty="0" smtClean="0">
+                <a:solidFill>
+                  <a:schemeClr val="bg1"/>
+                </a:solidFill>
+                <a:latin typeface="Euphemia"/>
+              </a:rPr>
+            </a:br>
+            <a:r>
+              <a:rPr lang="en-US" sz="4400" dirty="0" smtClean="0">
+                <a:solidFill>
+                  <a:schemeClr val="bg1"/>
+                </a:solidFill>
+                <a:latin typeface="Euphemia"/>
+              </a:rPr>
+              <a:t>effects</a:t>
+            </a:r>
+            <a:endParaRPr lang="en-US" sz="4400" dirty="0">
+              <a:solidFill>
+                <a:schemeClr val="bg1"/>
+              </a:solidFill>
+              <a:latin typeface="Euphemia"/>
+            </a:endParaRPr>
+          </a:p>
+        </p:txBody>
+      </p:sp>
+      <p:sp>
+        <p:nvSpPr>
+          <p:cNvPr id="2" name="Slide Number Placeholder 1"/>
+          <p:cNvSpPr>
+            <a:spLocks noGrp="1"/>
+          </p:cNvSpPr>
+          <p:nvPr>
+            <p:ph type="sldNum" sz="quarter" idx="12"/>
+          </p:nvPr>
+        </p:nvSpPr>
+        <p:spPr/>
+        <p:txBody>
+          <a:bodyPr/>
+          <a:lstStyle/>
+          <a:p>
+            <a:pPr marL="0" marR="0" lvl="0" indent="0" algn="r" defTabSz="914400" rtl="0" eaLnBrk="1" fontAlgn="auto" latinLnBrk="0" hangingPunct="1">
+              <a:lnSpc>
+                <a:spcPct val="100000"/>
+              </a:lnSpc>
+              <a:spcBef>
+                <a:spcPts val="0"/>
+              </a:spcBef>
+              <a:spcAft>
+                <a:spcPts val="0"/>
+              </a:spcAft>
+              <a:buClrTx/>
+              <a:buSzTx/>
+              <a:buFontTx/>
+              <a:buNone/>
+              <a:tabLst/>
+              <a:defRPr/>
+            </a:pPr>
+            <a:fld id="{A953BAF0-9579-42B3-B979-30EFD986705E}" type="slidenum">
+              <a:rPr kumimoji="0" lang="en-US" sz="1200" b="0" i="0" u="none" strike="noStrike" kern="1200" cap="none" spc="0" normalizeH="0" baseline="0" noProof="0">
+                <a:ln>
+                  <a:noFill/>
+                </a:ln>
+                <a:solidFill>
+                  <a:prstClr val="black">
+                    <a:tint val="75000"/>
+                  </a:prstClr>
+                </a:solidFill>
+                <a:effectLst/>
+                <a:uLnTx/>
+                <a:uFillTx/>
+                <a:latin typeface="Calibri"/>
+                <a:ea typeface="+mn-ea"/>
+                <a:cs typeface="+mn-cs"/>
+              </a:rPr>
+              <a:pPr marL="0" marR="0" lvl="0" indent="0" algn="r" defTabSz="914400" rtl="0" eaLnBrk="1" fontAlgn="auto" latinLnBrk="0" hangingPunct="1">
+                <a:lnSpc>
+                  <a:spcPct val="100000"/>
+                </a:lnSpc>
+                <a:spcBef>
+                  <a:spcPts val="0"/>
+                </a:spcBef>
+                <a:spcAft>
+                  <a:spcPts val="0"/>
+                </a:spcAft>
+                <a:buClrTx/>
+                <a:buSzTx/>
+                <a:buFontTx/>
+                <a:buNone/>
+                <a:tabLst/>
+                <a:defRPr/>
+              </a:pPr>
+              <a:t>52</a:t>
+            </a:fld>
+            <a:endParaRPr kumimoji="0" lang="en-US" sz="1200" b="0" i="0" u="none" strike="noStrike" kern="1200" cap="none" spc="0" normalizeH="0" baseline="0" noProof="0">
+              <a:ln>
+                <a:noFill/>
+              </a:ln>
+              <a:solidFill>
+                <a:prstClr val="black">
+                  <a:tint val="75000"/>
+                </a:prstClr>
+              </a:solidFill>
+              <a:effectLst/>
+              <a:uLnTx/>
+              <a:uFillTx/>
+              <a:latin typeface="Calibri"/>
+              <a:ea typeface="+mn-ea"/>
+              <a:cs typeface="+mn-cs"/>
+            </a:endParaRPr>
+          </a:p>
+        </p:txBody>
+      </p:sp>
+    </p:spTree>
+    <p:extLst>
+      <p:ext uri="{BB962C8B-B14F-4D97-AF65-F5344CB8AC3E}">
+        <p14:creationId xmlns:p14="http://schemas.microsoft.com/office/powerpoint/2010/main" val="1303895674"/>
+      </p:ext>
+    </p:extLst>
+  </p:cSld>
+  <p:clrMapOvr>
+    <a:masterClrMapping/>
+  </p:clrMapOvr>
+</p:sld>
+</file>
+
+<file path=ppt/slides/slide53.xml><?xml version="1.0" encoding="utf-8"?>
+<p:sld xmlns:a="http://schemas.openxmlformats.org/drawingml/2006/main" xmlns:r="http://schemas.openxmlformats.org/officeDocument/2006/relationships" xmlns:p="http://schemas.openxmlformats.org/presentationml/2006/main">
+  <p:cSld>
+    <p:spTree>
+      <p:nvGrpSpPr>
+        <p:cNvPr id="1" name=""/>
+        <p:cNvGrpSpPr/>
+        <p:nvPr/>
+      </p:nvGrpSpPr>
+      <p:grpSpPr>
+        <a:xfrm>
+          <a:off x="0" y="0"/>
+          <a:ext cx="0" cy="0"/>
+          <a:chOff x="0" y="0"/>
+          <a:chExt cx="0" cy="0"/>
+        </a:xfrm>
+      </p:grpSpPr>
+      <p:sp>
+        <p:nvSpPr>
+          <p:cNvPr id="3" name="Rectangle 2"/>
+          <p:cNvSpPr/>
+          <p:nvPr/>
+        </p:nvSpPr>
+        <p:spPr>
+          <a:xfrm>
+            <a:off x="1041918" y="1432456"/>
+            <a:ext cx="10058400" cy="2585323"/>
+          </a:xfrm>
+          <a:prstGeom prst="rect">
+            <a:avLst/>
+          </a:prstGeom>
+        </p:spPr>
+        <p:txBody>
+          <a:bodyPr wrap="square">
+            <a:spAutoFit/>
+          </a:bodyPr>
+          <a:lstStyle/>
+          <a:p>
+            <a:pPr marL="0" marR="0" lvl="0" indent="0" algn="l" defTabSz="914400" rtl="0" eaLnBrk="1" fontAlgn="auto" latinLnBrk="0" hangingPunct="1">
+              <a:lnSpc>
+                <a:spcPct val="100000"/>
+              </a:lnSpc>
+              <a:spcBef>
+                <a:spcPts val="0"/>
+              </a:spcBef>
+              <a:spcAft>
+                <a:spcPts val="0"/>
+              </a:spcAft>
+              <a:buClrTx/>
+              <a:buSzTx/>
+              <a:buFontTx/>
+              <a:buNone/>
+              <a:tabLst/>
+              <a:defRPr/>
+            </a:pPr>
+            <a:r>
+              <a:rPr kumimoji="0" lang="en-US" sz="1800" b="0" i="0" u="none" strike="noStrike" kern="1200" cap="none" spc="0" normalizeH="0" baseline="0" noProof="0" dirty="0">
+                <a:ln>
+                  <a:noFill/>
+                </a:ln>
+                <a:solidFill>
+                  <a:prstClr val="black"/>
+                </a:solidFill>
+                <a:effectLst/>
+                <a:uLnTx/>
+                <a:uFillTx/>
+                <a:latin typeface="Calibri"/>
+                <a:ea typeface="+mn-ea"/>
+                <a:cs typeface="+mn-cs"/>
+              </a:rPr>
+              <a:t>Those more effective methods are ones that don't require people to remember to take a pill, put on a condom, or record their temperature daily, such as intrauterine contraception or implants.</a:t>
+            </a:r>
+          </a:p>
+          <a:p>
+            <a:pPr marL="0" marR="0" lvl="0" indent="0" algn="l" defTabSz="914400" rtl="0" eaLnBrk="1" fontAlgn="auto" latinLnBrk="0" hangingPunct="1">
+              <a:lnSpc>
+                <a:spcPct val="100000"/>
+              </a:lnSpc>
+              <a:spcBef>
+                <a:spcPts val="0"/>
+              </a:spcBef>
+              <a:spcAft>
+                <a:spcPts val="0"/>
+              </a:spcAft>
+              <a:buClrTx/>
+              <a:buSzTx/>
+              <a:buFontTx/>
+              <a:buNone/>
+              <a:tabLst/>
+              <a:defRPr/>
+            </a:pPr>
+            <a:endParaRPr kumimoji="0" lang="en-US" sz="1800" b="0" i="0" u="none" strike="noStrike" kern="1200" cap="none" spc="0" normalizeH="0" baseline="0" noProof="0" dirty="0">
+              <a:ln>
+                <a:noFill/>
+              </a:ln>
+              <a:solidFill>
+                <a:prstClr val="black"/>
+              </a:solidFill>
+              <a:effectLst/>
+              <a:uLnTx/>
+              <a:uFillTx/>
+              <a:latin typeface="Calibri"/>
+              <a:ea typeface="+mn-ea"/>
+              <a:cs typeface="+mn-cs"/>
+            </a:endParaRPr>
+          </a:p>
+          <a:p>
+            <a:pPr marL="0" marR="0" lvl="0" indent="0" algn="l" defTabSz="914400" rtl="0" eaLnBrk="1" fontAlgn="auto" latinLnBrk="0" hangingPunct="1">
+              <a:lnSpc>
+                <a:spcPct val="100000"/>
+              </a:lnSpc>
+              <a:spcBef>
+                <a:spcPts val="0"/>
+              </a:spcBef>
+              <a:spcAft>
+                <a:spcPts val="0"/>
+              </a:spcAft>
+              <a:buClrTx/>
+              <a:buSzTx/>
+              <a:buFontTx/>
+              <a:buNone/>
+              <a:tabLst/>
+              <a:defRPr/>
+            </a:pPr>
+            <a:r>
+              <a:rPr kumimoji="0" lang="en-US" sz="1800" b="0" i="0" u="none" strike="noStrike" kern="1200" cap="none" spc="0" normalizeH="0" baseline="0" noProof="0" dirty="0">
+                <a:ln>
+                  <a:noFill/>
+                </a:ln>
+                <a:solidFill>
+                  <a:prstClr val="black"/>
+                </a:solidFill>
+                <a:effectLst/>
+                <a:uLnTx/>
+                <a:uFillTx/>
+                <a:latin typeface="Calibri"/>
+                <a:ea typeface="+mn-ea"/>
+                <a:cs typeface="+mn-cs"/>
+              </a:rPr>
+              <a:t>That's because human error can mess with things quite a lot. In fact, the UK's National Health Service (NHS) explained that </a:t>
+            </a:r>
+            <a:r>
+              <a:rPr kumimoji="0" lang="en-US" sz="1800" b="1" i="0" u="none" strike="noStrike" kern="1200" cap="none" spc="0" normalizeH="0" baseline="0" noProof="0" dirty="0">
+                <a:ln>
+                  <a:noFill/>
+                </a:ln>
+                <a:solidFill>
+                  <a:prstClr val="black"/>
+                </a:solidFill>
+                <a:effectLst/>
+                <a:uLnTx/>
+                <a:uFillTx/>
+                <a:latin typeface="Calibri"/>
+                <a:ea typeface="+mn-ea"/>
+                <a:cs typeface="+mn-cs"/>
+              </a:rPr>
+              <a:t>when the app was used perfectly all the time</a:t>
+            </a:r>
+            <a:r>
+              <a:rPr kumimoji="0" lang="en-US" sz="1800" b="0" i="0" u="none" strike="noStrike" kern="1200" cap="none" spc="0" normalizeH="0" baseline="0" noProof="0" dirty="0">
+                <a:ln>
+                  <a:noFill/>
+                </a:ln>
+                <a:solidFill>
+                  <a:prstClr val="black"/>
+                </a:solidFill>
+                <a:effectLst/>
+                <a:uLnTx/>
+                <a:uFillTx/>
+                <a:latin typeface="Calibri"/>
+                <a:ea typeface="+mn-ea"/>
+                <a:cs typeface="+mn-cs"/>
+              </a:rPr>
+              <a:t>, only five out of every 1,000 women would fall pregnant every year - a rate slightly better than the pill (</a:t>
+            </a:r>
+            <a:r>
+              <a:rPr kumimoji="0" lang="en-US" sz="1800" b="1" i="0" u="none" strike="noStrike" kern="1200" cap="none" spc="0" normalizeH="0" baseline="0" noProof="0" dirty="0">
+                <a:ln>
+                  <a:noFill/>
+                </a:ln>
+                <a:solidFill>
+                  <a:prstClr val="black"/>
+                </a:solidFill>
+                <a:effectLst/>
+                <a:uLnTx/>
+                <a:uFillTx/>
+                <a:latin typeface="Calibri"/>
+                <a:ea typeface="+mn-ea"/>
+                <a:cs typeface="+mn-cs"/>
+              </a:rPr>
+              <a:t>99.5 percent</a:t>
+            </a:r>
+            <a:r>
+              <a:rPr kumimoji="0" lang="en-US" sz="1800" b="0" i="0" u="none" strike="noStrike" kern="1200" cap="none" spc="0" normalizeH="0" baseline="0" noProof="0" dirty="0">
+                <a:ln>
+                  <a:noFill/>
+                </a:ln>
+                <a:solidFill>
+                  <a:prstClr val="black"/>
+                </a:solidFill>
+                <a:effectLst/>
+                <a:uLnTx/>
+                <a:uFillTx/>
+                <a:latin typeface="Calibri"/>
+                <a:ea typeface="+mn-ea"/>
+                <a:cs typeface="+mn-cs"/>
+              </a:rPr>
+              <a:t>).</a:t>
+            </a:r>
+          </a:p>
+          <a:p>
+            <a:pPr marL="0" marR="0" lvl="0" indent="0" algn="l" defTabSz="914400" rtl="0" eaLnBrk="1" fontAlgn="auto" latinLnBrk="0" hangingPunct="1">
+              <a:lnSpc>
+                <a:spcPct val="100000"/>
+              </a:lnSpc>
+              <a:spcBef>
+                <a:spcPts val="0"/>
+              </a:spcBef>
+              <a:spcAft>
+                <a:spcPts val="0"/>
+              </a:spcAft>
+              <a:buClrTx/>
+              <a:buSzTx/>
+              <a:buFontTx/>
+              <a:buNone/>
+              <a:tabLst/>
+              <a:defRPr/>
+            </a:pPr>
+            <a:endParaRPr kumimoji="0" lang="en-US" sz="1800" b="0" i="0" u="none" strike="noStrike" kern="1200" cap="none" spc="0" normalizeH="0" baseline="0" noProof="0" dirty="0">
+              <a:ln>
+                <a:noFill/>
+              </a:ln>
+              <a:solidFill>
+                <a:prstClr val="black"/>
+              </a:solidFill>
+              <a:effectLst/>
+              <a:uLnTx/>
+              <a:uFillTx/>
+              <a:latin typeface="Calibri"/>
+              <a:ea typeface="+mn-ea"/>
+              <a:cs typeface="+mn-cs"/>
+            </a:endParaRPr>
+          </a:p>
+          <a:p>
+            <a:pPr marL="0" marR="0" lvl="0" indent="0" algn="l" defTabSz="914400" rtl="0" eaLnBrk="1" fontAlgn="auto" latinLnBrk="0" hangingPunct="1">
+              <a:lnSpc>
+                <a:spcPct val="100000"/>
+              </a:lnSpc>
+              <a:spcBef>
+                <a:spcPts val="0"/>
+              </a:spcBef>
+              <a:spcAft>
+                <a:spcPts val="0"/>
+              </a:spcAft>
+              <a:buClrTx/>
+              <a:buSzTx/>
+              <a:buFontTx/>
+              <a:buNone/>
+              <a:tabLst/>
+              <a:defRPr/>
+            </a:pPr>
+            <a:r>
+              <a:rPr kumimoji="0" lang="en-US" sz="1800" b="0" i="0" u="none" strike="noStrike" kern="1200" cap="none" spc="0" normalizeH="0" baseline="0" noProof="0" dirty="0">
+                <a:ln>
+                  <a:noFill/>
+                </a:ln>
+                <a:solidFill>
+                  <a:prstClr val="black"/>
+                </a:solidFill>
+                <a:effectLst/>
+                <a:uLnTx/>
+                <a:uFillTx/>
+                <a:latin typeface="Calibri"/>
+                <a:ea typeface="+mn-ea"/>
+                <a:cs typeface="+mn-cs"/>
+              </a:rPr>
+              <a:t>But for </a:t>
+            </a:r>
+            <a:r>
+              <a:rPr kumimoji="0" lang="en-US" sz="1800" b="1" i="0" u="none" strike="noStrike" kern="1200" cap="none" spc="0" normalizeH="0" baseline="0" noProof="0" dirty="0">
+                <a:ln>
+                  <a:noFill/>
+                </a:ln>
+                <a:solidFill>
+                  <a:prstClr val="black"/>
+                </a:solidFill>
+                <a:effectLst/>
+                <a:uLnTx/>
+                <a:uFillTx/>
+                <a:latin typeface="Calibri"/>
+                <a:ea typeface="+mn-ea"/>
+                <a:cs typeface="+mn-cs"/>
+              </a:rPr>
+              <a:t>"typical use" - where the app isn't used entirely correctly every day </a:t>
+            </a:r>
+            <a:r>
+              <a:rPr kumimoji="0" lang="en-US" sz="1800" b="0" i="0" u="none" strike="noStrike" kern="1200" cap="none" spc="0" normalizeH="0" baseline="0" noProof="0" dirty="0">
+                <a:ln>
+                  <a:noFill/>
+                </a:ln>
+                <a:solidFill>
+                  <a:prstClr val="black"/>
+                </a:solidFill>
+                <a:effectLst/>
+                <a:uLnTx/>
+                <a:uFillTx/>
+                <a:latin typeface="Calibri"/>
+                <a:ea typeface="+mn-ea"/>
+                <a:cs typeface="+mn-cs"/>
+              </a:rPr>
+              <a:t>- it's more likely that seven out of every 100 women would experience accidental pregnancies, which is around </a:t>
+            </a:r>
+            <a:r>
+              <a:rPr kumimoji="0" lang="en-US" sz="1800" b="1" i="0" u="none" strike="noStrike" kern="1200" cap="none" spc="0" normalizeH="0" baseline="0" noProof="0" dirty="0">
+                <a:ln>
+                  <a:noFill/>
+                </a:ln>
+                <a:solidFill>
+                  <a:prstClr val="black"/>
+                </a:solidFill>
+                <a:effectLst/>
+                <a:uLnTx/>
+                <a:uFillTx/>
+                <a:latin typeface="Calibri"/>
+                <a:ea typeface="+mn-ea"/>
+                <a:cs typeface="+mn-cs"/>
+              </a:rPr>
+              <a:t>93 percent </a:t>
+            </a:r>
+            <a:r>
+              <a:rPr kumimoji="0" lang="en-US" sz="1800" b="0" i="0" u="none" strike="noStrike" kern="1200" cap="none" spc="0" normalizeH="0" baseline="0" noProof="0" dirty="0">
+                <a:ln>
+                  <a:noFill/>
+                </a:ln>
+                <a:solidFill>
+                  <a:prstClr val="black"/>
+                </a:solidFill>
+                <a:effectLst/>
+                <a:uLnTx/>
+                <a:uFillTx/>
+                <a:latin typeface="Calibri"/>
+                <a:ea typeface="+mn-ea"/>
+                <a:cs typeface="+mn-cs"/>
+              </a:rPr>
+              <a:t>efficiency.</a:t>
+            </a:r>
+          </a:p>
+        </p:txBody>
+      </p:sp>
+      <p:sp>
+        <p:nvSpPr>
+          <p:cNvPr id="5" name="TextBox 4"/>
+          <p:cNvSpPr txBox="1"/>
+          <p:nvPr/>
+        </p:nvSpPr>
+        <p:spPr>
+          <a:xfrm>
+            <a:off x="3409306" y="4556826"/>
+            <a:ext cx="4286430" cy="923330"/>
+          </a:xfrm>
+          <a:prstGeom prst="rect">
+            <a:avLst/>
+          </a:prstGeom>
+          <a:noFill/>
+        </p:spPr>
+        <p:txBody>
+          <a:bodyPr wrap="none" rtlCol="0">
+            <a:spAutoFit/>
+          </a:bodyPr>
+          <a:lstStyle/>
+          <a:p>
+            <a:pPr marL="0" marR="0" lvl="0" indent="0" algn="ctr" defTabSz="914400" rtl="0" eaLnBrk="1" fontAlgn="auto" latinLnBrk="0" hangingPunct="1">
+              <a:lnSpc>
+                <a:spcPct val="100000"/>
+              </a:lnSpc>
+              <a:spcBef>
+                <a:spcPts val="0"/>
+              </a:spcBef>
+              <a:spcAft>
+                <a:spcPts val="0"/>
+              </a:spcAft>
+              <a:buClrTx/>
+              <a:buSzTx/>
+              <a:buFontTx/>
+              <a:buNone/>
+              <a:tabLst/>
+              <a:defRPr/>
+            </a:pPr>
+            <a:r>
+              <a:rPr kumimoji="0" lang="en-US" sz="1800" b="1" i="0" u="none" strike="noStrike" kern="1200" cap="none" spc="0" normalizeH="0" baseline="0" noProof="0" dirty="0" smtClean="0">
+                <a:ln>
+                  <a:noFill/>
+                </a:ln>
+                <a:solidFill>
+                  <a:prstClr val="black"/>
+                </a:solidFill>
+                <a:effectLst/>
+                <a:uLnTx/>
+                <a:uFillTx/>
+                <a:latin typeface="Calibri"/>
+                <a:ea typeface="+mn-ea"/>
+                <a:cs typeface="+mn-cs"/>
+              </a:rPr>
+              <a:t>What is the </a:t>
+            </a:r>
+            <a:r>
+              <a:rPr lang="en-US" b="1" dirty="0" smtClean="0">
+                <a:solidFill>
+                  <a:prstClr val="black"/>
+                </a:solidFill>
+                <a:latin typeface="Calibri"/>
+              </a:rPr>
+              <a:t>TRUE </a:t>
+            </a:r>
+            <a:r>
+              <a:rPr kumimoji="0" lang="en-US" sz="1800" b="1" i="0" u="none" strike="noStrike" kern="1200" cap="none" spc="0" normalizeH="0" baseline="0" noProof="0" dirty="0" smtClean="0">
+                <a:ln>
+                  <a:noFill/>
+                </a:ln>
+                <a:solidFill>
+                  <a:prstClr val="black"/>
+                </a:solidFill>
+                <a:effectLst/>
+                <a:uLnTx/>
+                <a:uFillTx/>
+                <a:latin typeface="Calibri"/>
+                <a:ea typeface="+mn-ea"/>
+                <a:cs typeface="+mn-cs"/>
+              </a:rPr>
+              <a:t>effectiveness of the app?</a:t>
+            </a:r>
+            <a:br>
+              <a:rPr kumimoji="0" lang="en-US" sz="1800" b="1" i="0" u="none" strike="noStrike" kern="1200" cap="none" spc="0" normalizeH="0" baseline="0" noProof="0" dirty="0" smtClean="0">
+                <a:ln>
+                  <a:noFill/>
+                </a:ln>
+                <a:solidFill>
+                  <a:prstClr val="black"/>
+                </a:solidFill>
+                <a:effectLst/>
+                <a:uLnTx/>
+                <a:uFillTx/>
+                <a:latin typeface="Calibri"/>
+                <a:ea typeface="+mn-ea"/>
+                <a:cs typeface="+mn-cs"/>
+              </a:rPr>
+            </a:br>
+            <a:r>
+              <a:rPr kumimoji="0" lang="en-US" sz="1800" b="1" i="0" u="none" strike="noStrike" kern="1200" cap="none" spc="0" normalizeH="0" baseline="0" noProof="0" dirty="0" smtClean="0">
+                <a:ln>
+                  <a:noFill/>
+                </a:ln>
+                <a:solidFill>
+                  <a:prstClr val="black"/>
+                </a:solidFill>
+                <a:effectLst/>
+                <a:uLnTx/>
+                <a:uFillTx/>
+                <a:latin typeface="Calibri"/>
+                <a:ea typeface="+mn-ea"/>
+                <a:cs typeface="+mn-cs"/>
+              </a:rPr>
+              <a:t> </a:t>
+            </a:r>
+            <a:br>
+              <a:rPr kumimoji="0" lang="en-US" sz="1800" b="1" i="0" u="none" strike="noStrike" kern="1200" cap="none" spc="0" normalizeH="0" baseline="0" noProof="0" dirty="0" smtClean="0">
+                <a:ln>
+                  <a:noFill/>
+                </a:ln>
+                <a:solidFill>
+                  <a:prstClr val="black"/>
+                </a:solidFill>
+                <a:effectLst/>
+                <a:uLnTx/>
+                <a:uFillTx/>
+                <a:latin typeface="Calibri"/>
+                <a:ea typeface="+mn-ea"/>
+                <a:cs typeface="+mn-cs"/>
+              </a:rPr>
+            </a:br>
+            <a:r>
+              <a:rPr kumimoji="0" lang="en-US" sz="1800" b="1" i="0" u="none" strike="noStrike" kern="1200" cap="none" spc="0" normalizeH="0" baseline="0" noProof="0" dirty="0" smtClean="0">
+                <a:ln>
+                  <a:noFill/>
+                </a:ln>
+                <a:solidFill>
+                  <a:prstClr val="black"/>
+                </a:solidFill>
+                <a:effectLst/>
+                <a:uLnTx/>
+                <a:uFillTx/>
+                <a:latin typeface="Calibri"/>
+                <a:ea typeface="+mn-ea"/>
+                <a:cs typeface="+mn-cs"/>
+              </a:rPr>
+              <a:t>99.5 </a:t>
+            </a:r>
+            <a:r>
+              <a:rPr kumimoji="0" lang="en-US" sz="1800" b="1" i="0" u="none" strike="noStrike" kern="1200" cap="none" spc="0" normalizeH="0" baseline="0" noProof="0" dirty="0">
+                <a:ln>
+                  <a:noFill/>
+                </a:ln>
+                <a:solidFill>
+                  <a:prstClr val="black"/>
+                </a:solidFill>
+                <a:effectLst/>
+                <a:uLnTx/>
+                <a:uFillTx/>
+                <a:latin typeface="Calibri"/>
+                <a:ea typeface="+mn-ea"/>
+                <a:cs typeface="+mn-cs"/>
+              </a:rPr>
+              <a:t>percent, or 93 percent?</a:t>
+            </a:r>
+          </a:p>
+        </p:txBody>
+      </p:sp>
+      <p:sp>
+        <p:nvSpPr>
+          <p:cNvPr id="2" name="Rectangle 1"/>
+          <p:cNvSpPr/>
+          <p:nvPr/>
+        </p:nvSpPr>
+        <p:spPr>
+          <a:xfrm>
+            <a:off x="1041918" y="292728"/>
+            <a:ext cx="10304106" cy="800219"/>
+          </a:xfrm>
+          <a:prstGeom prst="rect">
+            <a:avLst/>
+          </a:prstGeom>
+        </p:spPr>
+        <p:txBody>
+          <a:bodyPr wrap="square">
+            <a:spAutoFit/>
+          </a:bodyPr>
+          <a:lstStyle/>
+          <a:p>
+            <a:pPr marL="0" marR="0" lvl="0" indent="0" algn="l" defTabSz="914400" rtl="0" eaLnBrk="1" fontAlgn="auto" latinLnBrk="0" hangingPunct="1">
+              <a:lnSpc>
+                <a:spcPct val="100000"/>
+              </a:lnSpc>
+              <a:spcBef>
+                <a:spcPts val="0"/>
+              </a:spcBef>
+              <a:spcAft>
+                <a:spcPts val="0"/>
+              </a:spcAft>
+              <a:buClrTx/>
+              <a:buSzTx/>
+              <a:buFontTx/>
+              <a:buNone/>
+              <a:tabLst/>
+              <a:defRPr/>
+            </a:pPr>
+            <a:r>
+              <a:rPr kumimoji="0" lang="en-US" sz="1800" b="1" i="0" u="none" strike="noStrike" kern="1200" cap="none" spc="0" normalizeH="0" baseline="0" noProof="0" dirty="0">
+                <a:ln>
+                  <a:noFill/>
+                </a:ln>
+                <a:solidFill>
+                  <a:srgbClr val="303030"/>
+                </a:solidFill>
+                <a:effectLst/>
+                <a:uLnTx/>
+                <a:uFillTx/>
+                <a:latin typeface="Open Sans"/>
+                <a:ea typeface="+mn-ea"/>
+                <a:cs typeface="+mn-cs"/>
+              </a:rPr>
+              <a:t>One of The Physicists Behind The Higgs Boson Has Made an Algorithm to Replace The Pill</a:t>
+            </a:r>
+          </a:p>
+          <a:p>
+            <a:pPr marL="0" marR="0" lvl="0" indent="0" algn="l" defTabSz="914400" rtl="0" eaLnBrk="1" fontAlgn="auto" latinLnBrk="0" hangingPunct="1">
+              <a:lnSpc>
+                <a:spcPct val="100000"/>
+              </a:lnSpc>
+              <a:spcBef>
+                <a:spcPts val="0"/>
+              </a:spcBef>
+              <a:spcAft>
+                <a:spcPts val="0"/>
+              </a:spcAft>
+              <a:buClrTx/>
+              <a:buSzTx/>
+              <a:buFontTx/>
+              <a:buNone/>
+              <a:tabLst/>
+              <a:defRPr/>
+            </a:pPr>
+            <a:endParaRPr kumimoji="0" lang="en-US" sz="1400" b="1" i="0" u="none" strike="noStrike" kern="1200" cap="none" spc="0" normalizeH="0" baseline="0" noProof="0" dirty="0">
+              <a:ln>
+                <a:noFill/>
+              </a:ln>
+              <a:solidFill>
+                <a:srgbClr val="333333"/>
+              </a:solidFill>
+              <a:effectLst/>
+              <a:uLnTx/>
+              <a:uFillTx/>
+              <a:latin typeface="Open Sans"/>
+              <a:ea typeface="+mn-ea"/>
+              <a:cs typeface="+mn-cs"/>
+            </a:endParaRPr>
+          </a:p>
+          <a:p>
+            <a:pPr marL="0" marR="0" lvl="0" indent="0" algn="l" defTabSz="914400" rtl="0" eaLnBrk="1" fontAlgn="auto" latinLnBrk="0" hangingPunct="1">
+              <a:lnSpc>
+                <a:spcPct val="100000"/>
+              </a:lnSpc>
+              <a:spcBef>
+                <a:spcPts val="0"/>
+              </a:spcBef>
+              <a:spcAft>
+                <a:spcPts val="0"/>
+              </a:spcAft>
+              <a:buClrTx/>
+              <a:buSzTx/>
+              <a:buFontTx/>
+              <a:buNone/>
+              <a:tabLst/>
+              <a:defRPr/>
+            </a:pPr>
+            <a:r>
+              <a:rPr kumimoji="0" lang="en-US" sz="1400" b="1" i="0" u="none" strike="noStrike" kern="1200" cap="none" spc="0" normalizeH="0" baseline="0" noProof="0" dirty="0">
+                <a:ln>
+                  <a:noFill/>
+                </a:ln>
+                <a:solidFill>
+                  <a:srgbClr val="333333"/>
+                </a:solidFill>
+                <a:effectLst/>
+                <a:uLnTx/>
+                <a:uFillTx/>
+                <a:latin typeface="Open Sans"/>
+                <a:ea typeface="+mn-ea"/>
+                <a:cs typeface="+mn-cs"/>
+              </a:rPr>
+              <a:t>It's up to 99.5% effective at stopping pregnancy.</a:t>
+            </a:r>
+          </a:p>
+        </p:txBody>
+      </p:sp>
+      <p:sp>
+        <p:nvSpPr>
+          <p:cNvPr id="6" name="Rectangle 5"/>
+          <p:cNvSpPr/>
+          <p:nvPr/>
+        </p:nvSpPr>
+        <p:spPr>
+          <a:xfrm>
+            <a:off x="1110343" y="6362219"/>
+            <a:ext cx="11772121" cy="307777"/>
+          </a:xfrm>
+          <a:prstGeom prst="rect">
+            <a:avLst/>
+          </a:prstGeom>
+        </p:spPr>
+        <p:txBody>
+          <a:bodyPr wrap="square">
+            <a:spAutoFit/>
+          </a:bodyPr>
+          <a:lstStyle/>
+          <a:p>
+            <a:pPr marL="0" marR="0" lvl="0" indent="0" algn="l" defTabSz="914400" rtl="0" eaLnBrk="1" fontAlgn="auto" latinLnBrk="0" hangingPunct="1">
+              <a:lnSpc>
+                <a:spcPct val="100000"/>
+              </a:lnSpc>
+              <a:spcBef>
+                <a:spcPts val="0"/>
+              </a:spcBef>
+              <a:spcAft>
+                <a:spcPts val="0"/>
+              </a:spcAft>
+              <a:buClrTx/>
+              <a:buSzTx/>
+              <a:buFontTx/>
+              <a:buNone/>
+              <a:tabLst/>
+              <a:defRPr/>
+            </a:pPr>
+            <a:r>
+              <a:rPr kumimoji="0" lang="en-US" sz="1400" b="0" i="0" u="none" strike="noStrike" kern="1200" cap="none" spc="0" normalizeH="0" baseline="0" noProof="0" dirty="0">
+                <a:ln>
+                  <a:noFill/>
+                </a:ln>
+                <a:solidFill>
+                  <a:prstClr val="black">
+                    <a:lumMod val="50000"/>
+                    <a:lumOff val="50000"/>
+                  </a:prstClr>
+                </a:solidFill>
+                <a:effectLst/>
+                <a:uLnTx/>
+                <a:uFillTx/>
+                <a:latin typeface="Calibri"/>
+                <a:ea typeface="+mn-ea"/>
+                <a:cs typeface="+mn-cs"/>
+              </a:rPr>
+              <a:t>https://www.sciencealert.com/one-of-the-physicists-behind-the-higgs-boson-has-made-an-algorithm-to-replace-the-pill</a:t>
+            </a:r>
+          </a:p>
+        </p:txBody>
+      </p:sp>
+    </p:spTree>
+    <p:extLst>
+      <p:ext uri="{BB962C8B-B14F-4D97-AF65-F5344CB8AC3E}">
+        <p14:creationId xmlns:p14="http://schemas.microsoft.com/office/powerpoint/2010/main" val="3280606259"/>
+      </p:ext>
+    </p:extLst>
+  </p:cSld>
+  <p:clrMapOvr>
+    <a:masterClrMapping/>
+  </p:clrMapOvr>
+  <p:timing>
+    <p:tnLst>
+      <p:par>
+        <p:cTn id="1" dur="indefinite" restart="never" nodeType="tmRoot"/>
+      </p:par>
+    </p:tnLst>
+  </p:timing>
+</p:sld>
+</file>
+
+<file path=ppt/slides/slide54.xml><?xml version="1.0" encoding="utf-8"?>
+<p:sld xmlns:a="http://schemas.openxmlformats.org/drawingml/2006/main" xmlns:r="http://schemas.openxmlformats.org/officeDocument/2006/relationships" xmlns:p="http://schemas.openxmlformats.org/presentationml/2006/main">
+  <p:cSld>
+    <p:spTree>
+      <p:nvGrpSpPr>
+        <p:cNvPr id="1" name=""/>
+        <p:cNvGrpSpPr/>
+        <p:nvPr/>
+      </p:nvGrpSpPr>
+      <p:grpSpPr>
+        <a:xfrm>
+          <a:off x="0" y="0"/>
+          <a:ext cx="0" cy="0"/>
+          <a:chOff x="0" y="0"/>
+          <a:chExt cx="0" cy="0"/>
+        </a:xfrm>
+      </p:grpSpPr>
+      <p:sp>
+        <p:nvSpPr>
+          <p:cNvPr id="3075" name="TextBox 3"/>
+          <p:cNvSpPr txBox="1">
+            <a:spLocks noChangeArrowheads="1"/>
+          </p:cNvSpPr>
+          <p:nvPr/>
+        </p:nvSpPr>
+        <p:spPr bwMode="auto">
+          <a:xfrm>
+            <a:off x="2667000" y="304801"/>
+            <a:ext cx="7010400" cy="646113"/>
+          </a:xfrm>
+          <a:prstGeom prst="rect">
+            <a:avLst/>
+          </a:prstGeom>
+          <a:noFill/>
+          <a:ln w="9525">
+            <a:noFill/>
+            <a:miter lim="800000"/>
+            <a:headEnd/>
+            <a:tailEnd/>
+          </a:ln>
+        </p:spPr>
+        <p:txBody>
+          <a:bodyPr>
+            <a:spAutoFit/>
+          </a:bodyPr>
+          <a:lstStyle/>
+          <a:p>
+            <a:pPr marL="0" marR="0" lvl="0" indent="0" algn="l" defTabSz="914400" rtl="0" eaLnBrk="1" fontAlgn="auto" latinLnBrk="0" hangingPunct="1">
+              <a:lnSpc>
+                <a:spcPct val="100000"/>
+              </a:lnSpc>
+              <a:spcBef>
+                <a:spcPts val="0"/>
+              </a:spcBef>
+              <a:spcAft>
+                <a:spcPts val="0"/>
+              </a:spcAft>
+              <a:buClrTx/>
+              <a:buSzTx/>
+              <a:buFontTx/>
+              <a:buNone/>
+              <a:tabLst/>
+              <a:defRPr/>
+            </a:pPr>
+            <a:r>
+              <a:rPr kumimoji="0" lang="en-US" sz="3600" b="0" i="0" u="none" strike="noStrike" kern="1200" cap="none" spc="0" normalizeH="0" baseline="0" noProof="0" dirty="0">
+                <a:ln>
+                  <a:noFill/>
+                </a:ln>
+                <a:solidFill>
+                  <a:prstClr val="black"/>
+                </a:solidFill>
+                <a:effectLst/>
+                <a:uLnTx/>
+                <a:uFillTx/>
+                <a:latin typeface="Tahoma" pitchFamily="34" charset="0"/>
+                <a:ea typeface="+mn-ea"/>
+                <a:cs typeface="+mn-cs"/>
+              </a:rPr>
+              <a:t>Estimation of the counter-factual:</a:t>
+            </a:r>
+          </a:p>
+        </p:txBody>
+      </p:sp>
+      <p:sp>
+        <p:nvSpPr>
+          <p:cNvPr id="2" name="TextBox 1"/>
+          <p:cNvSpPr txBox="1"/>
+          <p:nvPr/>
+        </p:nvSpPr>
+        <p:spPr>
+          <a:xfrm>
+            <a:off x="2768439" y="4876802"/>
+            <a:ext cx="7950959" cy="1292662"/>
+          </a:xfrm>
+          <a:prstGeom prst="rect">
+            <a:avLst/>
+          </a:prstGeom>
+          <a:noFill/>
+        </p:spPr>
+        <p:txBody>
+          <a:bodyPr wrap="none" rtlCol="0">
+            <a:spAutoFit/>
+          </a:bodyPr>
+          <a:lstStyle/>
+          <a:p>
+            <a:pPr marL="0" marR="0" lvl="0" indent="0" algn="l" defTabSz="914400" rtl="0" eaLnBrk="1" fontAlgn="auto" latinLnBrk="0" hangingPunct="1">
+              <a:lnSpc>
+                <a:spcPct val="100000"/>
+              </a:lnSpc>
+              <a:spcBef>
+                <a:spcPts val="0"/>
+              </a:spcBef>
+              <a:spcAft>
+                <a:spcPts val="0"/>
+              </a:spcAft>
+              <a:buClrTx/>
+              <a:buSzTx/>
+              <a:buFontTx/>
+              <a:buNone/>
+              <a:tabLst/>
+              <a:defRPr/>
+            </a:pPr>
+            <a:endParaRPr kumimoji="0" lang="en-US" sz="1800" b="0" i="0" u="none" strike="noStrike" kern="1200" cap="none" spc="0" normalizeH="0" baseline="0" noProof="0" dirty="0">
+              <a:ln>
+                <a:noFill/>
+              </a:ln>
+              <a:solidFill>
+                <a:prstClr val="black"/>
+              </a:solidFill>
+              <a:effectLst/>
+              <a:uLnTx/>
+              <a:uFillTx/>
+              <a:latin typeface="Calibri"/>
+              <a:ea typeface="+mn-ea"/>
+              <a:cs typeface="+mn-cs"/>
+            </a:endParaRPr>
+          </a:p>
+          <a:p>
+            <a:pPr marL="0" marR="0" lvl="0" indent="0" algn="l" defTabSz="914400" rtl="0" eaLnBrk="1" fontAlgn="auto" latinLnBrk="0" hangingPunct="1">
+              <a:lnSpc>
+                <a:spcPct val="100000"/>
+              </a:lnSpc>
+              <a:spcBef>
+                <a:spcPts val="0"/>
+              </a:spcBef>
+              <a:spcAft>
+                <a:spcPts val="0"/>
+              </a:spcAft>
+              <a:buClrTx/>
+              <a:buSzTx/>
+              <a:buFontTx/>
+              <a:buNone/>
+              <a:tabLst/>
+              <a:defRPr/>
+            </a:pPr>
+            <a:r>
+              <a:rPr kumimoji="0" lang="en-US" sz="2400" b="0" i="0" u="none" strike="noStrike" kern="1200" cap="none" spc="0" normalizeH="0" baseline="0" noProof="0" dirty="0">
+                <a:ln>
+                  <a:noFill/>
+                </a:ln>
+                <a:solidFill>
+                  <a:prstClr val="black"/>
+                </a:solidFill>
+                <a:effectLst/>
+                <a:uLnTx/>
+                <a:uFillTx/>
+                <a:latin typeface="Calibri"/>
+                <a:ea typeface="+mn-ea"/>
+                <a:cs typeface="+mn-cs"/>
+              </a:rPr>
+              <a:t>Program Effect =  </a:t>
+            </a:r>
+            <a:r>
+              <a:rPr kumimoji="0" lang="en-US" sz="2400" b="0" i="0" u="none" strike="noStrike" kern="1200" cap="none" spc="0" normalizeH="0" baseline="0" noProof="0" dirty="0" smtClean="0">
+                <a:ln>
+                  <a:noFill/>
+                </a:ln>
+                <a:solidFill>
+                  <a:prstClr val="black"/>
+                </a:solidFill>
+                <a:effectLst/>
+                <a:uLnTx/>
+                <a:uFillTx/>
+                <a:latin typeface="Calibri"/>
+                <a:ea typeface="+mn-ea"/>
+                <a:cs typeface="+mn-cs"/>
+              </a:rPr>
+              <a:t>T2 – C2</a:t>
+            </a:r>
+            <a:endParaRPr kumimoji="0" lang="en-US" sz="2400" b="0" i="0" u="none" strike="noStrike" kern="1200" cap="none" spc="0" normalizeH="0" baseline="0" noProof="0" dirty="0">
+              <a:ln>
+                <a:noFill/>
+              </a:ln>
+              <a:solidFill>
+                <a:prstClr val="black"/>
+              </a:solidFill>
+              <a:effectLst/>
+              <a:uLnTx/>
+              <a:uFillTx/>
+              <a:latin typeface="Calibri"/>
+              <a:ea typeface="+mn-ea"/>
+              <a:cs typeface="+mn-cs"/>
+            </a:endParaRPr>
+          </a:p>
+          <a:p>
+            <a:pPr marL="0" marR="0" lvl="0" indent="0" algn="l" defTabSz="914400" rtl="0" eaLnBrk="1" fontAlgn="auto" latinLnBrk="0" hangingPunct="1">
+              <a:lnSpc>
+                <a:spcPct val="100000"/>
+              </a:lnSpc>
+              <a:spcBef>
+                <a:spcPts val="0"/>
+              </a:spcBef>
+              <a:spcAft>
+                <a:spcPts val="0"/>
+              </a:spcAft>
+              <a:buClrTx/>
+              <a:buSzTx/>
+              <a:buFontTx/>
+              <a:buNone/>
+              <a:tabLst/>
+              <a:defRPr/>
+            </a:pPr>
+            <a:endParaRPr kumimoji="0" lang="en-US" sz="1800" b="0" i="0" u="none" strike="noStrike" kern="1200" cap="none" spc="0" normalizeH="0" baseline="0" noProof="0" dirty="0">
+              <a:ln>
+                <a:noFill/>
+              </a:ln>
+              <a:solidFill>
+                <a:prstClr val="black"/>
+              </a:solidFill>
+              <a:effectLst/>
+              <a:uLnTx/>
+              <a:uFillTx/>
+              <a:latin typeface="Calibri"/>
+              <a:ea typeface="+mn-ea"/>
+              <a:cs typeface="+mn-cs"/>
+            </a:endParaRPr>
+          </a:p>
+          <a:p>
+            <a:pPr marL="0" marR="0" lvl="0" indent="0" algn="l" defTabSz="914400" rtl="0" eaLnBrk="1" fontAlgn="auto" latinLnBrk="0" hangingPunct="1">
+              <a:lnSpc>
+                <a:spcPct val="100000"/>
+              </a:lnSpc>
+              <a:spcBef>
+                <a:spcPts val="0"/>
+              </a:spcBef>
+              <a:spcAft>
+                <a:spcPts val="0"/>
+              </a:spcAft>
+              <a:buClrTx/>
+              <a:buSzTx/>
+              <a:buFontTx/>
+              <a:buNone/>
+              <a:tabLst/>
+              <a:defRPr/>
+            </a:pPr>
+            <a:r>
+              <a:rPr kumimoji="0" lang="en-US" sz="1800" b="0" i="0" u="none" strike="noStrike" kern="1200" cap="none" spc="0" normalizeH="0" baseline="0" noProof="0" dirty="0">
+                <a:ln>
+                  <a:noFill/>
+                </a:ln>
+                <a:solidFill>
+                  <a:prstClr val="black"/>
+                </a:solidFill>
+                <a:effectLst/>
+                <a:uLnTx/>
+                <a:uFillTx/>
+                <a:latin typeface="Calibri"/>
+                <a:ea typeface="+mn-ea"/>
+                <a:cs typeface="+mn-cs"/>
+              </a:rPr>
+              <a:t>Is Group T </a:t>
+            </a:r>
+            <a:r>
+              <a:rPr kumimoji="0" lang="en-US" sz="1800" b="0" i="0" u="none" strike="noStrike" kern="1200" cap="none" spc="0" normalizeH="0" baseline="0" noProof="0" dirty="0" smtClean="0">
+                <a:ln>
+                  <a:noFill/>
+                </a:ln>
+                <a:solidFill>
+                  <a:prstClr val="black"/>
+                </a:solidFill>
+                <a:effectLst/>
+                <a:uLnTx/>
+                <a:uFillTx/>
+                <a:latin typeface="Calibri"/>
+                <a:ea typeface="+mn-ea"/>
+                <a:cs typeface="+mn-cs"/>
+              </a:rPr>
+              <a:t>(for treatment) those </a:t>
+            </a:r>
+            <a:r>
+              <a:rPr kumimoji="0" lang="en-US" sz="1800" b="0" i="0" u="none" strike="noStrike" kern="1200" cap="none" spc="0" normalizeH="0" baseline="0" noProof="0" dirty="0">
+                <a:ln>
+                  <a:noFill/>
+                </a:ln>
+                <a:solidFill>
+                  <a:prstClr val="black"/>
+                </a:solidFill>
+                <a:effectLst/>
+                <a:uLnTx/>
+                <a:uFillTx/>
+                <a:latin typeface="Calibri"/>
+                <a:ea typeface="+mn-ea"/>
+                <a:cs typeface="+mn-cs"/>
+              </a:rPr>
+              <a:t>that are </a:t>
+            </a:r>
+            <a:r>
+              <a:rPr kumimoji="0" lang="en-US" sz="1800" b="0" i="0" u="none" strike="noStrike" kern="1200" cap="none" spc="0" normalizeH="0" baseline="0" noProof="0" dirty="0" smtClean="0">
+                <a:ln>
+                  <a:noFill/>
+                </a:ln>
+                <a:solidFill>
+                  <a:prstClr val="black"/>
+                </a:solidFill>
+                <a:effectLst/>
+                <a:uLnTx/>
+                <a:uFillTx/>
+                <a:latin typeface="Calibri"/>
+                <a:ea typeface="+mn-ea"/>
+                <a:cs typeface="+mn-cs"/>
+              </a:rPr>
+              <a:t>GIVEN </a:t>
+            </a:r>
+            <a:r>
+              <a:rPr kumimoji="0" lang="en-US" sz="1800" b="0" i="0" u="none" strike="noStrike" kern="1200" cap="none" spc="0" normalizeH="0" baseline="0" noProof="0" dirty="0">
+                <a:ln>
+                  <a:noFill/>
+                </a:ln>
+                <a:solidFill>
+                  <a:prstClr val="black"/>
+                </a:solidFill>
+                <a:effectLst/>
+                <a:uLnTx/>
+                <a:uFillTx/>
+                <a:latin typeface="Calibri"/>
+                <a:ea typeface="+mn-ea"/>
+                <a:cs typeface="+mn-cs"/>
+              </a:rPr>
+              <a:t>bed nets, or those that </a:t>
+            </a:r>
+            <a:r>
+              <a:rPr kumimoji="0" lang="en-US" sz="1800" b="0" i="0" u="none" strike="noStrike" kern="1200" cap="none" spc="0" normalizeH="0" baseline="0" noProof="0" dirty="0" smtClean="0">
+                <a:ln>
+                  <a:noFill/>
+                </a:ln>
+                <a:solidFill>
+                  <a:prstClr val="black"/>
+                </a:solidFill>
+                <a:effectLst/>
+                <a:uLnTx/>
+                <a:uFillTx/>
+                <a:latin typeface="Calibri"/>
+                <a:ea typeface="+mn-ea"/>
+                <a:cs typeface="+mn-cs"/>
+              </a:rPr>
+              <a:t>USE </a:t>
+            </a:r>
+            <a:r>
+              <a:rPr kumimoji="0" lang="en-US" sz="1800" b="0" i="0" u="none" strike="noStrike" kern="1200" cap="none" spc="0" normalizeH="0" baseline="0" noProof="0" dirty="0">
+                <a:ln>
+                  <a:noFill/>
+                </a:ln>
+                <a:solidFill>
+                  <a:prstClr val="black"/>
+                </a:solidFill>
+                <a:effectLst/>
+                <a:uLnTx/>
+                <a:uFillTx/>
+                <a:latin typeface="Calibri"/>
+                <a:ea typeface="+mn-ea"/>
+                <a:cs typeface="+mn-cs"/>
+              </a:rPr>
+              <a:t>them? </a:t>
+            </a:r>
+          </a:p>
+        </p:txBody>
+      </p:sp>
+      <p:sp>
+        <p:nvSpPr>
+          <p:cNvPr id="4" name="Oval 3"/>
+          <p:cNvSpPr/>
+          <p:nvPr/>
+        </p:nvSpPr>
+        <p:spPr>
+          <a:xfrm>
+            <a:off x="2667000" y="1715869"/>
+            <a:ext cx="2362200" cy="2286000"/>
+          </a:xfrm>
+          <a:prstGeom prst="ellipse">
+            <a:avLst/>
+          </a:prstGeom>
+        </p:spPr>
+        <p:style>
+          <a:lnRef idx="2">
+            <a:schemeClr val="accent1">
+              <a:shade val="50000"/>
+            </a:schemeClr>
+          </a:lnRef>
+          <a:fillRef idx="1">
+            <a:schemeClr val="accent1"/>
+          </a:fillRef>
+          <a:effectRef idx="0">
+            <a:schemeClr val="accent1"/>
+          </a:effectRef>
+          <a:fontRef idx="minor">
+            <a:schemeClr val="lt1"/>
+          </a:fontRef>
+        </p:style>
+        <p:txBody>
+          <a:bodyPr rtlCol="0" anchor="ctr"/>
+          <a:lstStyle/>
+          <a:p>
+            <a:pPr marL="0" marR="0" lvl="0" indent="0" algn="ctr" defTabSz="914400" rtl="0" eaLnBrk="1" fontAlgn="auto" latinLnBrk="0" hangingPunct="1">
+              <a:lnSpc>
+                <a:spcPct val="100000"/>
+              </a:lnSpc>
+              <a:spcBef>
+                <a:spcPts val="0"/>
+              </a:spcBef>
+              <a:spcAft>
+                <a:spcPts val="0"/>
+              </a:spcAft>
+              <a:buClrTx/>
+              <a:buSzTx/>
+              <a:buFontTx/>
+              <a:buNone/>
+              <a:tabLst/>
+              <a:defRPr/>
+            </a:pPr>
+            <a:endParaRPr kumimoji="0" lang="en-US" sz="1800" b="0" i="0" u="none" strike="noStrike" kern="1200" cap="none" spc="0" normalizeH="0" baseline="0" noProof="0">
+              <a:ln>
+                <a:noFill/>
+              </a:ln>
+              <a:solidFill>
+                <a:prstClr val="white"/>
+              </a:solidFill>
+              <a:effectLst/>
+              <a:uLnTx/>
+              <a:uFillTx/>
+              <a:latin typeface="Calibri"/>
+              <a:ea typeface="+mn-ea"/>
+              <a:cs typeface="+mn-cs"/>
+            </a:endParaRPr>
+          </a:p>
+        </p:txBody>
+      </p:sp>
+      <p:sp>
+        <p:nvSpPr>
+          <p:cNvPr id="7" name="Oval 6"/>
+          <p:cNvSpPr/>
+          <p:nvPr/>
+        </p:nvSpPr>
+        <p:spPr>
+          <a:xfrm>
+            <a:off x="3217236" y="2401669"/>
+            <a:ext cx="1464635" cy="1447800"/>
+          </a:xfrm>
+          <a:prstGeom prst="ellipse">
+            <a:avLst/>
+          </a:prstGeom>
+          <a:solidFill>
+            <a:schemeClr val="accent3"/>
+          </a:solidFill>
+        </p:spPr>
+        <p:style>
+          <a:lnRef idx="2">
+            <a:schemeClr val="accent1">
+              <a:shade val="50000"/>
+            </a:schemeClr>
+          </a:lnRef>
+          <a:fillRef idx="1">
+            <a:schemeClr val="accent1"/>
+          </a:fillRef>
+          <a:effectRef idx="0">
+            <a:schemeClr val="accent1"/>
+          </a:effectRef>
+          <a:fontRef idx="minor">
+            <a:schemeClr val="lt1"/>
+          </a:fontRef>
+        </p:style>
+        <p:txBody>
+          <a:bodyPr rtlCol="0" anchor="ctr"/>
+          <a:lstStyle/>
+          <a:p>
+            <a:pPr marL="0" marR="0" lvl="0" indent="0" algn="ctr" defTabSz="914400" rtl="0" eaLnBrk="1" fontAlgn="auto" latinLnBrk="0" hangingPunct="1">
+              <a:lnSpc>
+                <a:spcPct val="100000"/>
+              </a:lnSpc>
+              <a:spcBef>
+                <a:spcPts val="0"/>
+              </a:spcBef>
+              <a:spcAft>
+                <a:spcPts val="0"/>
+              </a:spcAft>
+              <a:buClrTx/>
+              <a:buSzTx/>
+              <a:buFontTx/>
+              <a:buNone/>
+              <a:tabLst/>
+              <a:defRPr/>
+            </a:pPr>
+            <a:endParaRPr kumimoji="0" lang="en-US" sz="1800" b="0" i="0" u="none" strike="noStrike" kern="1200" cap="none" spc="0" normalizeH="0" baseline="0" noProof="0">
+              <a:ln>
+                <a:noFill/>
+              </a:ln>
+              <a:solidFill>
+                <a:prstClr val="white"/>
+              </a:solidFill>
+              <a:effectLst/>
+              <a:uLnTx/>
+              <a:uFillTx/>
+              <a:latin typeface="Calibri"/>
+              <a:ea typeface="+mn-ea"/>
+              <a:cs typeface="+mn-cs"/>
+            </a:endParaRPr>
+          </a:p>
+        </p:txBody>
+      </p:sp>
+      <p:sp>
+        <p:nvSpPr>
+          <p:cNvPr id="8" name="Oval 7"/>
+          <p:cNvSpPr/>
+          <p:nvPr/>
+        </p:nvSpPr>
+        <p:spPr>
+          <a:xfrm>
+            <a:off x="7255835" y="1715869"/>
+            <a:ext cx="2362200" cy="2286000"/>
+          </a:xfrm>
+          <a:prstGeom prst="ellipse">
+            <a:avLst/>
+          </a:prstGeom>
+          <a:noFill/>
+          <a:ln>
+            <a:prstDash val="dash"/>
+          </a:ln>
+        </p:spPr>
+        <p:style>
+          <a:lnRef idx="2">
+            <a:schemeClr val="accent1">
+              <a:shade val="50000"/>
+            </a:schemeClr>
+          </a:lnRef>
+          <a:fillRef idx="1">
+            <a:schemeClr val="accent1"/>
+          </a:fillRef>
+          <a:effectRef idx="0">
+            <a:schemeClr val="accent1"/>
+          </a:effectRef>
+          <a:fontRef idx="minor">
+            <a:schemeClr val="lt1"/>
+          </a:fontRef>
+        </p:style>
+        <p:txBody>
+          <a:bodyPr rtlCol="0" anchor="ctr"/>
+          <a:lstStyle/>
+          <a:p>
+            <a:pPr marL="0" marR="0" lvl="0" indent="0" algn="ctr" defTabSz="914400" rtl="0" eaLnBrk="1" fontAlgn="auto" latinLnBrk="0" hangingPunct="1">
+              <a:lnSpc>
+                <a:spcPct val="100000"/>
+              </a:lnSpc>
+              <a:spcBef>
+                <a:spcPts val="0"/>
+              </a:spcBef>
+              <a:spcAft>
+                <a:spcPts val="0"/>
+              </a:spcAft>
+              <a:buClrTx/>
+              <a:buSzTx/>
+              <a:buFontTx/>
+              <a:buNone/>
+              <a:tabLst/>
+              <a:defRPr/>
+            </a:pPr>
+            <a:endParaRPr kumimoji="0" lang="en-US" sz="1800" b="0" i="0" u="none" strike="noStrike" kern="1200" cap="none" spc="0" normalizeH="0" baseline="0" noProof="0">
+              <a:ln>
+                <a:noFill/>
+              </a:ln>
+              <a:solidFill>
+                <a:prstClr val="white"/>
+              </a:solidFill>
+              <a:effectLst/>
+              <a:uLnTx/>
+              <a:uFillTx/>
+              <a:latin typeface="Calibri"/>
+              <a:ea typeface="+mn-ea"/>
+              <a:cs typeface="+mn-cs"/>
+            </a:endParaRPr>
+          </a:p>
+        </p:txBody>
+      </p:sp>
+      <p:sp>
+        <p:nvSpPr>
+          <p:cNvPr id="5" name="TextBox 4"/>
+          <p:cNvSpPr txBox="1"/>
+          <p:nvPr/>
+        </p:nvSpPr>
+        <p:spPr>
+          <a:xfrm>
+            <a:off x="8017836" y="2477870"/>
+            <a:ext cx="942759" cy="646331"/>
+          </a:xfrm>
+          <a:prstGeom prst="rect">
+            <a:avLst/>
+          </a:prstGeom>
+          <a:noFill/>
+        </p:spPr>
+        <p:txBody>
+          <a:bodyPr wrap="none" rtlCol="0">
+            <a:spAutoFit/>
+          </a:bodyPr>
+          <a:lstStyle/>
+          <a:p>
+            <a:pPr marL="0" marR="0" lvl="0" indent="0" algn="ctr" defTabSz="914400" rtl="0" eaLnBrk="1" fontAlgn="auto" latinLnBrk="0" hangingPunct="1">
+              <a:lnSpc>
+                <a:spcPct val="100000"/>
+              </a:lnSpc>
+              <a:spcBef>
+                <a:spcPts val="0"/>
+              </a:spcBef>
+              <a:spcAft>
+                <a:spcPts val="0"/>
+              </a:spcAft>
+              <a:buClrTx/>
+              <a:buSzTx/>
+              <a:buFontTx/>
+              <a:buNone/>
+              <a:tabLst/>
+              <a:defRPr/>
+            </a:pPr>
+            <a:r>
+              <a:rPr kumimoji="0" lang="en-US" sz="1800" b="1" i="0" u="none" strike="noStrike" kern="1200" cap="none" spc="0" normalizeH="0" baseline="0" noProof="0" dirty="0">
+                <a:ln>
+                  <a:noFill/>
+                </a:ln>
+                <a:solidFill>
+                  <a:srgbClr val="1F497D"/>
+                </a:solidFill>
+                <a:effectLst/>
+                <a:uLnTx/>
+                <a:uFillTx/>
+                <a:latin typeface="Calibri"/>
+                <a:ea typeface="+mn-ea"/>
+                <a:cs typeface="+mn-cs"/>
+              </a:rPr>
+              <a:t>Control </a:t>
+            </a:r>
+            <a:br>
+              <a:rPr kumimoji="0" lang="en-US" sz="1800" b="1" i="0" u="none" strike="noStrike" kern="1200" cap="none" spc="0" normalizeH="0" baseline="0" noProof="0" dirty="0">
+                <a:ln>
+                  <a:noFill/>
+                </a:ln>
+                <a:solidFill>
+                  <a:srgbClr val="1F497D"/>
+                </a:solidFill>
+                <a:effectLst/>
+                <a:uLnTx/>
+                <a:uFillTx/>
+                <a:latin typeface="Calibri"/>
+                <a:ea typeface="+mn-ea"/>
+                <a:cs typeface="+mn-cs"/>
+              </a:rPr>
+            </a:br>
+            <a:r>
+              <a:rPr kumimoji="0" lang="en-US" sz="1800" b="1" i="0" u="none" strike="noStrike" kern="1200" cap="none" spc="0" normalizeH="0" baseline="0" noProof="0" dirty="0">
+                <a:ln>
+                  <a:noFill/>
+                </a:ln>
+                <a:solidFill>
+                  <a:srgbClr val="1F497D"/>
+                </a:solidFill>
+                <a:effectLst/>
+                <a:uLnTx/>
+                <a:uFillTx/>
+                <a:latin typeface="Calibri"/>
+                <a:ea typeface="+mn-ea"/>
+                <a:cs typeface="+mn-cs"/>
+              </a:rPr>
+              <a:t>Group</a:t>
+            </a:r>
+          </a:p>
+        </p:txBody>
+      </p:sp>
+      <p:cxnSp>
+        <p:nvCxnSpPr>
+          <p:cNvPr id="9" name="Straight Arrow Connector 8"/>
+          <p:cNvCxnSpPr/>
+          <p:nvPr/>
+        </p:nvCxnSpPr>
+        <p:spPr>
+          <a:xfrm flipH="1">
+            <a:off x="4893635" y="2096869"/>
+            <a:ext cx="533400" cy="76200"/>
+          </a:xfrm>
+          <a:prstGeom prst="straightConnector1">
+            <a:avLst/>
+          </a:prstGeom>
+          <a:ln w="25400">
+            <a:tailEnd type="arrow"/>
+          </a:ln>
+        </p:spPr>
+        <p:style>
+          <a:lnRef idx="1">
+            <a:schemeClr val="accent1"/>
+          </a:lnRef>
+          <a:fillRef idx="0">
+            <a:schemeClr val="accent1"/>
+          </a:fillRef>
+          <a:effectRef idx="0">
+            <a:schemeClr val="accent1"/>
+          </a:effectRef>
+          <a:fontRef idx="minor">
+            <a:schemeClr val="tx1"/>
+          </a:fontRef>
+        </p:style>
+      </p:cxnSp>
+      <p:sp>
+        <p:nvSpPr>
+          <p:cNvPr id="11" name="TextBox 10"/>
+          <p:cNvSpPr txBox="1"/>
+          <p:nvPr/>
+        </p:nvSpPr>
+        <p:spPr>
+          <a:xfrm>
+            <a:off x="5393167" y="1756770"/>
+            <a:ext cx="1029834" cy="646331"/>
+          </a:xfrm>
+          <a:prstGeom prst="rect">
+            <a:avLst/>
+          </a:prstGeom>
+          <a:noFill/>
+        </p:spPr>
+        <p:txBody>
+          <a:bodyPr wrap="none" rtlCol="0">
+            <a:spAutoFit/>
+          </a:bodyPr>
+          <a:lstStyle/>
+          <a:p>
+            <a:pPr marL="0" marR="0" lvl="0" indent="0" algn="l" defTabSz="914400" rtl="0" eaLnBrk="1" fontAlgn="auto" latinLnBrk="0" hangingPunct="1">
+              <a:lnSpc>
+                <a:spcPct val="100000"/>
+              </a:lnSpc>
+              <a:spcBef>
+                <a:spcPts val="0"/>
+              </a:spcBef>
+              <a:spcAft>
+                <a:spcPts val="0"/>
+              </a:spcAft>
+              <a:buClrTx/>
+              <a:buSzTx/>
+              <a:buFontTx/>
+              <a:buNone/>
+              <a:tabLst/>
+              <a:defRPr/>
+            </a:pPr>
+            <a:r>
+              <a:rPr kumimoji="0" lang="en-US" sz="1800" b="0" i="0" u="none" strike="noStrike" kern="1200" cap="none" spc="0" normalizeH="0" baseline="0" noProof="0" dirty="0">
+                <a:ln>
+                  <a:noFill/>
+                </a:ln>
+                <a:solidFill>
+                  <a:srgbClr val="0070C0"/>
+                </a:solidFill>
+                <a:effectLst/>
+                <a:uLnTx/>
+                <a:uFillTx/>
+                <a:latin typeface="Calibri"/>
+                <a:ea typeface="+mn-ea"/>
+                <a:cs typeface="+mn-cs"/>
+              </a:rPr>
+              <a:t>Given </a:t>
+            </a:r>
+            <a:br>
+              <a:rPr kumimoji="0" lang="en-US" sz="1800" b="0" i="0" u="none" strike="noStrike" kern="1200" cap="none" spc="0" normalizeH="0" baseline="0" noProof="0" dirty="0">
+                <a:ln>
+                  <a:noFill/>
+                </a:ln>
+                <a:solidFill>
+                  <a:srgbClr val="0070C0"/>
+                </a:solidFill>
+                <a:effectLst/>
+                <a:uLnTx/>
+                <a:uFillTx/>
+                <a:latin typeface="Calibri"/>
+                <a:ea typeface="+mn-ea"/>
+                <a:cs typeface="+mn-cs"/>
+              </a:rPr>
+            </a:br>
+            <a:r>
+              <a:rPr kumimoji="0" lang="en-US" sz="1800" b="0" i="0" u="none" strike="noStrike" kern="1200" cap="none" spc="0" normalizeH="0" baseline="0" noProof="0" dirty="0">
+                <a:ln>
+                  <a:noFill/>
+                </a:ln>
+                <a:solidFill>
+                  <a:srgbClr val="0070C0"/>
+                </a:solidFill>
+                <a:effectLst/>
+                <a:uLnTx/>
+                <a:uFillTx/>
+                <a:latin typeface="Calibri"/>
+                <a:ea typeface="+mn-ea"/>
+                <a:cs typeface="+mn-cs"/>
+              </a:rPr>
+              <a:t>Bed Nets</a:t>
+            </a:r>
+          </a:p>
+        </p:txBody>
+      </p:sp>
+      <p:cxnSp>
+        <p:nvCxnSpPr>
+          <p:cNvPr id="14" name="Straight Arrow Connector 13"/>
+          <p:cNvCxnSpPr/>
+          <p:nvPr/>
+        </p:nvCxnSpPr>
+        <p:spPr>
+          <a:xfrm flipH="1" flipV="1">
+            <a:off x="4588836" y="3468470"/>
+            <a:ext cx="569285" cy="306917"/>
+          </a:xfrm>
+          <a:prstGeom prst="straightConnector1">
+            <a:avLst/>
+          </a:prstGeom>
+          <a:ln w="25400">
+            <a:solidFill>
+              <a:schemeClr val="accent3"/>
+            </a:solidFill>
+            <a:tailEnd type="arrow"/>
+          </a:ln>
+        </p:spPr>
+        <p:style>
+          <a:lnRef idx="1">
+            <a:schemeClr val="accent1"/>
+          </a:lnRef>
+          <a:fillRef idx="0">
+            <a:schemeClr val="accent1"/>
+          </a:fillRef>
+          <a:effectRef idx="0">
+            <a:schemeClr val="accent1"/>
+          </a:effectRef>
+          <a:fontRef idx="minor">
+            <a:schemeClr val="tx1"/>
+          </a:fontRef>
+        </p:style>
+      </p:cxnSp>
+      <p:sp>
+        <p:nvSpPr>
+          <p:cNvPr id="17" name="TextBox 16"/>
+          <p:cNvSpPr txBox="1"/>
+          <p:nvPr/>
+        </p:nvSpPr>
+        <p:spPr>
+          <a:xfrm>
+            <a:off x="5122236" y="3468470"/>
+            <a:ext cx="1698991" cy="646331"/>
+          </a:xfrm>
+          <a:prstGeom prst="rect">
+            <a:avLst/>
+          </a:prstGeom>
+          <a:noFill/>
+        </p:spPr>
+        <p:txBody>
+          <a:bodyPr wrap="none" rtlCol="0">
+            <a:spAutoFit/>
+          </a:bodyPr>
+          <a:lstStyle/>
+          <a:p>
+            <a:pPr marL="0" marR="0" lvl="0" indent="0" algn="l" defTabSz="914400" rtl="0" eaLnBrk="1" fontAlgn="auto" latinLnBrk="0" hangingPunct="1">
+              <a:lnSpc>
+                <a:spcPct val="100000"/>
+              </a:lnSpc>
+              <a:spcBef>
+                <a:spcPts val="0"/>
+              </a:spcBef>
+              <a:spcAft>
+                <a:spcPts val="0"/>
+              </a:spcAft>
+              <a:buClrTx/>
+              <a:buSzTx/>
+              <a:buFontTx/>
+              <a:buNone/>
+              <a:tabLst/>
+              <a:defRPr/>
+            </a:pPr>
+            <a:r>
+              <a:rPr kumimoji="0" lang="en-US" sz="1800" b="1" i="0" u="none" strike="noStrike" kern="1200" cap="none" spc="0" normalizeH="0" baseline="0" noProof="0" dirty="0">
+                <a:ln>
+                  <a:noFill/>
+                </a:ln>
+                <a:solidFill>
+                  <a:srgbClr val="9BBB59"/>
+                </a:solidFill>
+                <a:effectLst/>
+                <a:uLnTx/>
+                <a:uFillTx/>
+                <a:latin typeface="Calibri"/>
+                <a:ea typeface="+mn-ea"/>
+                <a:cs typeface="+mn-cs"/>
+              </a:rPr>
+              <a:t>Given Bed Nets </a:t>
+            </a:r>
+            <a:br>
+              <a:rPr kumimoji="0" lang="en-US" sz="1800" b="1" i="0" u="none" strike="noStrike" kern="1200" cap="none" spc="0" normalizeH="0" baseline="0" noProof="0" dirty="0">
+                <a:ln>
+                  <a:noFill/>
+                </a:ln>
+                <a:solidFill>
+                  <a:srgbClr val="9BBB59"/>
+                </a:solidFill>
+                <a:effectLst/>
+                <a:uLnTx/>
+                <a:uFillTx/>
+                <a:latin typeface="Calibri"/>
+                <a:ea typeface="+mn-ea"/>
+                <a:cs typeface="+mn-cs"/>
+              </a:rPr>
+            </a:br>
+            <a:r>
+              <a:rPr kumimoji="0" lang="en-US" sz="1800" b="1" i="0" u="none" strike="noStrike" kern="1200" cap="none" spc="0" normalizeH="0" baseline="0" noProof="0" dirty="0">
+                <a:ln>
+                  <a:noFill/>
+                </a:ln>
+                <a:solidFill>
+                  <a:srgbClr val="9BBB59"/>
+                </a:solidFill>
+                <a:effectLst/>
+                <a:uLnTx/>
+                <a:uFillTx/>
+                <a:latin typeface="Calibri"/>
+                <a:ea typeface="+mn-ea"/>
+                <a:cs typeface="+mn-cs"/>
+              </a:rPr>
+              <a:t>AND Use Them!</a:t>
+            </a:r>
+          </a:p>
+        </p:txBody>
+      </p:sp>
+    </p:spTree>
+    <p:extLst>
+      <p:ext uri="{BB962C8B-B14F-4D97-AF65-F5344CB8AC3E}">
+        <p14:creationId xmlns:p14="http://schemas.microsoft.com/office/powerpoint/2010/main" val="4171503512"/>
+      </p:ext>
+    </p:extLst>
+  </p:cSld>
+  <p:clrMapOvr>
+    <a:masterClrMapping/>
+  </p:clrMapOvr>
+</p:sld>
+</file>
+
+<file path=ppt/slides/slide55.xml><?xml version="1.0" encoding="utf-8"?>
+<p:sld xmlns:a="http://schemas.openxmlformats.org/drawingml/2006/main" xmlns:r="http://schemas.openxmlformats.org/officeDocument/2006/relationships" xmlns:p="http://schemas.openxmlformats.org/presentationml/2006/main">
+  <p:cSld>
+    <p:spTree>
+      <p:nvGrpSpPr>
+        <p:cNvPr id="1" name=""/>
+        <p:cNvGrpSpPr/>
+        <p:nvPr/>
+      </p:nvGrpSpPr>
+      <p:grpSpPr>
+        <a:xfrm>
+          <a:off x="0" y="0"/>
+          <a:ext cx="0" cy="0"/>
+          <a:chOff x="0" y="0"/>
+          <a:chExt cx="0" cy="0"/>
+        </a:xfrm>
+      </p:grpSpPr>
+      <p:sp>
+        <p:nvSpPr>
+          <p:cNvPr id="2" name="Title 1"/>
+          <p:cNvSpPr>
+            <a:spLocks noGrp="1"/>
+          </p:cNvSpPr>
+          <p:nvPr>
+            <p:ph type="title"/>
+          </p:nvPr>
+        </p:nvSpPr>
+        <p:spPr/>
+        <p:txBody>
+          <a:bodyPr/>
+          <a:lstStyle/>
+          <a:p>
+            <a:r>
+              <a:rPr lang="en-US" dirty="0"/>
+              <a:t>Terminology:</a:t>
+            </a:r>
+          </a:p>
+        </p:txBody>
+      </p:sp>
+      <p:sp>
+        <p:nvSpPr>
+          <p:cNvPr id="3" name="Content Placeholder 2"/>
+          <p:cNvSpPr>
+            <a:spLocks noGrp="1"/>
+          </p:cNvSpPr>
+          <p:nvPr>
+            <p:ph idx="1"/>
+          </p:nvPr>
+        </p:nvSpPr>
+        <p:spPr/>
+        <p:txBody>
+          <a:bodyPr/>
+          <a:lstStyle/>
+          <a:p>
+            <a:r>
+              <a:rPr lang="en-US" dirty="0"/>
+              <a:t>“Average” treatment effects</a:t>
+            </a:r>
+          </a:p>
+          <a:p>
+            <a:pPr lvl="1"/>
+            <a:r>
+              <a:rPr lang="en-US" b="1" dirty="0">
+                <a:solidFill>
+                  <a:schemeClr val="accent3"/>
+                </a:solidFill>
+              </a:rPr>
+              <a:t>Treatment on the Treated (TOT) Effects</a:t>
+            </a:r>
+          </a:p>
+          <a:p>
+            <a:pPr lvl="1"/>
+            <a:r>
+              <a:rPr lang="en-US" b="1" dirty="0">
+                <a:solidFill>
+                  <a:srgbClr val="4F81BD"/>
+                </a:solidFill>
+              </a:rPr>
+              <a:t>Intention to Treat (ITT) Effects</a:t>
+            </a:r>
+          </a:p>
+        </p:txBody>
+      </p:sp>
+      <p:sp>
+        <p:nvSpPr>
+          <p:cNvPr id="4" name="Oval 3"/>
+          <p:cNvSpPr/>
+          <p:nvPr/>
+        </p:nvSpPr>
+        <p:spPr>
+          <a:xfrm>
+            <a:off x="4805966" y="3602129"/>
+            <a:ext cx="2362200" cy="2286000"/>
+          </a:xfrm>
+          <a:prstGeom prst="ellipse">
+            <a:avLst/>
+          </a:prstGeom>
+        </p:spPr>
+        <p:style>
+          <a:lnRef idx="2">
+            <a:schemeClr val="accent1">
+              <a:shade val="50000"/>
+            </a:schemeClr>
+          </a:lnRef>
+          <a:fillRef idx="1">
+            <a:schemeClr val="accent1"/>
+          </a:fillRef>
+          <a:effectRef idx="0">
+            <a:schemeClr val="accent1"/>
+          </a:effectRef>
+          <a:fontRef idx="minor">
+            <a:schemeClr val="lt1"/>
+          </a:fontRef>
+        </p:style>
+        <p:txBody>
+          <a:bodyPr rtlCol="0" anchor="ctr"/>
+          <a:lstStyle/>
+          <a:p>
+            <a:pPr marL="0" marR="0" lvl="0" indent="0" algn="ctr" defTabSz="914400" rtl="0" eaLnBrk="1" fontAlgn="auto" latinLnBrk="0" hangingPunct="1">
+              <a:lnSpc>
+                <a:spcPct val="100000"/>
+              </a:lnSpc>
+              <a:spcBef>
+                <a:spcPts val="0"/>
+              </a:spcBef>
+              <a:spcAft>
+                <a:spcPts val="0"/>
+              </a:spcAft>
+              <a:buClrTx/>
+              <a:buSzTx/>
+              <a:buFontTx/>
+              <a:buNone/>
+              <a:tabLst/>
+              <a:defRPr/>
+            </a:pPr>
+            <a:endParaRPr kumimoji="0" lang="en-US" sz="1800" b="0" i="0" u="none" strike="noStrike" kern="1200" cap="none" spc="0" normalizeH="0" baseline="0" noProof="0">
+              <a:ln>
+                <a:noFill/>
+              </a:ln>
+              <a:solidFill>
+                <a:prstClr val="white"/>
+              </a:solidFill>
+              <a:effectLst/>
+              <a:uLnTx/>
+              <a:uFillTx/>
+              <a:latin typeface="Calibri"/>
+              <a:ea typeface="+mn-ea"/>
+              <a:cs typeface="+mn-cs"/>
+            </a:endParaRPr>
+          </a:p>
+        </p:txBody>
+      </p:sp>
+      <p:sp>
+        <p:nvSpPr>
+          <p:cNvPr id="5" name="Oval 4"/>
+          <p:cNvSpPr/>
+          <p:nvPr/>
+        </p:nvSpPr>
+        <p:spPr>
+          <a:xfrm>
+            <a:off x="5356202" y="4287929"/>
+            <a:ext cx="1464635" cy="1447800"/>
+          </a:xfrm>
+          <a:prstGeom prst="ellipse">
+            <a:avLst/>
+          </a:prstGeom>
+          <a:solidFill>
+            <a:schemeClr val="accent3"/>
+          </a:solidFill>
+        </p:spPr>
+        <p:style>
+          <a:lnRef idx="2">
+            <a:schemeClr val="accent1">
+              <a:shade val="50000"/>
+            </a:schemeClr>
+          </a:lnRef>
+          <a:fillRef idx="1">
+            <a:schemeClr val="accent1"/>
+          </a:fillRef>
+          <a:effectRef idx="0">
+            <a:schemeClr val="accent1"/>
+          </a:effectRef>
+          <a:fontRef idx="minor">
+            <a:schemeClr val="lt1"/>
+          </a:fontRef>
+        </p:style>
+        <p:txBody>
+          <a:bodyPr rtlCol="0" anchor="ctr"/>
+          <a:lstStyle/>
+          <a:p>
+            <a:pPr marL="0" marR="0" lvl="0" indent="0" algn="ctr" defTabSz="914400" rtl="0" eaLnBrk="1" fontAlgn="auto" latinLnBrk="0" hangingPunct="1">
+              <a:lnSpc>
+                <a:spcPct val="100000"/>
+              </a:lnSpc>
+              <a:spcBef>
+                <a:spcPts val="0"/>
+              </a:spcBef>
+              <a:spcAft>
+                <a:spcPts val="0"/>
+              </a:spcAft>
+              <a:buClrTx/>
+              <a:buSzTx/>
+              <a:buFontTx/>
+              <a:buNone/>
+              <a:tabLst/>
+              <a:defRPr/>
+            </a:pPr>
+            <a:endParaRPr kumimoji="0" lang="en-US" sz="1800" b="0" i="0" u="none" strike="noStrike" kern="1200" cap="none" spc="0" normalizeH="0" baseline="0" noProof="0">
+              <a:ln>
+                <a:noFill/>
+              </a:ln>
+              <a:solidFill>
+                <a:prstClr val="white"/>
+              </a:solidFill>
+              <a:effectLst/>
+              <a:uLnTx/>
+              <a:uFillTx/>
+              <a:latin typeface="Calibri"/>
+              <a:ea typeface="+mn-ea"/>
+              <a:cs typeface="+mn-cs"/>
+            </a:endParaRPr>
+          </a:p>
+        </p:txBody>
+      </p:sp>
+      <p:cxnSp>
+        <p:nvCxnSpPr>
+          <p:cNvPr id="6" name="Straight Arrow Connector 5"/>
+          <p:cNvCxnSpPr/>
+          <p:nvPr/>
+        </p:nvCxnSpPr>
+        <p:spPr>
+          <a:xfrm flipH="1">
+            <a:off x="7032601" y="3983129"/>
+            <a:ext cx="533400" cy="76200"/>
+          </a:xfrm>
+          <a:prstGeom prst="straightConnector1">
+            <a:avLst/>
+          </a:prstGeom>
+          <a:ln w="25400">
+            <a:tailEnd type="arrow"/>
+          </a:ln>
+        </p:spPr>
+        <p:style>
+          <a:lnRef idx="1">
+            <a:schemeClr val="accent1"/>
+          </a:lnRef>
+          <a:fillRef idx="0">
+            <a:schemeClr val="accent1"/>
+          </a:fillRef>
+          <a:effectRef idx="0">
+            <a:schemeClr val="accent1"/>
+          </a:effectRef>
+          <a:fontRef idx="minor">
+            <a:schemeClr val="tx1"/>
+          </a:fontRef>
+        </p:style>
+      </p:cxnSp>
+      <p:sp>
+        <p:nvSpPr>
+          <p:cNvPr id="7" name="TextBox 6"/>
+          <p:cNvSpPr txBox="1"/>
+          <p:nvPr/>
+        </p:nvSpPr>
+        <p:spPr>
+          <a:xfrm>
+            <a:off x="7532133" y="3643030"/>
+            <a:ext cx="1029834" cy="646331"/>
+          </a:xfrm>
+          <a:prstGeom prst="rect">
+            <a:avLst/>
+          </a:prstGeom>
+          <a:noFill/>
+        </p:spPr>
+        <p:txBody>
+          <a:bodyPr wrap="none" rtlCol="0">
+            <a:spAutoFit/>
+          </a:bodyPr>
+          <a:lstStyle/>
+          <a:p>
+            <a:pPr marL="0" marR="0" lvl="0" indent="0" algn="l" defTabSz="914400" rtl="0" eaLnBrk="1" fontAlgn="auto" latinLnBrk="0" hangingPunct="1">
+              <a:lnSpc>
+                <a:spcPct val="100000"/>
+              </a:lnSpc>
+              <a:spcBef>
+                <a:spcPts val="0"/>
+              </a:spcBef>
+              <a:spcAft>
+                <a:spcPts val="0"/>
+              </a:spcAft>
+              <a:buClrTx/>
+              <a:buSzTx/>
+              <a:buFontTx/>
+              <a:buNone/>
+              <a:tabLst/>
+              <a:defRPr/>
+            </a:pPr>
+            <a:r>
+              <a:rPr kumimoji="0" lang="en-US" sz="1800" b="0" i="0" u="none" strike="noStrike" kern="1200" cap="none" spc="0" normalizeH="0" baseline="0" noProof="0" dirty="0">
+                <a:ln>
+                  <a:noFill/>
+                </a:ln>
+                <a:solidFill>
+                  <a:srgbClr val="0070C0"/>
+                </a:solidFill>
+                <a:effectLst/>
+                <a:uLnTx/>
+                <a:uFillTx/>
+                <a:latin typeface="Calibri"/>
+                <a:ea typeface="+mn-ea"/>
+                <a:cs typeface="+mn-cs"/>
+              </a:rPr>
+              <a:t>Given </a:t>
+            </a:r>
+            <a:br>
+              <a:rPr kumimoji="0" lang="en-US" sz="1800" b="0" i="0" u="none" strike="noStrike" kern="1200" cap="none" spc="0" normalizeH="0" baseline="0" noProof="0" dirty="0">
+                <a:ln>
+                  <a:noFill/>
+                </a:ln>
+                <a:solidFill>
+                  <a:srgbClr val="0070C0"/>
+                </a:solidFill>
+                <a:effectLst/>
+                <a:uLnTx/>
+                <a:uFillTx/>
+                <a:latin typeface="Calibri"/>
+                <a:ea typeface="+mn-ea"/>
+                <a:cs typeface="+mn-cs"/>
+              </a:rPr>
+            </a:br>
+            <a:r>
+              <a:rPr kumimoji="0" lang="en-US" sz="1800" b="0" i="0" u="none" strike="noStrike" kern="1200" cap="none" spc="0" normalizeH="0" baseline="0" noProof="0" dirty="0">
+                <a:ln>
+                  <a:noFill/>
+                </a:ln>
+                <a:solidFill>
+                  <a:srgbClr val="0070C0"/>
+                </a:solidFill>
+                <a:effectLst/>
+                <a:uLnTx/>
+                <a:uFillTx/>
+                <a:latin typeface="Calibri"/>
+                <a:ea typeface="+mn-ea"/>
+                <a:cs typeface="+mn-cs"/>
+              </a:rPr>
+              <a:t>Bed Nets</a:t>
+            </a:r>
+          </a:p>
+        </p:txBody>
+      </p:sp>
+      <p:cxnSp>
+        <p:nvCxnSpPr>
+          <p:cNvPr id="8" name="Straight Arrow Connector 7"/>
+          <p:cNvCxnSpPr/>
+          <p:nvPr/>
+        </p:nvCxnSpPr>
+        <p:spPr>
+          <a:xfrm flipH="1" flipV="1">
+            <a:off x="6727802" y="5354730"/>
+            <a:ext cx="569285" cy="306917"/>
+          </a:xfrm>
+          <a:prstGeom prst="straightConnector1">
+            <a:avLst/>
+          </a:prstGeom>
+          <a:ln w="25400">
+            <a:solidFill>
+              <a:schemeClr val="accent3"/>
+            </a:solidFill>
+            <a:tailEnd type="arrow"/>
+          </a:ln>
+        </p:spPr>
+        <p:style>
+          <a:lnRef idx="1">
+            <a:schemeClr val="accent1"/>
+          </a:lnRef>
+          <a:fillRef idx="0">
+            <a:schemeClr val="accent1"/>
+          </a:fillRef>
+          <a:effectRef idx="0">
+            <a:schemeClr val="accent1"/>
+          </a:effectRef>
+          <a:fontRef idx="minor">
+            <a:schemeClr val="tx1"/>
+          </a:fontRef>
+        </p:style>
+      </p:cxnSp>
+      <p:sp>
+        <p:nvSpPr>
+          <p:cNvPr id="9" name="TextBox 8"/>
+          <p:cNvSpPr txBox="1"/>
+          <p:nvPr/>
+        </p:nvSpPr>
+        <p:spPr>
+          <a:xfrm>
+            <a:off x="7261202" y="5354730"/>
+            <a:ext cx="1698991" cy="646331"/>
+          </a:xfrm>
+          <a:prstGeom prst="rect">
+            <a:avLst/>
+          </a:prstGeom>
+          <a:noFill/>
+        </p:spPr>
+        <p:txBody>
+          <a:bodyPr wrap="none" rtlCol="0">
+            <a:spAutoFit/>
+          </a:bodyPr>
+          <a:lstStyle/>
+          <a:p>
+            <a:pPr marL="0" marR="0" lvl="0" indent="0" algn="l" defTabSz="914400" rtl="0" eaLnBrk="1" fontAlgn="auto" latinLnBrk="0" hangingPunct="1">
+              <a:lnSpc>
+                <a:spcPct val="100000"/>
+              </a:lnSpc>
+              <a:spcBef>
+                <a:spcPts val="0"/>
+              </a:spcBef>
+              <a:spcAft>
+                <a:spcPts val="0"/>
+              </a:spcAft>
+              <a:buClrTx/>
+              <a:buSzTx/>
+              <a:buFontTx/>
+              <a:buNone/>
+              <a:tabLst/>
+              <a:defRPr/>
+            </a:pPr>
+            <a:r>
+              <a:rPr kumimoji="0" lang="en-US" sz="1800" b="1" i="0" u="none" strike="noStrike" kern="1200" cap="none" spc="0" normalizeH="0" baseline="0" noProof="0" dirty="0">
+                <a:ln>
+                  <a:noFill/>
+                </a:ln>
+                <a:solidFill>
+                  <a:srgbClr val="9BBB59"/>
+                </a:solidFill>
+                <a:effectLst/>
+                <a:uLnTx/>
+                <a:uFillTx/>
+                <a:latin typeface="Calibri"/>
+                <a:ea typeface="+mn-ea"/>
+                <a:cs typeface="+mn-cs"/>
+              </a:rPr>
+              <a:t>Given Bed Nets </a:t>
+            </a:r>
+            <a:br>
+              <a:rPr kumimoji="0" lang="en-US" sz="1800" b="1" i="0" u="none" strike="noStrike" kern="1200" cap="none" spc="0" normalizeH="0" baseline="0" noProof="0" dirty="0">
+                <a:ln>
+                  <a:noFill/>
+                </a:ln>
+                <a:solidFill>
+                  <a:srgbClr val="9BBB59"/>
+                </a:solidFill>
+                <a:effectLst/>
+                <a:uLnTx/>
+                <a:uFillTx/>
+                <a:latin typeface="Calibri"/>
+                <a:ea typeface="+mn-ea"/>
+                <a:cs typeface="+mn-cs"/>
+              </a:rPr>
+            </a:br>
+            <a:r>
+              <a:rPr kumimoji="0" lang="en-US" sz="1800" b="1" i="0" u="none" strike="noStrike" kern="1200" cap="none" spc="0" normalizeH="0" baseline="0" noProof="0" dirty="0">
+                <a:ln>
+                  <a:noFill/>
+                </a:ln>
+                <a:solidFill>
+                  <a:srgbClr val="9BBB59"/>
+                </a:solidFill>
+                <a:effectLst/>
+                <a:uLnTx/>
+                <a:uFillTx/>
+                <a:latin typeface="Calibri"/>
+                <a:ea typeface="+mn-ea"/>
+                <a:cs typeface="+mn-cs"/>
+              </a:rPr>
+              <a:t>AND Use Them!</a:t>
+            </a:r>
+          </a:p>
+        </p:txBody>
+      </p:sp>
+      <p:sp>
+        <p:nvSpPr>
+          <p:cNvPr id="10" name="TextBox 9"/>
+          <p:cNvSpPr txBox="1"/>
+          <p:nvPr/>
+        </p:nvSpPr>
+        <p:spPr>
+          <a:xfrm>
+            <a:off x="9341519" y="5011829"/>
+            <a:ext cx="1263423" cy="1200329"/>
+          </a:xfrm>
+          <a:prstGeom prst="rect">
+            <a:avLst/>
+          </a:prstGeom>
+          <a:noFill/>
+        </p:spPr>
+        <p:txBody>
+          <a:bodyPr wrap="none" rtlCol="0">
+            <a:spAutoFit/>
+          </a:bodyPr>
+          <a:lstStyle/>
+          <a:p>
+            <a:pPr marL="0" marR="0" lvl="0" indent="0" algn="ctr" defTabSz="914400" rtl="0" eaLnBrk="1" fontAlgn="auto" latinLnBrk="0" hangingPunct="1">
+              <a:lnSpc>
+                <a:spcPct val="100000"/>
+              </a:lnSpc>
+              <a:spcBef>
+                <a:spcPts val="0"/>
+              </a:spcBef>
+              <a:spcAft>
+                <a:spcPts val="0"/>
+              </a:spcAft>
+              <a:buClrTx/>
+              <a:buSzTx/>
+              <a:buFontTx/>
+              <a:buNone/>
+              <a:tabLst/>
+              <a:defRPr/>
+            </a:pPr>
+            <a:r>
+              <a:rPr kumimoji="0" lang="en-US" sz="1800" i="0" u="none" strike="noStrike" kern="1200" cap="none" spc="0" normalizeH="0" baseline="0" noProof="0" dirty="0" smtClean="0">
+                <a:ln>
+                  <a:noFill/>
+                </a:ln>
+                <a:effectLst/>
+                <a:uLnTx/>
+                <a:uFillTx/>
+                <a:latin typeface="Calibri"/>
+              </a:rPr>
+              <a:t>“Treatment</a:t>
+            </a:r>
+          </a:p>
+          <a:p>
+            <a:pPr marL="0" marR="0" lvl="0" indent="0" algn="ctr" defTabSz="914400" rtl="0" eaLnBrk="1" fontAlgn="auto" latinLnBrk="0" hangingPunct="1">
+              <a:lnSpc>
+                <a:spcPct val="100000"/>
+              </a:lnSpc>
+              <a:spcBef>
+                <a:spcPts val="0"/>
+              </a:spcBef>
+              <a:spcAft>
+                <a:spcPts val="0"/>
+              </a:spcAft>
+              <a:buClrTx/>
+              <a:buSzTx/>
+              <a:buFontTx/>
+              <a:buNone/>
+              <a:tabLst/>
+              <a:defRPr/>
+            </a:pPr>
+            <a:r>
+              <a:rPr lang="en-US" dirty="0" smtClean="0">
+                <a:latin typeface="Calibri"/>
+              </a:rPr>
+              <a:t>on the </a:t>
+            </a:r>
+          </a:p>
+          <a:p>
+            <a:pPr marL="0" marR="0" lvl="0" indent="0" algn="ctr" defTabSz="914400" rtl="0" eaLnBrk="1" fontAlgn="auto" latinLnBrk="0" hangingPunct="1">
+              <a:lnSpc>
+                <a:spcPct val="100000"/>
+              </a:lnSpc>
+              <a:spcBef>
+                <a:spcPts val="0"/>
+              </a:spcBef>
+              <a:spcAft>
+                <a:spcPts val="0"/>
+              </a:spcAft>
+              <a:buClrTx/>
+              <a:buSzTx/>
+              <a:buFontTx/>
+              <a:buNone/>
+              <a:tabLst/>
+              <a:defRPr/>
+            </a:pPr>
+            <a:r>
+              <a:rPr kumimoji="0" lang="en-US" sz="1800" i="0" u="none" strike="noStrike" kern="1200" cap="none" spc="0" normalizeH="0" baseline="0" noProof="0" dirty="0" smtClean="0">
+                <a:ln>
+                  <a:noFill/>
+                </a:ln>
+                <a:effectLst/>
+                <a:uLnTx/>
+                <a:uFillTx/>
+                <a:latin typeface="Calibri"/>
+              </a:rPr>
+              <a:t>Treated”</a:t>
+            </a:r>
+            <a:br>
+              <a:rPr kumimoji="0" lang="en-US" sz="1800" i="0" u="none" strike="noStrike" kern="1200" cap="none" spc="0" normalizeH="0" baseline="0" noProof="0" dirty="0" smtClean="0">
+                <a:ln>
+                  <a:noFill/>
+                </a:ln>
+                <a:effectLst/>
+                <a:uLnTx/>
+                <a:uFillTx/>
+                <a:latin typeface="Calibri"/>
+              </a:rPr>
+            </a:br>
+            <a:r>
+              <a:rPr kumimoji="0" lang="en-US" sz="1800" i="0" u="none" strike="noStrike" kern="1200" cap="none" spc="0" normalizeH="0" baseline="0" noProof="0" dirty="0" smtClean="0">
+                <a:ln>
+                  <a:noFill/>
+                </a:ln>
+                <a:effectLst/>
+                <a:uLnTx/>
+                <a:uFillTx/>
+                <a:latin typeface="Calibri"/>
+              </a:rPr>
+              <a:t>Estimate</a:t>
+            </a:r>
+            <a:endParaRPr kumimoji="0" lang="en-US" sz="1800" i="0" u="none" strike="noStrike" kern="1200" cap="none" spc="0" normalizeH="0" baseline="0" noProof="0" dirty="0">
+              <a:ln>
+                <a:noFill/>
+              </a:ln>
+              <a:effectLst/>
+              <a:uLnTx/>
+              <a:uFillTx/>
+              <a:latin typeface="Calibri"/>
+            </a:endParaRPr>
+          </a:p>
+        </p:txBody>
+      </p:sp>
+      <p:sp>
+        <p:nvSpPr>
+          <p:cNvPr id="11" name="TextBox 10"/>
+          <p:cNvSpPr txBox="1"/>
+          <p:nvPr/>
+        </p:nvSpPr>
+        <p:spPr>
+          <a:xfrm>
+            <a:off x="8561967" y="3064977"/>
+            <a:ext cx="1194237" cy="923330"/>
+          </a:xfrm>
+          <a:prstGeom prst="rect">
+            <a:avLst/>
+          </a:prstGeom>
+          <a:noFill/>
+        </p:spPr>
+        <p:txBody>
+          <a:bodyPr wrap="none" rtlCol="0">
+            <a:spAutoFit/>
+          </a:bodyPr>
+          <a:lstStyle/>
+          <a:p>
+            <a:pPr marL="0" marR="0" lvl="0" indent="0" algn="ctr" defTabSz="914400" rtl="0" eaLnBrk="1" fontAlgn="auto" latinLnBrk="0" hangingPunct="1">
+              <a:lnSpc>
+                <a:spcPct val="100000"/>
+              </a:lnSpc>
+              <a:spcBef>
+                <a:spcPts val="0"/>
+              </a:spcBef>
+              <a:spcAft>
+                <a:spcPts val="0"/>
+              </a:spcAft>
+              <a:buClrTx/>
+              <a:buSzTx/>
+              <a:buFontTx/>
+              <a:buNone/>
+              <a:tabLst/>
+              <a:defRPr/>
+            </a:pPr>
+            <a:r>
+              <a:rPr kumimoji="0" lang="en-US" sz="1800" i="0" u="none" strike="noStrike" kern="1200" cap="none" spc="0" normalizeH="0" baseline="0" noProof="0" dirty="0" smtClean="0">
+                <a:ln>
+                  <a:noFill/>
+                </a:ln>
+                <a:effectLst/>
+                <a:uLnTx/>
+                <a:uFillTx/>
+                <a:latin typeface="Calibri"/>
+              </a:rPr>
+              <a:t>“Intention </a:t>
+            </a:r>
+          </a:p>
+          <a:p>
+            <a:pPr marL="0" marR="0" lvl="0" indent="0" algn="ctr" defTabSz="914400" rtl="0" eaLnBrk="1" fontAlgn="auto" latinLnBrk="0" hangingPunct="1">
+              <a:lnSpc>
+                <a:spcPct val="100000"/>
+              </a:lnSpc>
+              <a:spcBef>
+                <a:spcPts val="0"/>
+              </a:spcBef>
+              <a:spcAft>
+                <a:spcPts val="0"/>
+              </a:spcAft>
+              <a:buClrTx/>
+              <a:buSzTx/>
+              <a:buFontTx/>
+              <a:buNone/>
+              <a:tabLst/>
+              <a:defRPr/>
+            </a:pPr>
+            <a:r>
+              <a:rPr kumimoji="0" lang="en-US" sz="1800" i="0" u="none" strike="noStrike" kern="1200" cap="none" spc="0" normalizeH="0" baseline="0" noProof="0" dirty="0" smtClean="0">
+                <a:ln>
+                  <a:noFill/>
+                </a:ln>
+                <a:effectLst/>
+                <a:uLnTx/>
+                <a:uFillTx/>
+                <a:latin typeface="Calibri"/>
+              </a:rPr>
+              <a:t>to Treat”</a:t>
+            </a:r>
+            <a:br>
+              <a:rPr kumimoji="0" lang="en-US" sz="1800" i="0" u="none" strike="noStrike" kern="1200" cap="none" spc="0" normalizeH="0" baseline="0" noProof="0" dirty="0" smtClean="0">
+                <a:ln>
+                  <a:noFill/>
+                </a:ln>
+                <a:effectLst/>
+                <a:uLnTx/>
+                <a:uFillTx/>
+                <a:latin typeface="Calibri"/>
+              </a:rPr>
+            </a:br>
+            <a:r>
+              <a:rPr kumimoji="0" lang="en-US" sz="1800" i="0" u="none" strike="noStrike" kern="1200" cap="none" spc="0" normalizeH="0" baseline="0" noProof="0" dirty="0" smtClean="0">
+                <a:ln>
+                  <a:noFill/>
+                </a:ln>
+                <a:effectLst/>
+                <a:uLnTx/>
+                <a:uFillTx/>
+                <a:latin typeface="Calibri"/>
+              </a:rPr>
+              <a:t>Estimate</a:t>
+            </a:r>
+            <a:endParaRPr kumimoji="0" lang="en-US" sz="1800" i="0" u="none" strike="noStrike" kern="1200" cap="none" spc="0" normalizeH="0" baseline="0" noProof="0" dirty="0">
+              <a:ln>
+                <a:noFill/>
+              </a:ln>
+              <a:effectLst/>
+              <a:uLnTx/>
+              <a:uFillTx/>
+              <a:latin typeface="Calibri"/>
+            </a:endParaRPr>
+          </a:p>
+        </p:txBody>
+      </p:sp>
+      <p:sp>
+        <p:nvSpPr>
+          <p:cNvPr id="12" name="TextBox 11"/>
+          <p:cNvSpPr txBox="1"/>
+          <p:nvPr/>
+        </p:nvSpPr>
+        <p:spPr>
+          <a:xfrm>
+            <a:off x="10288149" y="3299739"/>
+            <a:ext cx="1653018" cy="1200329"/>
+          </a:xfrm>
+          <a:prstGeom prst="rect">
+            <a:avLst/>
+          </a:prstGeom>
+          <a:noFill/>
+        </p:spPr>
+        <p:txBody>
+          <a:bodyPr wrap="none" rtlCol="0">
+            <a:spAutoFit/>
+          </a:bodyPr>
+          <a:lstStyle/>
+          <a:p>
+            <a:pPr algn="ctr"/>
+            <a:r>
+              <a:rPr lang="en-US" dirty="0" smtClean="0">
+                <a:solidFill>
+                  <a:schemeClr val="accent6">
+                    <a:lumMod val="75000"/>
+                  </a:schemeClr>
+                </a:solidFill>
+                <a:latin typeface="Century Gothic" panose="020B0502020202020204" pitchFamily="34" charset="0"/>
+              </a:rPr>
+              <a:t>2 Valid</a:t>
+            </a:r>
+          </a:p>
+          <a:p>
+            <a:pPr algn="ctr"/>
+            <a:r>
+              <a:rPr lang="en-US" dirty="0" smtClean="0">
+                <a:solidFill>
+                  <a:schemeClr val="accent6">
+                    <a:lumMod val="75000"/>
+                  </a:schemeClr>
+                </a:solidFill>
+                <a:latin typeface="Century Gothic" panose="020B0502020202020204" pitchFamily="34" charset="0"/>
+              </a:rPr>
+              <a:t>Ways to </a:t>
+            </a:r>
+          </a:p>
+          <a:p>
+            <a:pPr algn="ctr"/>
+            <a:r>
+              <a:rPr lang="en-US" dirty="0" smtClean="0">
+                <a:solidFill>
+                  <a:schemeClr val="accent6">
+                    <a:lumMod val="75000"/>
+                  </a:schemeClr>
+                </a:solidFill>
+                <a:latin typeface="Century Gothic" panose="020B0502020202020204" pitchFamily="34" charset="0"/>
+              </a:rPr>
+              <a:t>Measure the </a:t>
+            </a:r>
+          </a:p>
+          <a:p>
+            <a:pPr algn="ctr"/>
+            <a:r>
+              <a:rPr lang="en-US" dirty="0" smtClean="0">
+                <a:solidFill>
+                  <a:schemeClr val="accent6">
+                    <a:lumMod val="75000"/>
+                  </a:schemeClr>
+                </a:solidFill>
+                <a:latin typeface="Century Gothic" panose="020B0502020202020204" pitchFamily="34" charset="0"/>
+              </a:rPr>
+              <a:t>Treatment</a:t>
+            </a:r>
+          </a:p>
+        </p:txBody>
+      </p:sp>
+    </p:spTree>
+    <p:extLst>
+      <p:ext uri="{BB962C8B-B14F-4D97-AF65-F5344CB8AC3E}">
+        <p14:creationId xmlns:p14="http://schemas.microsoft.com/office/powerpoint/2010/main" val="852197129"/>
+      </p:ext>
+    </p:extLst>
+  </p:cSld>
+  <p:clrMapOvr>
+    <a:masterClrMapping/>
+  </p:clrMapOvr>
+</p:sld>
+</file>
+
+<file path=ppt/slides/slide56.xml><?xml version="1.0" encoding="utf-8"?>
+<p:sld xmlns:a="http://schemas.openxmlformats.org/drawingml/2006/main" xmlns:r="http://schemas.openxmlformats.org/officeDocument/2006/relationships" xmlns:p="http://schemas.openxmlformats.org/presentationml/2006/main">
+  <p:cSld>
+    <p:spTree>
+      <p:nvGrpSpPr>
+        <p:cNvPr id="1" name=""/>
+        <p:cNvGrpSpPr/>
+        <p:nvPr/>
+      </p:nvGrpSpPr>
+      <p:grpSpPr>
+        <a:xfrm>
+          <a:off x="0" y="0"/>
+          <a:ext cx="0" cy="0"/>
+          <a:chOff x="0" y="0"/>
+          <a:chExt cx="0" cy="0"/>
+        </a:xfrm>
+      </p:grpSpPr>
+      <p:sp>
+        <p:nvSpPr>
+          <p:cNvPr id="2" name="Title 1"/>
+          <p:cNvSpPr>
+            <a:spLocks noGrp="1"/>
+          </p:cNvSpPr>
+          <p:nvPr>
+            <p:ph type="title"/>
+          </p:nvPr>
+        </p:nvSpPr>
+        <p:spPr/>
+        <p:txBody>
+          <a:bodyPr/>
+          <a:lstStyle/>
+          <a:p>
+            <a:r>
+              <a:rPr lang="en-US" dirty="0" smtClean="0"/>
+              <a:t>Why do we need two measures?</a:t>
+            </a:r>
+            <a:endParaRPr lang="en-US" dirty="0"/>
+          </a:p>
+        </p:txBody>
+      </p:sp>
+      <p:sp>
+        <p:nvSpPr>
+          <p:cNvPr id="4" name="Oval 3"/>
+          <p:cNvSpPr/>
+          <p:nvPr/>
+        </p:nvSpPr>
+        <p:spPr>
+          <a:xfrm>
+            <a:off x="7138619" y="2818357"/>
+            <a:ext cx="2362200" cy="2286000"/>
+          </a:xfrm>
+          <a:prstGeom prst="ellipse">
+            <a:avLst/>
+          </a:prstGeom>
+        </p:spPr>
+        <p:style>
+          <a:lnRef idx="2">
+            <a:schemeClr val="accent1">
+              <a:shade val="50000"/>
+            </a:schemeClr>
+          </a:lnRef>
+          <a:fillRef idx="1">
+            <a:schemeClr val="accent1"/>
+          </a:fillRef>
+          <a:effectRef idx="0">
+            <a:schemeClr val="accent1"/>
+          </a:effectRef>
+          <a:fontRef idx="minor">
+            <a:schemeClr val="lt1"/>
+          </a:fontRef>
+        </p:style>
+        <p:txBody>
+          <a:bodyPr rtlCol="0" anchor="ctr"/>
+          <a:lstStyle/>
+          <a:p>
+            <a:pPr marL="0" marR="0" lvl="0" indent="0" algn="ctr" defTabSz="914400" rtl="0" eaLnBrk="1" fontAlgn="auto" latinLnBrk="0" hangingPunct="1">
+              <a:lnSpc>
+                <a:spcPct val="100000"/>
+              </a:lnSpc>
+              <a:spcBef>
+                <a:spcPts val="0"/>
+              </a:spcBef>
+              <a:spcAft>
+                <a:spcPts val="0"/>
+              </a:spcAft>
+              <a:buClrTx/>
+              <a:buSzTx/>
+              <a:buFontTx/>
+              <a:buNone/>
+              <a:tabLst/>
+              <a:defRPr/>
+            </a:pPr>
+            <a:endParaRPr kumimoji="0" lang="en-US" sz="1800" b="0" i="0" u="none" strike="noStrike" kern="1200" cap="none" spc="0" normalizeH="0" baseline="0" noProof="0">
+              <a:ln>
+                <a:noFill/>
+              </a:ln>
+              <a:solidFill>
+                <a:prstClr val="white"/>
+              </a:solidFill>
+              <a:effectLst/>
+              <a:uLnTx/>
+              <a:uFillTx/>
+              <a:latin typeface="Calibri"/>
+              <a:ea typeface="+mn-ea"/>
+              <a:cs typeface="+mn-cs"/>
+            </a:endParaRPr>
+          </a:p>
+        </p:txBody>
+      </p:sp>
+      <p:sp>
+        <p:nvSpPr>
+          <p:cNvPr id="5" name="Oval 4"/>
+          <p:cNvSpPr/>
+          <p:nvPr/>
+        </p:nvSpPr>
+        <p:spPr>
+          <a:xfrm>
+            <a:off x="7688855" y="3504157"/>
+            <a:ext cx="1464635" cy="1447800"/>
+          </a:xfrm>
+          <a:prstGeom prst="ellipse">
+            <a:avLst/>
+          </a:prstGeom>
+          <a:solidFill>
+            <a:schemeClr val="accent3"/>
+          </a:solidFill>
+        </p:spPr>
+        <p:style>
+          <a:lnRef idx="2">
+            <a:schemeClr val="accent1">
+              <a:shade val="50000"/>
+            </a:schemeClr>
+          </a:lnRef>
+          <a:fillRef idx="1">
+            <a:schemeClr val="accent1"/>
+          </a:fillRef>
+          <a:effectRef idx="0">
+            <a:schemeClr val="accent1"/>
+          </a:effectRef>
+          <a:fontRef idx="minor">
+            <a:schemeClr val="lt1"/>
+          </a:fontRef>
+        </p:style>
+        <p:txBody>
+          <a:bodyPr rtlCol="0" anchor="ctr"/>
+          <a:lstStyle/>
+          <a:p>
+            <a:pPr marL="0" marR="0" lvl="0" indent="0" algn="ctr" defTabSz="914400" rtl="0" eaLnBrk="1" fontAlgn="auto" latinLnBrk="0" hangingPunct="1">
+              <a:lnSpc>
+                <a:spcPct val="100000"/>
+              </a:lnSpc>
+              <a:spcBef>
+                <a:spcPts val="0"/>
+              </a:spcBef>
+              <a:spcAft>
+                <a:spcPts val="0"/>
+              </a:spcAft>
+              <a:buClrTx/>
+              <a:buSzTx/>
+              <a:buFontTx/>
+              <a:buNone/>
+              <a:tabLst/>
+              <a:defRPr/>
+            </a:pPr>
+            <a:endParaRPr kumimoji="0" lang="en-US" sz="1800" b="0" i="0" u="none" strike="noStrike" kern="1200" cap="none" spc="0" normalizeH="0" baseline="0" noProof="0">
+              <a:ln>
+                <a:noFill/>
+              </a:ln>
+              <a:solidFill>
+                <a:prstClr val="white"/>
+              </a:solidFill>
+              <a:effectLst/>
+              <a:uLnTx/>
+              <a:uFillTx/>
+              <a:latin typeface="Calibri"/>
+              <a:ea typeface="+mn-ea"/>
+              <a:cs typeface="+mn-cs"/>
+            </a:endParaRPr>
+          </a:p>
+        </p:txBody>
+      </p:sp>
+      <p:cxnSp>
+        <p:nvCxnSpPr>
+          <p:cNvPr id="6" name="Straight Arrow Connector 5"/>
+          <p:cNvCxnSpPr/>
+          <p:nvPr/>
+        </p:nvCxnSpPr>
+        <p:spPr>
+          <a:xfrm flipH="1">
+            <a:off x="9365254" y="3199357"/>
+            <a:ext cx="533400" cy="76200"/>
+          </a:xfrm>
+          <a:prstGeom prst="straightConnector1">
+            <a:avLst/>
+          </a:prstGeom>
+          <a:ln w="25400">
+            <a:tailEnd type="arrow"/>
+          </a:ln>
+        </p:spPr>
+        <p:style>
+          <a:lnRef idx="1">
+            <a:schemeClr val="accent1"/>
+          </a:lnRef>
+          <a:fillRef idx="0">
+            <a:schemeClr val="accent1"/>
+          </a:fillRef>
+          <a:effectRef idx="0">
+            <a:schemeClr val="accent1"/>
+          </a:effectRef>
+          <a:fontRef idx="minor">
+            <a:schemeClr val="tx1"/>
+          </a:fontRef>
+        </p:style>
+      </p:cxnSp>
+      <p:cxnSp>
+        <p:nvCxnSpPr>
+          <p:cNvPr id="8" name="Straight Arrow Connector 7"/>
+          <p:cNvCxnSpPr>
+            <a:stCxn id="10" idx="1"/>
+          </p:cNvCxnSpPr>
+          <p:nvPr/>
+        </p:nvCxnSpPr>
+        <p:spPr>
+          <a:xfrm flipH="1" flipV="1">
+            <a:off x="9069355" y="4537626"/>
+            <a:ext cx="829299" cy="600165"/>
+          </a:xfrm>
+          <a:prstGeom prst="straightConnector1">
+            <a:avLst/>
+          </a:prstGeom>
+          <a:ln w="25400">
+            <a:solidFill>
+              <a:schemeClr val="accent3"/>
+            </a:solidFill>
+            <a:tailEnd type="arrow"/>
+          </a:ln>
+        </p:spPr>
+        <p:style>
+          <a:lnRef idx="1">
+            <a:schemeClr val="accent1"/>
+          </a:lnRef>
+          <a:fillRef idx="0">
+            <a:schemeClr val="accent1"/>
+          </a:fillRef>
+          <a:effectRef idx="0">
+            <a:schemeClr val="accent1"/>
+          </a:effectRef>
+          <a:fontRef idx="minor">
+            <a:schemeClr val="tx1"/>
+          </a:fontRef>
+        </p:style>
+      </p:cxnSp>
+      <p:sp>
+        <p:nvSpPr>
+          <p:cNvPr id="10" name="TextBox 9"/>
+          <p:cNvSpPr txBox="1"/>
+          <p:nvPr/>
+        </p:nvSpPr>
+        <p:spPr>
+          <a:xfrm>
+            <a:off x="9898654" y="4537626"/>
+            <a:ext cx="1263423" cy="1200329"/>
+          </a:xfrm>
+          <a:prstGeom prst="rect">
+            <a:avLst/>
+          </a:prstGeom>
+          <a:noFill/>
+        </p:spPr>
+        <p:txBody>
+          <a:bodyPr wrap="none" rtlCol="0">
+            <a:spAutoFit/>
+          </a:bodyPr>
+          <a:lstStyle/>
+          <a:p>
+            <a:pPr marL="0" marR="0" lvl="0" indent="0" algn="ctr" defTabSz="914400" rtl="0" eaLnBrk="1" fontAlgn="auto" latinLnBrk="0" hangingPunct="1">
+              <a:lnSpc>
+                <a:spcPct val="100000"/>
+              </a:lnSpc>
+              <a:spcBef>
+                <a:spcPts val="0"/>
+              </a:spcBef>
+              <a:spcAft>
+                <a:spcPts val="0"/>
+              </a:spcAft>
+              <a:buClrTx/>
+              <a:buSzTx/>
+              <a:buFontTx/>
+              <a:buNone/>
+              <a:tabLst/>
+              <a:defRPr/>
+            </a:pPr>
+            <a:r>
+              <a:rPr kumimoji="0" lang="en-US" sz="1800" b="0" i="0" u="none" strike="noStrike" kern="1200" cap="none" spc="0" normalizeH="0" baseline="0" noProof="0" dirty="0" smtClean="0">
+                <a:ln>
+                  <a:noFill/>
+                </a:ln>
+                <a:solidFill>
+                  <a:schemeClr val="accent3">
+                    <a:lumMod val="75000"/>
+                  </a:schemeClr>
+                </a:solidFill>
+                <a:effectLst/>
+                <a:uLnTx/>
+                <a:uFillTx/>
+                <a:latin typeface="Calibri"/>
+                <a:ea typeface="+mn-ea"/>
+                <a:cs typeface="+mn-cs"/>
+              </a:rPr>
+              <a:t>“Treatment</a:t>
+            </a:r>
+          </a:p>
+          <a:p>
+            <a:pPr marL="0" marR="0" lvl="0" indent="0" algn="ctr" defTabSz="914400" rtl="0" eaLnBrk="1" fontAlgn="auto" latinLnBrk="0" hangingPunct="1">
+              <a:lnSpc>
+                <a:spcPct val="100000"/>
+              </a:lnSpc>
+              <a:spcBef>
+                <a:spcPts val="0"/>
+              </a:spcBef>
+              <a:spcAft>
+                <a:spcPts val="0"/>
+              </a:spcAft>
+              <a:buClrTx/>
+              <a:buSzTx/>
+              <a:buFontTx/>
+              <a:buNone/>
+              <a:tabLst/>
+              <a:defRPr/>
+            </a:pPr>
+            <a:r>
+              <a:rPr kumimoji="0" lang="en-US" sz="1800" b="0" i="0" u="none" strike="noStrike" kern="1200" cap="none" spc="0" normalizeH="0" baseline="0" noProof="0" dirty="0" smtClean="0">
+                <a:ln>
+                  <a:noFill/>
+                </a:ln>
+                <a:solidFill>
+                  <a:schemeClr val="accent3">
+                    <a:lumMod val="75000"/>
+                  </a:schemeClr>
+                </a:solidFill>
+                <a:effectLst/>
+                <a:uLnTx/>
+                <a:uFillTx/>
+                <a:latin typeface="Calibri"/>
+                <a:ea typeface="+mn-ea"/>
+                <a:cs typeface="+mn-cs"/>
+              </a:rPr>
+              <a:t>on the </a:t>
+            </a:r>
+          </a:p>
+          <a:p>
+            <a:pPr marL="0" marR="0" lvl="0" indent="0" algn="ctr" defTabSz="914400" rtl="0" eaLnBrk="1" fontAlgn="auto" latinLnBrk="0" hangingPunct="1">
+              <a:lnSpc>
+                <a:spcPct val="100000"/>
+              </a:lnSpc>
+              <a:spcBef>
+                <a:spcPts val="0"/>
+              </a:spcBef>
+              <a:spcAft>
+                <a:spcPts val="0"/>
+              </a:spcAft>
+              <a:buClrTx/>
+              <a:buSzTx/>
+              <a:buFontTx/>
+              <a:buNone/>
+              <a:tabLst/>
+              <a:defRPr/>
+            </a:pPr>
+            <a:r>
+              <a:rPr kumimoji="0" lang="en-US" sz="1800" b="0" i="0" u="none" strike="noStrike" kern="1200" cap="none" spc="0" normalizeH="0" baseline="0" noProof="0" dirty="0" smtClean="0">
+                <a:ln>
+                  <a:noFill/>
+                </a:ln>
+                <a:solidFill>
+                  <a:schemeClr val="accent3">
+                    <a:lumMod val="75000"/>
+                  </a:schemeClr>
+                </a:solidFill>
+                <a:effectLst/>
+                <a:uLnTx/>
+                <a:uFillTx/>
+                <a:latin typeface="Calibri"/>
+                <a:ea typeface="+mn-ea"/>
+                <a:cs typeface="+mn-cs"/>
+              </a:rPr>
+              <a:t>Treated”</a:t>
+            </a:r>
+            <a:br>
+              <a:rPr kumimoji="0" lang="en-US" sz="1800" b="0" i="0" u="none" strike="noStrike" kern="1200" cap="none" spc="0" normalizeH="0" baseline="0" noProof="0" dirty="0" smtClean="0">
+                <a:ln>
+                  <a:noFill/>
+                </a:ln>
+                <a:solidFill>
+                  <a:schemeClr val="accent3">
+                    <a:lumMod val="75000"/>
+                  </a:schemeClr>
+                </a:solidFill>
+                <a:effectLst/>
+                <a:uLnTx/>
+                <a:uFillTx/>
+                <a:latin typeface="Calibri"/>
+                <a:ea typeface="+mn-ea"/>
+                <a:cs typeface="+mn-cs"/>
+              </a:rPr>
+            </a:br>
+            <a:r>
+              <a:rPr kumimoji="0" lang="en-US" sz="1800" b="0" i="0" u="none" strike="noStrike" kern="1200" cap="none" spc="0" normalizeH="0" baseline="0" noProof="0" dirty="0" smtClean="0">
+                <a:ln>
+                  <a:noFill/>
+                </a:ln>
+                <a:solidFill>
+                  <a:schemeClr val="accent3">
+                    <a:lumMod val="75000"/>
+                  </a:schemeClr>
+                </a:solidFill>
+                <a:effectLst/>
+                <a:uLnTx/>
+                <a:uFillTx/>
+                <a:latin typeface="Calibri"/>
+                <a:ea typeface="+mn-ea"/>
+                <a:cs typeface="+mn-cs"/>
+              </a:rPr>
+              <a:t>Estimate</a:t>
+            </a:r>
+            <a:endParaRPr kumimoji="0" lang="en-US" sz="1800" b="0" i="0" u="none" strike="noStrike" kern="1200" cap="none" spc="0" normalizeH="0" baseline="0" noProof="0" dirty="0">
+              <a:ln>
+                <a:noFill/>
+              </a:ln>
+              <a:solidFill>
+                <a:schemeClr val="accent3">
+                  <a:lumMod val="75000"/>
+                </a:schemeClr>
+              </a:solidFill>
+              <a:effectLst/>
+              <a:uLnTx/>
+              <a:uFillTx/>
+              <a:latin typeface="Calibri"/>
+              <a:ea typeface="+mn-ea"/>
+              <a:cs typeface="+mn-cs"/>
+            </a:endParaRPr>
+          </a:p>
+        </p:txBody>
+      </p:sp>
+      <p:sp>
+        <p:nvSpPr>
+          <p:cNvPr id="11" name="TextBox 10"/>
+          <p:cNvSpPr txBox="1"/>
+          <p:nvPr/>
+        </p:nvSpPr>
+        <p:spPr>
+          <a:xfrm>
+            <a:off x="10065490" y="2515967"/>
+            <a:ext cx="1194237" cy="923330"/>
+          </a:xfrm>
+          <a:prstGeom prst="rect">
+            <a:avLst/>
+          </a:prstGeom>
+          <a:noFill/>
+        </p:spPr>
+        <p:txBody>
+          <a:bodyPr wrap="none" rtlCol="0">
+            <a:spAutoFit/>
+          </a:bodyPr>
+          <a:lstStyle/>
+          <a:p>
+            <a:pPr marL="0" marR="0" lvl="0" indent="0" algn="ctr" defTabSz="914400" rtl="0" eaLnBrk="1" fontAlgn="auto" latinLnBrk="0" hangingPunct="1">
+              <a:lnSpc>
+                <a:spcPct val="100000"/>
+              </a:lnSpc>
+              <a:spcBef>
+                <a:spcPts val="0"/>
+              </a:spcBef>
+              <a:spcAft>
+                <a:spcPts val="0"/>
+              </a:spcAft>
+              <a:buClrTx/>
+              <a:buSzTx/>
+              <a:buFontTx/>
+              <a:buNone/>
+              <a:tabLst/>
+              <a:defRPr/>
+            </a:pPr>
+            <a:r>
+              <a:rPr kumimoji="0" lang="en-US" sz="1800" b="0" i="0" u="none" strike="noStrike" kern="1200" cap="none" spc="0" normalizeH="0" baseline="0" noProof="0" dirty="0" smtClean="0">
+                <a:ln>
+                  <a:noFill/>
+                </a:ln>
+                <a:solidFill>
+                  <a:srgbClr val="4F81BD"/>
+                </a:solidFill>
+                <a:effectLst/>
+                <a:uLnTx/>
+                <a:uFillTx/>
+                <a:latin typeface="Calibri"/>
+                <a:ea typeface="+mn-ea"/>
+                <a:cs typeface="+mn-cs"/>
+              </a:rPr>
+              <a:t>“Intention </a:t>
+            </a:r>
+          </a:p>
+          <a:p>
+            <a:pPr marL="0" marR="0" lvl="0" indent="0" algn="ctr" defTabSz="914400" rtl="0" eaLnBrk="1" fontAlgn="auto" latinLnBrk="0" hangingPunct="1">
+              <a:lnSpc>
+                <a:spcPct val="100000"/>
+              </a:lnSpc>
+              <a:spcBef>
+                <a:spcPts val="0"/>
+              </a:spcBef>
+              <a:spcAft>
+                <a:spcPts val="0"/>
+              </a:spcAft>
+              <a:buClrTx/>
+              <a:buSzTx/>
+              <a:buFontTx/>
+              <a:buNone/>
+              <a:tabLst/>
+              <a:defRPr/>
+            </a:pPr>
+            <a:r>
+              <a:rPr kumimoji="0" lang="en-US" sz="1800" b="0" i="0" u="none" strike="noStrike" kern="1200" cap="none" spc="0" normalizeH="0" baseline="0" noProof="0" dirty="0" smtClean="0">
+                <a:ln>
+                  <a:noFill/>
+                </a:ln>
+                <a:solidFill>
+                  <a:srgbClr val="4F81BD"/>
+                </a:solidFill>
+                <a:effectLst/>
+                <a:uLnTx/>
+                <a:uFillTx/>
+                <a:latin typeface="Calibri"/>
+                <a:ea typeface="+mn-ea"/>
+                <a:cs typeface="+mn-cs"/>
+              </a:rPr>
+              <a:t>to Treat”</a:t>
+            </a:r>
+            <a:br>
+              <a:rPr kumimoji="0" lang="en-US" sz="1800" b="0" i="0" u="none" strike="noStrike" kern="1200" cap="none" spc="0" normalizeH="0" baseline="0" noProof="0" dirty="0" smtClean="0">
+                <a:ln>
+                  <a:noFill/>
+                </a:ln>
+                <a:solidFill>
+                  <a:srgbClr val="4F81BD"/>
+                </a:solidFill>
+                <a:effectLst/>
+                <a:uLnTx/>
+                <a:uFillTx/>
+                <a:latin typeface="Calibri"/>
+                <a:ea typeface="+mn-ea"/>
+                <a:cs typeface="+mn-cs"/>
+              </a:rPr>
+            </a:br>
+            <a:r>
+              <a:rPr kumimoji="0" lang="en-US" sz="1800" b="0" i="0" u="none" strike="noStrike" kern="1200" cap="none" spc="0" normalizeH="0" baseline="0" noProof="0" dirty="0" smtClean="0">
+                <a:ln>
+                  <a:noFill/>
+                </a:ln>
+                <a:solidFill>
+                  <a:srgbClr val="4F81BD"/>
+                </a:solidFill>
+                <a:effectLst/>
+                <a:uLnTx/>
+                <a:uFillTx/>
+                <a:latin typeface="Calibri"/>
+                <a:ea typeface="+mn-ea"/>
+                <a:cs typeface="+mn-cs"/>
+              </a:rPr>
+              <a:t>Estimate</a:t>
+            </a:r>
+            <a:endParaRPr kumimoji="0" lang="en-US" sz="1800" b="0" i="0" u="none" strike="noStrike" kern="1200" cap="none" spc="0" normalizeH="0" baseline="0" noProof="0" dirty="0">
+              <a:ln>
+                <a:noFill/>
+              </a:ln>
+              <a:solidFill>
+                <a:srgbClr val="4F81BD"/>
+              </a:solidFill>
+              <a:effectLst/>
+              <a:uLnTx/>
+              <a:uFillTx/>
+              <a:latin typeface="Calibri"/>
+              <a:ea typeface="+mn-ea"/>
+              <a:cs typeface="+mn-cs"/>
+            </a:endParaRPr>
+          </a:p>
+        </p:txBody>
+      </p:sp>
+      <p:sp>
+        <p:nvSpPr>
+          <p:cNvPr id="14" name="TextBox 13"/>
+          <p:cNvSpPr txBox="1"/>
+          <p:nvPr/>
+        </p:nvSpPr>
+        <p:spPr>
+          <a:xfrm>
+            <a:off x="893465" y="1976198"/>
+            <a:ext cx="5057191" cy="3970318"/>
+          </a:xfrm>
+          <a:prstGeom prst="rect">
+            <a:avLst/>
+          </a:prstGeom>
+          <a:noFill/>
+        </p:spPr>
+        <p:txBody>
+          <a:bodyPr wrap="square" rtlCol="0">
+            <a:spAutoFit/>
+          </a:bodyPr>
+          <a:lstStyle/>
+          <a:p>
+            <a:r>
+              <a:rPr lang="en-US" b="1" cap="small" dirty="0" smtClean="0">
+                <a:solidFill>
+                  <a:schemeClr val="accent3">
+                    <a:lumMod val="75000"/>
+                  </a:schemeClr>
+                </a:solidFill>
+              </a:rPr>
+              <a:t>The TOT Measure </a:t>
+            </a:r>
+            <a:r>
+              <a:rPr lang="en-US" dirty="0" smtClean="0"/>
+              <a:t>is the optimistic or best-case scenario. It tells us how effective the program or intervention is when followed with HIGH FIDELITY.  </a:t>
+            </a:r>
+          </a:p>
+          <a:p>
+            <a:endParaRPr lang="en-US" dirty="0" smtClean="0"/>
+          </a:p>
+          <a:p>
+            <a:r>
+              <a:rPr lang="en-US" b="1" cap="small" dirty="0" smtClean="0">
+                <a:solidFill>
+                  <a:srgbClr val="4F81BD"/>
+                </a:solidFill>
+              </a:rPr>
+              <a:t>The ITT Measure </a:t>
+            </a:r>
+            <a:r>
+              <a:rPr lang="en-US" dirty="0" smtClean="0"/>
+              <a:t>is the more cynical or realistic version. We never expect that programs work exactly as designed. The ITT is closer to a measure of how the laboratory equipment works once it’s in the field. It is also a better estimate of how much change we can expect at the population level. </a:t>
+            </a:r>
+          </a:p>
+          <a:p>
+            <a:endParaRPr lang="en-US" dirty="0"/>
+          </a:p>
+          <a:p>
+            <a:r>
+              <a:rPr lang="en-US" dirty="0" smtClean="0"/>
+              <a:t>The different between the TOT and the ITT tells us how many gains can be made by improving program implementation! So both are useful and important! </a:t>
+            </a:r>
+            <a:endParaRPr lang="en-US" dirty="0"/>
+          </a:p>
+        </p:txBody>
+      </p:sp>
+    </p:spTree>
+    <p:extLst>
+      <p:ext uri="{BB962C8B-B14F-4D97-AF65-F5344CB8AC3E}">
+        <p14:creationId xmlns:p14="http://schemas.microsoft.com/office/powerpoint/2010/main" val="3370543218"/>
+      </p:ext>
+    </p:extLst>
+  </p:cSld>
+  <p:clrMapOvr>
+    <a:masterClrMapping/>
+  </p:clrMapOvr>
+</p:sld>
+</file>
+
+<file path=ppt/slides/slide57.xml><?xml version="1.0" encoding="utf-8"?>
+<p:sld xmlns:a="http://schemas.openxmlformats.org/drawingml/2006/main" xmlns:r="http://schemas.openxmlformats.org/officeDocument/2006/relationships" xmlns:p="http://schemas.openxmlformats.org/presentationml/2006/main">
+  <p:cSld>
+    <p:spTree>
+      <p:nvGrpSpPr>
+        <p:cNvPr id="1" name=""/>
+        <p:cNvGrpSpPr/>
+        <p:nvPr/>
+      </p:nvGrpSpPr>
+      <p:grpSpPr>
+        <a:xfrm>
+          <a:off x="0" y="0"/>
+          <a:ext cx="0" cy="0"/>
+          <a:chOff x="0" y="0"/>
+          <a:chExt cx="0" cy="0"/>
+        </a:xfrm>
+      </p:grpSpPr>
+      <p:sp>
+        <p:nvSpPr>
+          <p:cNvPr id="3" name="Rectangle 2"/>
+          <p:cNvSpPr/>
+          <p:nvPr/>
+        </p:nvSpPr>
+        <p:spPr>
+          <a:xfrm>
+            <a:off x="1041918" y="1432456"/>
+            <a:ext cx="10058400" cy="2585323"/>
+          </a:xfrm>
+          <a:prstGeom prst="rect">
+            <a:avLst/>
+          </a:prstGeom>
+        </p:spPr>
+        <p:txBody>
+          <a:bodyPr wrap="square">
+            <a:spAutoFit/>
+          </a:bodyPr>
+          <a:lstStyle/>
+          <a:p>
+            <a:pPr marL="0" marR="0" lvl="0" indent="0" algn="l" defTabSz="914400" rtl="0" eaLnBrk="1" fontAlgn="auto" latinLnBrk="0" hangingPunct="1">
+              <a:lnSpc>
+                <a:spcPct val="100000"/>
+              </a:lnSpc>
+              <a:spcBef>
+                <a:spcPts val="0"/>
+              </a:spcBef>
+              <a:spcAft>
+                <a:spcPts val="0"/>
+              </a:spcAft>
+              <a:buClrTx/>
+              <a:buSzTx/>
+              <a:buFontTx/>
+              <a:buNone/>
+              <a:tabLst/>
+              <a:defRPr/>
+            </a:pPr>
+            <a:r>
+              <a:rPr kumimoji="0" lang="en-US" sz="1800" b="0" i="0" u="none" strike="noStrike" kern="1200" cap="none" spc="0" normalizeH="0" baseline="0" noProof="0" dirty="0">
+                <a:ln>
+                  <a:noFill/>
+                </a:ln>
+                <a:solidFill>
+                  <a:prstClr val="black"/>
+                </a:solidFill>
+                <a:effectLst/>
+                <a:uLnTx/>
+                <a:uFillTx/>
+                <a:latin typeface="Calibri"/>
+                <a:ea typeface="+mn-ea"/>
+                <a:cs typeface="+mn-cs"/>
+              </a:rPr>
+              <a:t>Those more effective methods are ones that don't require people to remember to take a pill, put on a condom, or record their temperature daily, such as intrauterine contraception or implants.</a:t>
+            </a:r>
+          </a:p>
+          <a:p>
+            <a:pPr marL="0" marR="0" lvl="0" indent="0" algn="l" defTabSz="914400" rtl="0" eaLnBrk="1" fontAlgn="auto" latinLnBrk="0" hangingPunct="1">
+              <a:lnSpc>
+                <a:spcPct val="100000"/>
+              </a:lnSpc>
+              <a:spcBef>
+                <a:spcPts val="0"/>
+              </a:spcBef>
+              <a:spcAft>
+                <a:spcPts val="0"/>
+              </a:spcAft>
+              <a:buClrTx/>
+              <a:buSzTx/>
+              <a:buFontTx/>
+              <a:buNone/>
+              <a:tabLst/>
+              <a:defRPr/>
+            </a:pPr>
+            <a:endParaRPr kumimoji="0" lang="en-US" sz="1800" b="0" i="0" u="none" strike="noStrike" kern="1200" cap="none" spc="0" normalizeH="0" baseline="0" noProof="0" dirty="0">
+              <a:ln>
+                <a:noFill/>
+              </a:ln>
+              <a:solidFill>
+                <a:prstClr val="black"/>
+              </a:solidFill>
+              <a:effectLst/>
+              <a:uLnTx/>
+              <a:uFillTx/>
+              <a:latin typeface="Calibri"/>
+              <a:ea typeface="+mn-ea"/>
+              <a:cs typeface="+mn-cs"/>
+            </a:endParaRPr>
+          </a:p>
+          <a:p>
+            <a:pPr marL="0" marR="0" lvl="0" indent="0" algn="l" defTabSz="914400" rtl="0" eaLnBrk="1" fontAlgn="auto" latinLnBrk="0" hangingPunct="1">
+              <a:lnSpc>
+                <a:spcPct val="100000"/>
+              </a:lnSpc>
+              <a:spcBef>
+                <a:spcPts val="0"/>
+              </a:spcBef>
+              <a:spcAft>
+                <a:spcPts val="0"/>
+              </a:spcAft>
+              <a:buClrTx/>
+              <a:buSzTx/>
+              <a:buFontTx/>
+              <a:buNone/>
+              <a:tabLst/>
+              <a:defRPr/>
+            </a:pPr>
+            <a:r>
+              <a:rPr kumimoji="0" lang="en-US" sz="1800" b="0" i="0" u="none" strike="noStrike" kern="1200" cap="none" spc="0" normalizeH="0" baseline="0" noProof="0" dirty="0">
+                <a:ln>
+                  <a:noFill/>
+                </a:ln>
+                <a:solidFill>
+                  <a:prstClr val="black"/>
+                </a:solidFill>
+                <a:effectLst/>
+                <a:uLnTx/>
+                <a:uFillTx/>
+                <a:latin typeface="Calibri"/>
+                <a:ea typeface="+mn-ea"/>
+                <a:cs typeface="+mn-cs"/>
+              </a:rPr>
+              <a:t>That's because human error can mess with things quite a lot. In fact, the UK's National Health Service (NHS) explained that </a:t>
+            </a:r>
+            <a:r>
+              <a:rPr kumimoji="0" lang="en-US" sz="1800" b="1" i="0" u="none" strike="noStrike" kern="1200" cap="none" spc="0" normalizeH="0" baseline="0" noProof="0" dirty="0">
+                <a:ln>
+                  <a:noFill/>
+                </a:ln>
+                <a:solidFill>
+                  <a:prstClr val="black"/>
+                </a:solidFill>
+                <a:effectLst/>
+                <a:uLnTx/>
+                <a:uFillTx/>
+                <a:latin typeface="Calibri"/>
+                <a:ea typeface="+mn-ea"/>
+                <a:cs typeface="+mn-cs"/>
+              </a:rPr>
+              <a:t>when the app was used perfectly all the time</a:t>
+            </a:r>
+            <a:r>
+              <a:rPr kumimoji="0" lang="en-US" sz="1800" b="0" i="0" u="none" strike="noStrike" kern="1200" cap="none" spc="0" normalizeH="0" baseline="0" noProof="0" dirty="0">
+                <a:ln>
+                  <a:noFill/>
+                </a:ln>
+                <a:solidFill>
+                  <a:prstClr val="black"/>
+                </a:solidFill>
+                <a:effectLst/>
+                <a:uLnTx/>
+                <a:uFillTx/>
+                <a:latin typeface="Calibri"/>
+                <a:ea typeface="+mn-ea"/>
+                <a:cs typeface="+mn-cs"/>
+              </a:rPr>
+              <a:t>, only five out of every 1,000 women would fall pregnant every year - a rate slightly better than the pill (</a:t>
+            </a:r>
+            <a:r>
+              <a:rPr kumimoji="0" lang="en-US" sz="1800" b="1" i="0" u="none" strike="noStrike" kern="1200" cap="none" spc="0" normalizeH="0" baseline="0" noProof="0" dirty="0">
+                <a:ln>
+                  <a:noFill/>
+                </a:ln>
+                <a:solidFill>
+                  <a:prstClr val="black"/>
+                </a:solidFill>
+                <a:effectLst/>
+                <a:uLnTx/>
+                <a:uFillTx/>
+                <a:latin typeface="Calibri"/>
+                <a:ea typeface="+mn-ea"/>
+                <a:cs typeface="+mn-cs"/>
+              </a:rPr>
+              <a:t>99.5 percent</a:t>
+            </a:r>
+            <a:r>
+              <a:rPr kumimoji="0" lang="en-US" sz="1800" b="0" i="0" u="none" strike="noStrike" kern="1200" cap="none" spc="0" normalizeH="0" baseline="0" noProof="0" dirty="0">
+                <a:ln>
+                  <a:noFill/>
+                </a:ln>
+                <a:solidFill>
+                  <a:prstClr val="black"/>
+                </a:solidFill>
+                <a:effectLst/>
+                <a:uLnTx/>
+                <a:uFillTx/>
+                <a:latin typeface="Calibri"/>
+                <a:ea typeface="+mn-ea"/>
+                <a:cs typeface="+mn-cs"/>
+              </a:rPr>
+              <a:t>).</a:t>
+            </a:r>
+          </a:p>
+          <a:p>
+            <a:pPr marL="0" marR="0" lvl="0" indent="0" algn="l" defTabSz="914400" rtl="0" eaLnBrk="1" fontAlgn="auto" latinLnBrk="0" hangingPunct="1">
+              <a:lnSpc>
+                <a:spcPct val="100000"/>
+              </a:lnSpc>
+              <a:spcBef>
+                <a:spcPts val="0"/>
+              </a:spcBef>
+              <a:spcAft>
+                <a:spcPts val="0"/>
+              </a:spcAft>
+              <a:buClrTx/>
+              <a:buSzTx/>
+              <a:buFontTx/>
+              <a:buNone/>
+              <a:tabLst/>
+              <a:defRPr/>
+            </a:pPr>
+            <a:endParaRPr kumimoji="0" lang="en-US" sz="1800" b="0" i="0" u="none" strike="noStrike" kern="1200" cap="none" spc="0" normalizeH="0" baseline="0" noProof="0" dirty="0">
+              <a:ln>
+                <a:noFill/>
+              </a:ln>
+              <a:solidFill>
+                <a:prstClr val="black"/>
+              </a:solidFill>
+              <a:effectLst/>
+              <a:uLnTx/>
+              <a:uFillTx/>
+              <a:latin typeface="Calibri"/>
+              <a:ea typeface="+mn-ea"/>
+              <a:cs typeface="+mn-cs"/>
+            </a:endParaRPr>
+          </a:p>
+          <a:p>
+            <a:pPr marL="0" marR="0" lvl="0" indent="0" algn="l" defTabSz="914400" rtl="0" eaLnBrk="1" fontAlgn="auto" latinLnBrk="0" hangingPunct="1">
+              <a:lnSpc>
+                <a:spcPct val="100000"/>
+              </a:lnSpc>
+              <a:spcBef>
+                <a:spcPts val="0"/>
+              </a:spcBef>
+              <a:spcAft>
+                <a:spcPts val="0"/>
+              </a:spcAft>
+              <a:buClrTx/>
+              <a:buSzTx/>
+              <a:buFontTx/>
+              <a:buNone/>
+              <a:tabLst/>
+              <a:defRPr/>
+            </a:pPr>
+            <a:r>
+              <a:rPr kumimoji="0" lang="en-US" sz="1800" b="0" i="0" u="none" strike="noStrike" kern="1200" cap="none" spc="0" normalizeH="0" baseline="0" noProof="0" dirty="0">
+                <a:ln>
+                  <a:noFill/>
+                </a:ln>
+                <a:solidFill>
+                  <a:prstClr val="black"/>
+                </a:solidFill>
+                <a:effectLst/>
+                <a:uLnTx/>
+                <a:uFillTx/>
+                <a:latin typeface="Calibri"/>
+                <a:ea typeface="+mn-ea"/>
+                <a:cs typeface="+mn-cs"/>
+              </a:rPr>
+              <a:t>But for </a:t>
+            </a:r>
+            <a:r>
+              <a:rPr kumimoji="0" lang="en-US" sz="1800" b="1" i="0" u="none" strike="noStrike" kern="1200" cap="none" spc="0" normalizeH="0" baseline="0" noProof="0" dirty="0">
+                <a:ln>
+                  <a:noFill/>
+                </a:ln>
+                <a:solidFill>
+                  <a:prstClr val="black"/>
+                </a:solidFill>
+                <a:effectLst/>
+                <a:uLnTx/>
+                <a:uFillTx/>
+                <a:latin typeface="Calibri"/>
+                <a:ea typeface="+mn-ea"/>
+                <a:cs typeface="+mn-cs"/>
+              </a:rPr>
+              <a:t>"typical use" - where the app isn't used entirely correctly every day </a:t>
+            </a:r>
+            <a:r>
+              <a:rPr kumimoji="0" lang="en-US" sz="1800" b="0" i="0" u="none" strike="noStrike" kern="1200" cap="none" spc="0" normalizeH="0" baseline="0" noProof="0" dirty="0">
+                <a:ln>
+                  <a:noFill/>
+                </a:ln>
+                <a:solidFill>
+                  <a:prstClr val="black"/>
+                </a:solidFill>
+                <a:effectLst/>
+                <a:uLnTx/>
+                <a:uFillTx/>
+                <a:latin typeface="Calibri"/>
+                <a:ea typeface="+mn-ea"/>
+                <a:cs typeface="+mn-cs"/>
+              </a:rPr>
+              <a:t>- it's more likely that seven out of every 100 women would experience accidental pregnancies, which is around </a:t>
+            </a:r>
+            <a:r>
+              <a:rPr kumimoji="0" lang="en-US" sz="1800" b="1" i="0" u="none" strike="noStrike" kern="1200" cap="none" spc="0" normalizeH="0" baseline="0" noProof="0" dirty="0">
+                <a:ln>
+                  <a:noFill/>
+                </a:ln>
+                <a:solidFill>
+                  <a:prstClr val="black"/>
+                </a:solidFill>
+                <a:effectLst/>
+                <a:uLnTx/>
+                <a:uFillTx/>
+                <a:latin typeface="Calibri"/>
+                <a:ea typeface="+mn-ea"/>
+                <a:cs typeface="+mn-cs"/>
+              </a:rPr>
+              <a:t>93 percent </a:t>
+            </a:r>
+            <a:r>
+              <a:rPr kumimoji="0" lang="en-US" sz="1800" b="0" i="0" u="none" strike="noStrike" kern="1200" cap="none" spc="0" normalizeH="0" baseline="0" noProof="0" dirty="0">
+                <a:ln>
+                  <a:noFill/>
+                </a:ln>
+                <a:solidFill>
+                  <a:prstClr val="black"/>
+                </a:solidFill>
+                <a:effectLst/>
+                <a:uLnTx/>
+                <a:uFillTx/>
+                <a:latin typeface="Calibri"/>
+                <a:ea typeface="+mn-ea"/>
+                <a:cs typeface="+mn-cs"/>
+              </a:rPr>
+              <a:t>efficiency.</a:t>
+            </a:r>
+          </a:p>
+        </p:txBody>
+      </p:sp>
+      <p:sp>
+        <p:nvSpPr>
+          <p:cNvPr id="5" name="TextBox 4"/>
+          <p:cNvSpPr txBox="1"/>
+          <p:nvPr/>
+        </p:nvSpPr>
+        <p:spPr>
+          <a:xfrm>
+            <a:off x="3508311" y="4547495"/>
+            <a:ext cx="4154535" cy="923330"/>
+          </a:xfrm>
+          <a:prstGeom prst="rect">
+            <a:avLst/>
+          </a:prstGeom>
+          <a:noFill/>
+        </p:spPr>
+        <p:txBody>
+          <a:bodyPr wrap="none" rtlCol="0">
+            <a:spAutoFit/>
+          </a:bodyPr>
+          <a:lstStyle/>
+          <a:p>
+            <a:pPr marL="0" marR="0" lvl="0" indent="0" algn="l" defTabSz="914400" rtl="0" eaLnBrk="1" fontAlgn="auto" latinLnBrk="0" hangingPunct="1">
+              <a:lnSpc>
+                <a:spcPct val="100000"/>
+              </a:lnSpc>
+              <a:spcBef>
+                <a:spcPts val="0"/>
+              </a:spcBef>
+              <a:spcAft>
+                <a:spcPts val="0"/>
+              </a:spcAft>
+              <a:buClrTx/>
+              <a:buSzTx/>
+              <a:buFontTx/>
+              <a:buNone/>
+              <a:tabLst/>
+              <a:defRPr/>
+            </a:pPr>
+            <a:r>
+              <a:rPr kumimoji="0" lang="en-US" sz="1800" b="1" i="0" u="none" strike="noStrike" kern="1200" cap="none" spc="0" normalizeH="0" baseline="0" noProof="0" dirty="0">
+                <a:ln>
+                  <a:noFill/>
+                </a:ln>
+                <a:solidFill>
+                  <a:prstClr val="black"/>
+                </a:solidFill>
+                <a:effectLst/>
+                <a:uLnTx/>
+                <a:uFillTx/>
+                <a:latin typeface="Calibri"/>
+                <a:ea typeface="+mn-ea"/>
+                <a:cs typeface="+mn-cs"/>
+              </a:rPr>
+              <a:t>Which is treatment on the treated effect?</a:t>
+            </a:r>
+          </a:p>
+          <a:p>
+            <a:pPr marL="0" marR="0" lvl="0" indent="0" algn="l" defTabSz="914400" rtl="0" eaLnBrk="1" fontAlgn="auto" latinLnBrk="0" hangingPunct="1">
+              <a:lnSpc>
+                <a:spcPct val="100000"/>
+              </a:lnSpc>
+              <a:spcBef>
+                <a:spcPts val="0"/>
+              </a:spcBef>
+              <a:spcAft>
+                <a:spcPts val="0"/>
+              </a:spcAft>
+              <a:buClrTx/>
+              <a:buSzTx/>
+              <a:buFontTx/>
+              <a:buNone/>
+              <a:tabLst/>
+              <a:defRPr/>
+            </a:pPr>
+            <a:endParaRPr kumimoji="0" lang="en-US" sz="1800" b="1" i="0" u="none" strike="noStrike" kern="1200" cap="none" spc="0" normalizeH="0" baseline="0" noProof="0" dirty="0">
+              <a:ln>
+                <a:noFill/>
+              </a:ln>
+              <a:solidFill>
+                <a:prstClr val="black"/>
+              </a:solidFill>
+              <a:effectLst/>
+              <a:uLnTx/>
+              <a:uFillTx/>
+              <a:latin typeface="Calibri"/>
+              <a:ea typeface="+mn-ea"/>
+              <a:cs typeface="+mn-cs"/>
+            </a:endParaRPr>
+          </a:p>
+          <a:p>
+            <a:pPr marL="0" marR="0" lvl="0" indent="0" algn="l" defTabSz="914400" rtl="0" eaLnBrk="1" fontAlgn="auto" latinLnBrk="0" hangingPunct="1">
+              <a:lnSpc>
+                <a:spcPct val="100000"/>
+              </a:lnSpc>
+              <a:spcBef>
+                <a:spcPts val="0"/>
+              </a:spcBef>
+              <a:spcAft>
+                <a:spcPts val="0"/>
+              </a:spcAft>
+              <a:buClrTx/>
+              <a:buSzTx/>
+              <a:buFontTx/>
+              <a:buNone/>
+              <a:tabLst/>
+              <a:defRPr/>
+            </a:pPr>
+            <a:r>
+              <a:rPr kumimoji="0" lang="en-US" sz="1800" b="1" i="0" u="none" strike="noStrike" kern="1200" cap="none" spc="0" normalizeH="0" baseline="0" noProof="0" dirty="0">
+                <a:ln>
+                  <a:noFill/>
+                </a:ln>
+                <a:solidFill>
+                  <a:prstClr val="black"/>
+                </a:solidFill>
+                <a:effectLst/>
+                <a:uLnTx/>
+                <a:uFillTx/>
+                <a:latin typeface="Calibri"/>
+                <a:ea typeface="+mn-ea"/>
+                <a:cs typeface="+mn-cs"/>
+              </a:rPr>
+              <a:t>Which is the intention-to-treat effect? </a:t>
+            </a:r>
+          </a:p>
+        </p:txBody>
+      </p:sp>
+      <p:sp>
+        <p:nvSpPr>
+          <p:cNvPr id="2" name="Rectangle 1"/>
+          <p:cNvSpPr/>
+          <p:nvPr/>
+        </p:nvSpPr>
+        <p:spPr>
+          <a:xfrm>
+            <a:off x="1041918" y="292728"/>
+            <a:ext cx="10304106" cy="800219"/>
+          </a:xfrm>
+          <a:prstGeom prst="rect">
+            <a:avLst/>
+          </a:prstGeom>
+        </p:spPr>
+        <p:txBody>
+          <a:bodyPr wrap="square">
+            <a:spAutoFit/>
+          </a:bodyPr>
+          <a:lstStyle/>
+          <a:p>
+            <a:pPr marL="0" marR="0" lvl="0" indent="0" algn="l" defTabSz="914400" rtl="0" eaLnBrk="1" fontAlgn="auto" latinLnBrk="0" hangingPunct="1">
+              <a:lnSpc>
+                <a:spcPct val="100000"/>
+              </a:lnSpc>
+              <a:spcBef>
+                <a:spcPts val="0"/>
+              </a:spcBef>
+              <a:spcAft>
+                <a:spcPts val="0"/>
+              </a:spcAft>
+              <a:buClrTx/>
+              <a:buSzTx/>
+              <a:buFontTx/>
+              <a:buNone/>
+              <a:tabLst/>
+              <a:defRPr/>
+            </a:pPr>
+            <a:r>
+              <a:rPr kumimoji="0" lang="en-US" sz="1800" b="1" i="0" u="none" strike="noStrike" kern="1200" cap="none" spc="0" normalizeH="0" baseline="0" noProof="0" dirty="0">
+                <a:ln>
+                  <a:noFill/>
+                </a:ln>
+                <a:solidFill>
+                  <a:srgbClr val="303030"/>
+                </a:solidFill>
+                <a:effectLst/>
+                <a:uLnTx/>
+                <a:uFillTx/>
+                <a:latin typeface="Open Sans"/>
+                <a:ea typeface="+mn-ea"/>
+                <a:cs typeface="+mn-cs"/>
+              </a:rPr>
+              <a:t>One of The Physicists Behind The Higgs Boson Has Made an Algorithm to Replace The Pill</a:t>
+            </a:r>
+          </a:p>
+          <a:p>
+            <a:pPr marL="0" marR="0" lvl="0" indent="0" algn="l" defTabSz="914400" rtl="0" eaLnBrk="1" fontAlgn="auto" latinLnBrk="0" hangingPunct="1">
+              <a:lnSpc>
+                <a:spcPct val="100000"/>
+              </a:lnSpc>
+              <a:spcBef>
+                <a:spcPts val="0"/>
+              </a:spcBef>
+              <a:spcAft>
+                <a:spcPts val="0"/>
+              </a:spcAft>
+              <a:buClrTx/>
+              <a:buSzTx/>
+              <a:buFontTx/>
+              <a:buNone/>
+              <a:tabLst/>
+              <a:defRPr/>
+            </a:pPr>
+            <a:endParaRPr kumimoji="0" lang="en-US" sz="1400" b="1" i="0" u="none" strike="noStrike" kern="1200" cap="none" spc="0" normalizeH="0" baseline="0" noProof="0" dirty="0">
+              <a:ln>
+                <a:noFill/>
+              </a:ln>
+              <a:solidFill>
+                <a:srgbClr val="333333"/>
+              </a:solidFill>
+              <a:effectLst/>
+              <a:uLnTx/>
+              <a:uFillTx/>
+              <a:latin typeface="Open Sans"/>
+              <a:ea typeface="+mn-ea"/>
+              <a:cs typeface="+mn-cs"/>
+            </a:endParaRPr>
+          </a:p>
+          <a:p>
+            <a:pPr marL="0" marR="0" lvl="0" indent="0" algn="l" defTabSz="914400" rtl="0" eaLnBrk="1" fontAlgn="auto" latinLnBrk="0" hangingPunct="1">
+              <a:lnSpc>
+                <a:spcPct val="100000"/>
+              </a:lnSpc>
+              <a:spcBef>
+                <a:spcPts val="0"/>
+              </a:spcBef>
+              <a:spcAft>
+                <a:spcPts val="0"/>
+              </a:spcAft>
+              <a:buClrTx/>
+              <a:buSzTx/>
+              <a:buFontTx/>
+              <a:buNone/>
+              <a:tabLst/>
+              <a:defRPr/>
+            </a:pPr>
+            <a:r>
+              <a:rPr kumimoji="0" lang="en-US" sz="1400" b="1" i="0" u="none" strike="noStrike" kern="1200" cap="none" spc="0" normalizeH="0" baseline="0" noProof="0" dirty="0">
+                <a:ln>
+                  <a:noFill/>
+                </a:ln>
+                <a:solidFill>
+                  <a:srgbClr val="333333"/>
+                </a:solidFill>
+                <a:effectLst/>
+                <a:uLnTx/>
+                <a:uFillTx/>
+                <a:latin typeface="Open Sans"/>
+                <a:ea typeface="+mn-ea"/>
+                <a:cs typeface="+mn-cs"/>
+              </a:rPr>
+              <a:t>It's up to 99.5% effective at stopping pregnancy.</a:t>
+            </a:r>
+          </a:p>
+        </p:txBody>
+      </p:sp>
+      <p:sp>
+        <p:nvSpPr>
+          <p:cNvPr id="6" name="Rectangle 5"/>
+          <p:cNvSpPr/>
+          <p:nvPr/>
+        </p:nvSpPr>
+        <p:spPr>
+          <a:xfrm>
+            <a:off x="1110343" y="6362219"/>
+            <a:ext cx="11772121" cy="307777"/>
+          </a:xfrm>
+          <a:prstGeom prst="rect">
+            <a:avLst/>
+          </a:prstGeom>
+        </p:spPr>
+        <p:txBody>
+          <a:bodyPr wrap="square">
+            <a:spAutoFit/>
+          </a:bodyPr>
+          <a:lstStyle/>
+          <a:p>
+            <a:pPr marL="0" marR="0" lvl="0" indent="0" algn="l" defTabSz="914400" rtl="0" eaLnBrk="1" fontAlgn="auto" latinLnBrk="0" hangingPunct="1">
+              <a:lnSpc>
+                <a:spcPct val="100000"/>
+              </a:lnSpc>
+              <a:spcBef>
+                <a:spcPts val="0"/>
+              </a:spcBef>
+              <a:spcAft>
+                <a:spcPts val="0"/>
+              </a:spcAft>
+              <a:buClrTx/>
+              <a:buSzTx/>
+              <a:buFontTx/>
+              <a:buNone/>
+              <a:tabLst/>
+              <a:defRPr/>
+            </a:pPr>
+            <a:r>
+              <a:rPr kumimoji="0" lang="en-US" sz="1400" b="0" i="0" u="none" strike="noStrike" kern="1200" cap="none" spc="0" normalizeH="0" baseline="0" noProof="0" dirty="0">
+                <a:ln>
+                  <a:noFill/>
+                </a:ln>
+                <a:solidFill>
+                  <a:prstClr val="black">
+                    <a:lumMod val="50000"/>
+                    <a:lumOff val="50000"/>
+                  </a:prstClr>
+                </a:solidFill>
+                <a:effectLst/>
+                <a:uLnTx/>
+                <a:uFillTx/>
+                <a:latin typeface="Calibri"/>
+                <a:ea typeface="+mn-ea"/>
+                <a:cs typeface="+mn-cs"/>
+              </a:rPr>
+              <a:t>https://www.sciencealert.com/one-of-the-physicists-behind-the-higgs-boson-has-made-an-algorithm-to-replace-the-pill</a:t>
+            </a:r>
+          </a:p>
+        </p:txBody>
+      </p:sp>
+    </p:spTree>
+    <p:extLst>
+      <p:ext uri="{BB962C8B-B14F-4D97-AF65-F5344CB8AC3E}">
+        <p14:creationId xmlns:p14="http://schemas.microsoft.com/office/powerpoint/2010/main" val="3826107869"/>
+      </p:ext>
+    </p:extLst>
+  </p:cSld>
+  <p:clrMapOvr>
+    <a:masterClrMapping/>
+  </p:clrMapOvr>
+  <p:timing>
+    <p:tnLst>
+      <p:par>
+        <p:cTn id="1" dur="indefinite" restart="never" nodeType="tmRoot"/>
+      </p:par>
+    </p:tnLst>
+  </p:timing>
+</p:sld>
+</file>
+
+<file path=ppt/slides/slide58.xml><?xml version="1.0" encoding="utf-8"?>
+<p:sld xmlns:a="http://schemas.openxmlformats.org/drawingml/2006/main" xmlns:r="http://schemas.openxmlformats.org/officeDocument/2006/relationships" xmlns:p="http://schemas.openxmlformats.org/presentationml/2006/main">
+  <p:cSld>
+    <p:spTree>
+      <p:nvGrpSpPr>
+        <p:cNvPr id="1" name=""/>
+        <p:cNvGrpSpPr/>
+        <p:nvPr/>
+      </p:nvGrpSpPr>
+      <p:grpSpPr>
+        <a:xfrm>
+          <a:off x="0" y="0"/>
+          <a:ext cx="0" cy="0"/>
+          <a:chOff x="0" y="0"/>
+          <a:chExt cx="0" cy="0"/>
+        </a:xfrm>
+      </p:grpSpPr>
+      <p:sp>
+        <p:nvSpPr>
+          <p:cNvPr id="2" name="Title 1"/>
+          <p:cNvSpPr>
+            <a:spLocks noGrp="1"/>
+          </p:cNvSpPr>
+          <p:nvPr>
+            <p:ph type="title"/>
+          </p:nvPr>
+        </p:nvSpPr>
+        <p:spPr/>
+        <p:txBody>
+          <a:bodyPr/>
+          <a:lstStyle/>
+          <a:p>
+            <a:r>
+              <a:rPr lang="en-US" dirty="0" smtClean="0"/>
+              <a:t>NOTE !!!</a:t>
+            </a:r>
+            <a:endParaRPr lang="en-US" dirty="0"/>
+          </a:p>
+        </p:txBody>
+      </p:sp>
+      <p:sp>
+        <p:nvSpPr>
+          <p:cNvPr id="4" name="Oval 3"/>
+          <p:cNvSpPr/>
+          <p:nvPr/>
+        </p:nvSpPr>
+        <p:spPr>
+          <a:xfrm>
+            <a:off x="7138619" y="2818357"/>
+            <a:ext cx="2362200" cy="2286000"/>
+          </a:xfrm>
+          <a:prstGeom prst="ellipse">
+            <a:avLst/>
+          </a:prstGeom>
+        </p:spPr>
+        <p:style>
+          <a:lnRef idx="2">
+            <a:schemeClr val="accent1">
+              <a:shade val="50000"/>
+            </a:schemeClr>
+          </a:lnRef>
+          <a:fillRef idx="1">
+            <a:schemeClr val="accent1"/>
+          </a:fillRef>
+          <a:effectRef idx="0">
+            <a:schemeClr val="accent1"/>
+          </a:effectRef>
+          <a:fontRef idx="minor">
+            <a:schemeClr val="lt1"/>
+          </a:fontRef>
+        </p:style>
+        <p:txBody>
+          <a:bodyPr rtlCol="0" anchor="ctr"/>
+          <a:lstStyle/>
+          <a:p>
+            <a:pPr marL="0" marR="0" lvl="0" indent="0" algn="ctr" defTabSz="914400" rtl="0" eaLnBrk="1" fontAlgn="auto" latinLnBrk="0" hangingPunct="1">
+              <a:lnSpc>
+                <a:spcPct val="100000"/>
+              </a:lnSpc>
+              <a:spcBef>
+                <a:spcPts val="0"/>
+              </a:spcBef>
+              <a:spcAft>
+                <a:spcPts val="0"/>
+              </a:spcAft>
+              <a:buClrTx/>
+              <a:buSzTx/>
+              <a:buFontTx/>
+              <a:buNone/>
+              <a:tabLst/>
+              <a:defRPr/>
+            </a:pPr>
+            <a:endParaRPr kumimoji="0" lang="en-US" sz="1800" b="0" i="0" u="none" strike="noStrike" kern="1200" cap="none" spc="0" normalizeH="0" baseline="0" noProof="0">
+              <a:ln>
+                <a:noFill/>
+              </a:ln>
+              <a:solidFill>
+                <a:prstClr val="white"/>
+              </a:solidFill>
+              <a:effectLst/>
+              <a:uLnTx/>
+              <a:uFillTx/>
+              <a:latin typeface="Calibri"/>
+              <a:ea typeface="+mn-ea"/>
+              <a:cs typeface="+mn-cs"/>
+            </a:endParaRPr>
+          </a:p>
+        </p:txBody>
+      </p:sp>
+      <p:sp>
+        <p:nvSpPr>
+          <p:cNvPr id="5" name="Oval 4"/>
+          <p:cNvSpPr/>
+          <p:nvPr/>
+        </p:nvSpPr>
+        <p:spPr>
+          <a:xfrm>
+            <a:off x="7688855" y="3504157"/>
+            <a:ext cx="1464635" cy="1447800"/>
+          </a:xfrm>
+          <a:prstGeom prst="ellipse">
+            <a:avLst/>
+          </a:prstGeom>
+          <a:solidFill>
+            <a:schemeClr val="accent3"/>
+          </a:solidFill>
+        </p:spPr>
+        <p:style>
+          <a:lnRef idx="2">
+            <a:schemeClr val="accent1">
+              <a:shade val="50000"/>
+            </a:schemeClr>
+          </a:lnRef>
+          <a:fillRef idx="1">
+            <a:schemeClr val="accent1"/>
+          </a:fillRef>
+          <a:effectRef idx="0">
+            <a:schemeClr val="accent1"/>
+          </a:effectRef>
+          <a:fontRef idx="minor">
+            <a:schemeClr val="lt1"/>
+          </a:fontRef>
+        </p:style>
+        <p:txBody>
+          <a:bodyPr rtlCol="0" anchor="ctr"/>
+          <a:lstStyle/>
+          <a:p>
+            <a:pPr marL="0" marR="0" lvl="0" indent="0" algn="ctr" defTabSz="914400" rtl="0" eaLnBrk="1" fontAlgn="auto" latinLnBrk="0" hangingPunct="1">
+              <a:lnSpc>
+                <a:spcPct val="100000"/>
+              </a:lnSpc>
+              <a:spcBef>
+                <a:spcPts val="0"/>
+              </a:spcBef>
+              <a:spcAft>
+                <a:spcPts val="0"/>
+              </a:spcAft>
+              <a:buClrTx/>
+              <a:buSzTx/>
+              <a:buFontTx/>
+              <a:buNone/>
+              <a:tabLst/>
+              <a:defRPr/>
+            </a:pPr>
+            <a:endParaRPr kumimoji="0" lang="en-US" sz="1800" b="0" i="0" u="none" strike="noStrike" kern="1200" cap="none" spc="0" normalizeH="0" baseline="0" noProof="0">
+              <a:ln>
+                <a:noFill/>
+              </a:ln>
+              <a:solidFill>
+                <a:prstClr val="white"/>
+              </a:solidFill>
+              <a:effectLst/>
+              <a:uLnTx/>
+              <a:uFillTx/>
+              <a:latin typeface="Calibri"/>
+              <a:ea typeface="+mn-ea"/>
+              <a:cs typeface="+mn-cs"/>
+            </a:endParaRPr>
+          </a:p>
+        </p:txBody>
+      </p:sp>
+      <p:cxnSp>
+        <p:nvCxnSpPr>
+          <p:cNvPr id="6" name="Straight Arrow Connector 5"/>
+          <p:cNvCxnSpPr/>
+          <p:nvPr/>
+        </p:nvCxnSpPr>
+        <p:spPr>
+          <a:xfrm flipH="1">
+            <a:off x="9365254" y="3199357"/>
+            <a:ext cx="533400" cy="76200"/>
+          </a:xfrm>
+          <a:prstGeom prst="straightConnector1">
+            <a:avLst/>
+          </a:prstGeom>
+          <a:ln w="25400">
+            <a:tailEnd type="arrow"/>
+          </a:ln>
+        </p:spPr>
+        <p:style>
+          <a:lnRef idx="1">
+            <a:schemeClr val="accent1"/>
+          </a:lnRef>
+          <a:fillRef idx="0">
+            <a:schemeClr val="accent1"/>
+          </a:fillRef>
+          <a:effectRef idx="0">
+            <a:schemeClr val="accent1"/>
+          </a:effectRef>
+          <a:fontRef idx="minor">
+            <a:schemeClr val="tx1"/>
+          </a:fontRef>
+        </p:style>
+      </p:cxnSp>
+      <p:cxnSp>
+        <p:nvCxnSpPr>
+          <p:cNvPr id="8" name="Straight Arrow Connector 7"/>
+          <p:cNvCxnSpPr>
+            <a:stCxn id="10" idx="1"/>
+          </p:cNvCxnSpPr>
+          <p:nvPr/>
+        </p:nvCxnSpPr>
+        <p:spPr>
+          <a:xfrm flipH="1" flipV="1">
+            <a:off x="9069355" y="4537626"/>
+            <a:ext cx="829299" cy="600165"/>
+          </a:xfrm>
+          <a:prstGeom prst="straightConnector1">
+            <a:avLst/>
+          </a:prstGeom>
+          <a:ln w="25400">
+            <a:solidFill>
+              <a:schemeClr val="accent3"/>
+            </a:solidFill>
+            <a:tailEnd type="arrow"/>
+          </a:ln>
+        </p:spPr>
+        <p:style>
+          <a:lnRef idx="1">
+            <a:schemeClr val="accent1"/>
+          </a:lnRef>
+          <a:fillRef idx="0">
+            <a:schemeClr val="accent1"/>
+          </a:fillRef>
+          <a:effectRef idx="0">
+            <a:schemeClr val="accent1"/>
+          </a:effectRef>
+          <a:fontRef idx="minor">
+            <a:schemeClr val="tx1"/>
+          </a:fontRef>
+        </p:style>
+      </p:cxnSp>
+      <p:sp>
+        <p:nvSpPr>
+          <p:cNvPr id="10" name="TextBox 9"/>
+          <p:cNvSpPr txBox="1"/>
+          <p:nvPr/>
+        </p:nvSpPr>
+        <p:spPr>
+          <a:xfrm>
+            <a:off x="9898654" y="4537626"/>
+            <a:ext cx="1263423" cy="1200329"/>
+          </a:xfrm>
+          <a:prstGeom prst="rect">
+            <a:avLst/>
+          </a:prstGeom>
+          <a:noFill/>
+        </p:spPr>
+        <p:txBody>
+          <a:bodyPr wrap="none" rtlCol="0">
+            <a:spAutoFit/>
+          </a:bodyPr>
+          <a:lstStyle/>
+          <a:p>
+            <a:pPr marL="0" marR="0" lvl="0" indent="0" algn="ctr" defTabSz="914400" rtl="0" eaLnBrk="1" fontAlgn="auto" latinLnBrk="0" hangingPunct="1">
+              <a:lnSpc>
+                <a:spcPct val="100000"/>
+              </a:lnSpc>
+              <a:spcBef>
+                <a:spcPts val="0"/>
+              </a:spcBef>
+              <a:spcAft>
+                <a:spcPts val="0"/>
+              </a:spcAft>
+              <a:buClrTx/>
+              <a:buSzTx/>
+              <a:buFontTx/>
+              <a:buNone/>
+              <a:tabLst/>
+              <a:defRPr/>
+            </a:pPr>
+            <a:r>
+              <a:rPr kumimoji="0" lang="en-US" sz="1800" b="0" i="0" u="none" strike="noStrike" kern="1200" cap="none" spc="0" normalizeH="0" baseline="0" noProof="0" dirty="0" smtClean="0">
+                <a:ln>
+                  <a:noFill/>
+                </a:ln>
+                <a:solidFill>
+                  <a:srgbClr val="9BBB59">
+                    <a:lumMod val="75000"/>
+                  </a:srgbClr>
+                </a:solidFill>
+                <a:effectLst/>
+                <a:uLnTx/>
+                <a:uFillTx/>
+                <a:latin typeface="Calibri"/>
+                <a:ea typeface="+mn-ea"/>
+                <a:cs typeface="+mn-cs"/>
+              </a:rPr>
+              <a:t>“Treatment</a:t>
+            </a:r>
+          </a:p>
+          <a:p>
+            <a:pPr marL="0" marR="0" lvl="0" indent="0" algn="ctr" defTabSz="914400" rtl="0" eaLnBrk="1" fontAlgn="auto" latinLnBrk="0" hangingPunct="1">
+              <a:lnSpc>
+                <a:spcPct val="100000"/>
+              </a:lnSpc>
+              <a:spcBef>
+                <a:spcPts val="0"/>
+              </a:spcBef>
+              <a:spcAft>
+                <a:spcPts val="0"/>
+              </a:spcAft>
+              <a:buClrTx/>
+              <a:buSzTx/>
+              <a:buFontTx/>
+              <a:buNone/>
+              <a:tabLst/>
+              <a:defRPr/>
+            </a:pPr>
+            <a:r>
+              <a:rPr kumimoji="0" lang="en-US" sz="1800" b="0" i="0" u="none" strike="noStrike" kern="1200" cap="none" spc="0" normalizeH="0" baseline="0" noProof="0" dirty="0" smtClean="0">
+                <a:ln>
+                  <a:noFill/>
+                </a:ln>
+                <a:solidFill>
+                  <a:srgbClr val="9BBB59">
+                    <a:lumMod val="75000"/>
+                  </a:srgbClr>
+                </a:solidFill>
+                <a:effectLst/>
+                <a:uLnTx/>
+                <a:uFillTx/>
+                <a:latin typeface="Calibri"/>
+                <a:ea typeface="+mn-ea"/>
+                <a:cs typeface="+mn-cs"/>
+              </a:rPr>
+              <a:t>on the </a:t>
+            </a:r>
+          </a:p>
+          <a:p>
+            <a:pPr marL="0" marR="0" lvl="0" indent="0" algn="ctr" defTabSz="914400" rtl="0" eaLnBrk="1" fontAlgn="auto" latinLnBrk="0" hangingPunct="1">
+              <a:lnSpc>
+                <a:spcPct val="100000"/>
+              </a:lnSpc>
+              <a:spcBef>
+                <a:spcPts val="0"/>
+              </a:spcBef>
+              <a:spcAft>
+                <a:spcPts val="0"/>
+              </a:spcAft>
+              <a:buClrTx/>
+              <a:buSzTx/>
+              <a:buFontTx/>
+              <a:buNone/>
+              <a:tabLst/>
+              <a:defRPr/>
+            </a:pPr>
+            <a:r>
+              <a:rPr kumimoji="0" lang="en-US" sz="1800" b="0" i="0" u="none" strike="noStrike" kern="1200" cap="none" spc="0" normalizeH="0" baseline="0" noProof="0" dirty="0" smtClean="0">
+                <a:ln>
+                  <a:noFill/>
+                </a:ln>
+                <a:solidFill>
+                  <a:srgbClr val="9BBB59">
+                    <a:lumMod val="75000"/>
+                  </a:srgbClr>
+                </a:solidFill>
+                <a:effectLst/>
+                <a:uLnTx/>
+                <a:uFillTx/>
+                <a:latin typeface="Calibri"/>
+                <a:ea typeface="+mn-ea"/>
+                <a:cs typeface="+mn-cs"/>
+              </a:rPr>
+              <a:t>Treated”</a:t>
+            </a:r>
+            <a:br>
+              <a:rPr kumimoji="0" lang="en-US" sz="1800" b="0" i="0" u="none" strike="noStrike" kern="1200" cap="none" spc="0" normalizeH="0" baseline="0" noProof="0" dirty="0" smtClean="0">
+                <a:ln>
+                  <a:noFill/>
+                </a:ln>
+                <a:solidFill>
+                  <a:srgbClr val="9BBB59">
+                    <a:lumMod val="75000"/>
+                  </a:srgbClr>
+                </a:solidFill>
+                <a:effectLst/>
+                <a:uLnTx/>
+                <a:uFillTx/>
+                <a:latin typeface="Calibri"/>
+                <a:ea typeface="+mn-ea"/>
+                <a:cs typeface="+mn-cs"/>
+              </a:rPr>
+            </a:br>
+            <a:r>
+              <a:rPr kumimoji="0" lang="en-US" sz="1800" b="0" i="0" u="none" strike="noStrike" kern="1200" cap="none" spc="0" normalizeH="0" baseline="0" noProof="0" dirty="0" smtClean="0">
+                <a:ln>
+                  <a:noFill/>
+                </a:ln>
+                <a:solidFill>
+                  <a:srgbClr val="9BBB59">
+                    <a:lumMod val="75000"/>
+                  </a:srgbClr>
+                </a:solidFill>
+                <a:effectLst/>
+                <a:uLnTx/>
+                <a:uFillTx/>
+                <a:latin typeface="Calibri"/>
+                <a:ea typeface="+mn-ea"/>
+                <a:cs typeface="+mn-cs"/>
+              </a:rPr>
+              <a:t>Estimate</a:t>
+            </a:r>
+            <a:endParaRPr kumimoji="0" lang="en-US" sz="1800" b="0" i="0" u="none" strike="noStrike" kern="1200" cap="none" spc="0" normalizeH="0" baseline="0" noProof="0" dirty="0">
+              <a:ln>
+                <a:noFill/>
+              </a:ln>
+              <a:solidFill>
+                <a:srgbClr val="9BBB59">
+                  <a:lumMod val="75000"/>
+                </a:srgbClr>
+              </a:solidFill>
+              <a:effectLst/>
+              <a:uLnTx/>
+              <a:uFillTx/>
+              <a:latin typeface="Calibri"/>
+              <a:ea typeface="+mn-ea"/>
+              <a:cs typeface="+mn-cs"/>
+            </a:endParaRPr>
+          </a:p>
+        </p:txBody>
+      </p:sp>
+      <p:sp>
+        <p:nvSpPr>
+          <p:cNvPr id="11" name="TextBox 10"/>
+          <p:cNvSpPr txBox="1"/>
+          <p:nvPr/>
+        </p:nvSpPr>
+        <p:spPr>
+          <a:xfrm>
+            <a:off x="10065490" y="2515967"/>
+            <a:ext cx="1194237" cy="923330"/>
+          </a:xfrm>
+          <a:prstGeom prst="rect">
+            <a:avLst/>
+          </a:prstGeom>
+          <a:noFill/>
+        </p:spPr>
+        <p:txBody>
+          <a:bodyPr wrap="none" rtlCol="0">
+            <a:spAutoFit/>
+          </a:bodyPr>
+          <a:lstStyle/>
+          <a:p>
+            <a:pPr marL="0" marR="0" lvl="0" indent="0" algn="ctr" defTabSz="914400" rtl="0" eaLnBrk="1" fontAlgn="auto" latinLnBrk="0" hangingPunct="1">
+              <a:lnSpc>
+                <a:spcPct val="100000"/>
+              </a:lnSpc>
+              <a:spcBef>
+                <a:spcPts val="0"/>
+              </a:spcBef>
+              <a:spcAft>
+                <a:spcPts val="0"/>
+              </a:spcAft>
+              <a:buClrTx/>
+              <a:buSzTx/>
+              <a:buFontTx/>
+              <a:buNone/>
+              <a:tabLst/>
+              <a:defRPr/>
+            </a:pPr>
+            <a:r>
+              <a:rPr kumimoji="0" lang="en-US" sz="1800" b="0" i="0" u="none" strike="noStrike" kern="1200" cap="none" spc="0" normalizeH="0" baseline="0" noProof="0" dirty="0" smtClean="0">
+                <a:ln>
+                  <a:noFill/>
+                </a:ln>
+                <a:solidFill>
+                  <a:srgbClr val="4F81BD"/>
+                </a:solidFill>
+                <a:effectLst/>
+                <a:uLnTx/>
+                <a:uFillTx/>
+                <a:latin typeface="Calibri"/>
+                <a:ea typeface="+mn-ea"/>
+                <a:cs typeface="+mn-cs"/>
+              </a:rPr>
+              <a:t>“Intention </a:t>
+            </a:r>
+          </a:p>
+          <a:p>
+            <a:pPr marL="0" marR="0" lvl="0" indent="0" algn="ctr" defTabSz="914400" rtl="0" eaLnBrk="1" fontAlgn="auto" latinLnBrk="0" hangingPunct="1">
+              <a:lnSpc>
+                <a:spcPct val="100000"/>
+              </a:lnSpc>
+              <a:spcBef>
+                <a:spcPts val="0"/>
+              </a:spcBef>
+              <a:spcAft>
+                <a:spcPts val="0"/>
+              </a:spcAft>
+              <a:buClrTx/>
+              <a:buSzTx/>
+              <a:buFontTx/>
+              <a:buNone/>
+              <a:tabLst/>
+              <a:defRPr/>
+            </a:pPr>
+            <a:r>
+              <a:rPr kumimoji="0" lang="en-US" sz="1800" b="0" i="0" u="none" strike="noStrike" kern="1200" cap="none" spc="0" normalizeH="0" baseline="0" noProof="0" dirty="0" smtClean="0">
+                <a:ln>
+                  <a:noFill/>
+                </a:ln>
+                <a:solidFill>
+                  <a:srgbClr val="4F81BD"/>
+                </a:solidFill>
+                <a:effectLst/>
+                <a:uLnTx/>
+                <a:uFillTx/>
+                <a:latin typeface="Calibri"/>
+                <a:ea typeface="+mn-ea"/>
+                <a:cs typeface="+mn-cs"/>
+              </a:rPr>
+              <a:t>to Treat”</a:t>
+            </a:r>
+            <a:br>
+              <a:rPr kumimoji="0" lang="en-US" sz="1800" b="0" i="0" u="none" strike="noStrike" kern="1200" cap="none" spc="0" normalizeH="0" baseline="0" noProof="0" dirty="0" smtClean="0">
+                <a:ln>
+                  <a:noFill/>
+                </a:ln>
+                <a:solidFill>
+                  <a:srgbClr val="4F81BD"/>
+                </a:solidFill>
+                <a:effectLst/>
+                <a:uLnTx/>
+                <a:uFillTx/>
+                <a:latin typeface="Calibri"/>
+                <a:ea typeface="+mn-ea"/>
+                <a:cs typeface="+mn-cs"/>
+              </a:rPr>
+            </a:br>
+            <a:r>
+              <a:rPr kumimoji="0" lang="en-US" sz="1800" b="0" i="0" u="none" strike="noStrike" kern="1200" cap="none" spc="0" normalizeH="0" baseline="0" noProof="0" dirty="0" smtClean="0">
+                <a:ln>
+                  <a:noFill/>
+                </a:ln>
+                <a:solidFill>
+                  <a:srgbClr val="4F81BD"/>
+                </a:solidFill>
+                <a:effectLst/>
+                <a:uLnTx/>
+                <a:uFillTx/>
+                <a:latin typeface="Calibri"/>
+                <a:ea typeface="+mn-ea"/>
+                <a:cs typeface="+mn-cs"/>
+              </a:rPr>
+              <a:t>Estimate</a:t>
+            </a:r>
+            <a:endParaRPr kumimoji="0" lang="en-US" sz="1800" b="0" i="0" u="none" strike="noStrike" kern="1200" cap="none" spc="0" normalizeH="0" baseline="0" noProof="0" dirty="0">
+              <a:ln>
+                <a:noFill/>
+              </a:ln>
+              <a:solidFill>
+                <a:srgbClr val="4F81BD"/>
+              </a:solidFill>
+              <a:effectLst/>
+              <a:uLnTx/>
+              <a:uFillTx/>
+              <a:latin typeface="Calibri"/>
+              <a:ea typeface="+mn-ea"/>
+              <a:cs typeface="+mn-cs"/>
+            </a:endParaRPr>
+          </a:p>
+        </p:txBody>
+      </p:sp>
+      <p:sp>
+        <p:nvSpPr>
+          <p:cNvPr id="14" name="TextBox 13"/>
+          <p:cNvSpPr txBox="1"/>
+          <p:nvPr/>
+        </p:nvSpPr>
+        <p:spPr>
+          <a:xfrm>
+            <a:off x="432905" y="1837698"/>
+            <a:ext cx="5992527" cy="4247317"/>
+          </a:xfrm>
+          <a:prstGeom prst="rect">
+            <a:avLst/>
+          </a:prstGeom>
+          <a:noFill/>
+        </p:spPr>
+        <p:txBody>
+          <a:bodyPr wrap="square" rtlCol="0">
+            <a:spAutoFit/>
+          </a:bodyPr>
+          <a:lstStyle/>
+          <a:p>
+            <a:pPr marL="0" marR="0" lvl="0" indent="0" algn="l" defTabSz="914400" rtl="0" eaLnBrk="1" fontAlgn="auto" latinLnBrk="0" hangingPunct="1">
+              <a:lnSpc>
+                <a:spcPct val="100000"/>
+              </a:lnSpc>
+              <a:spcBef>
+                <a:spcPts val="0"/>
+              </a:spcBef>
+              <a:spcAft>
+                <a:spcPts val="0"/>
+              </a:spcAft>
+              <a:buClrTx/>
+              <a:buSzTx/>
+              <a:buFontTx/>
+              <a:buNone/>
+              <a:tabLst/>
+              <a:defRPr/>
+            </a:pPr>
+            <a:r>
+              <a:rPr kumimoji="0" lang="en-US" sz="1800" b="0" i="0" u="none" strike="noStrike" kern="1200" cap="none" spc="0" normalizeH="0" baseline="0" noProof="0" dirty="0" smtClean="0">
+                <a:ln>
+                  <a:noFill/>
+                </a:ln>
+                <a:solidFill>
+                  <a:prstClr val="black"/>
+                </a:solidFill>
+                <a:effectLst/>
+                <a:uLnTx/>
+                <a:uFillTx/>
+                <a:latin typeface="Calibri"/>
+                <a:ea typeface="+mn-ea"/>
+                <a:cs typeface="+mn-cs"/>
+              </a:rPr>
+              <a:t>These two measures are </a:t>
+            </a:r>
+            <a:r>
+              <a:rPr kumimoji="0" lang="en-US" sz="1800" b="1" i="0" u="none" strike="noStrike" kern="1200" cap="none" spc="0" normalizeH="0" baseline="0" noProof="0" dirty="0" smtClean="0">
+                <a:ln>
+                  <a:noFill/>
+                </a:ln>
+                <a:solidFill>
+                  <a:schemeClr val="tx2">
+                    <a:lumMod val="75000"/>
+                  </a:schemeClr>
+                </a:solidFill>
+                <a:effectLst/>
+                <a:uLnTx/>
+                <a:uFillTx/>
+                <a:latin typeface="Calibri"/>
+                <a:ea typeface="+mn-ea"/>
+                <a:cs typeface="+mn-cs"/>
+              </a:rPr>
+              <a:t>NOT</a:t>
+            </a:r>
+            <a:r>
+              <a:rPr kumimoji="0" lang="en-US" sz="1800" b="0" i="0" u="none" strike="noStrike" kern="1200" cap="none" spc="0" normalizeH="0" baseline="0" noProof="0" dirty="0" smtClean="0">
+                <a:ln>
+                  <a:noFill/>
+                </a:ln>
+                <a:solidFill>
+                  <a:prstClr val="black"/>
+                </a:solidFill>
+                <a:effectLst/>
+                <a:uLnTx/>
+                <a:uFillTx/>
+                <a:latin typeface="Calibri"/>
+                <a:ea typeface="+mn-ea"/>
+                <a:cs typeface="+mn-cs"/>
+              </a:rPr>
+              <a:t> about attrition. </a:t>
+            </a:r>
+          </a:p>
+          <a:p>
+            <a:pPr marL="0" marR="0" lvl="0" indent="0" algn="l" defTabSz="914400" rtl="0" eaLnBrk="1" fontAlgn="auto" latinLnBrk="0" hangingPunct="1">
+              <a:lnSpc>
+                <a:spcPct val="100000"/>
+              </a:lnSpc>
+              <a:spcBef>
+                <a:spcPts val="0"/>
+              </a:spcBef>
+              <a:spcAft>
+                <a:spcPts val="0"/>
+              </a:spcAft>
+              <a:buClrTx/>
+              <a:buSzTx/>
+              <a:buFontTx/>
+              <a:buNone/>
+              <a:tabLst/>
+              <a:defRPr/>
+            </a:pPr>
+            <a:endParaRPr kumimoji="0" lang="en-US" sz="1800" b="0" i="0" u="none" strike="noStrike" kern="1200" cap="none" spc="0" normalizeH="0" baseline="0" noProof="0" dirty="0" smtClean="0">
+              <a:ln>
+                <a:noFill/>
+              </a:ln>
+              <a:solidFill>
+                <a:prstClr val="black"/>
+              </a:solidFill>
+              <a:effectLst/>
+              <a:uLnTx/>
+              <a:uFillTx/>
+              <a:latin typeface="Calibri"/>
+              <a:ea typeface="+mn-ea"/>
+              <a:cs typeface="+mn-cs"/>
+            </a:endParaRPr>
+          </a:p>
+          <a:p>
+            <a:pPr marL="0" marR="0" lvl="0" indent="0" algn="l" defTabSz="914400" rtl="0" eaLnBrk="1" fontAlgn="auto" latinLnBrk="0" hangingPunct="1">
+              <a:lnSpc>
+                <a:spcPct val="100000"/>
+              </a:lnSpc>
+              <a:spcBef>
+                <a:spcPts val="0"/>
+              </a:spcBef>
+              <a:spcAft>
+                <a:spcPts val="0"/>
+              </a:spcAft>
+              <a:buClrTx/>
+              <a:buSzTx/>
+              <a:buFontTx/>
+              <a:buNone/>
+              <a:tabLst/>
+              <a:defRPr/>
+            </a:pPr>
+            <a:r>
+              <a:rPr kumimoji="0" lang="en-US" sz="1800" b="0" i="0" u="none" strike="noStrike" kern="1200" cap="none" spc="0" normalizeH="0" baseline="0" noProof="0" dirty="0" smtClean="0">
+                <a:ln>
+                  <a:noFill/>
+                </a:ln>
+                <a:solidFill>
+                  <a:prstClr val="black"/>
+                </a:solidFill>
+                <a:effectLst/>
+                <a:uLnTx/>
+                <a:uFillTx/>
+                <a:latin typeface="Calibri"/>
+                <a:ea typeface="+mn-ea"/>
+                <a:cs typeface="+mn-cs"/>
+              </a:rPr>
+              <a:t>They are about </a:t>
+            </a:r>
+            <a:r>
+              <a:rPr kumimoji="0" lang="en-US" sz="1800" b="1" i="0" u="none" strike="noStrike" kern="1200" cap="none" spc="0" normalizeH="0" baseline="0" noProof="0" dirty="0" smtClean="0">
+                <a:ln>
+                  <a:noFill/>
+                </a:ln>
+                <a:solidFill>
+                  <a:schemeClr val="tx2">
+                    <a:lumMod val="75000"/>
+                  </a:schemeClr>
+                </a:solidFill>
+                <a:effectLst/>
+                <a:uLnTx/>
+                <a:uFillTx/>
+                <a:latin typeface="Calibri"/>
+                <a:ea typeface="+mn-ea"/>
+                <a:cs typeface="+mn-cs"/>
+              </a:rPr>
+              <a:t>refusing the treatment</a:t>
+            </a:r>
+            <a:r>
+              <a:rPr kumimoji="0" lang="en-US" sz="1800" b="0" i="0" u="none" strike="noStrike" kern="1200" cap="none" spc="0" normalizeH="0" baseline="0" noProof="0" dirty="0" smtClean="0">
+                <a:ln>
+                  <a:noFill/>
+                </a:ln>
+                <a:solidFill>
+                  <a:schemeClr val="tx2">
+                    <a:lumMod val="75000"/>
+                  </a:schemeClr>
+                </a:solidFill>
+                <a:effectLst/>
+                <a:uLnTx/>
+                <a:uFillTx/>
+                <a:latin typeface="Calibri"/>
+                <a:ea typeface="+mn-ea"/>
+                <a:cs typeface="+mn-cs"/>
+              </a:rPr>
+              <a:t>, </a:t>
+            </a:r>
+            <a:r>
+              <a:rPr kumimoji="0" lang="en-US" sz="1800" b="0" i="0" u="none" strike="noStrike" kern="1200" cap="none" spc="0" normalizeH="0" baseline="0" noProof="0" dirty="0" smtClean="0">
+                <a:ln>
+                  <a:noFill/>
+                </a:ln>
+                <a:solidFill>
+                  <a:prstClr val="black"/>
+                </a:solidFill>
+                <a:effectLst/>
+                <a:uLnTx/>
+                <a:uFillTx/>
+                <a:latin typeface="Calibri"/>
+                <a:ea typeface="+mn-ea"/>
+                <a:cs typeface="+mn-cs"/>
+              </a:rPr>
+              <a:t>or failing to follow the properly-prescribed</a:t>
+            </a:r>
+            <a:r>
+              <a:rPr kumimoji="0" lang="en-US" sz="1800" b="0" i="0" u="none" strike="noStrike" kern="1200" cap="none" spc="0" normalizeH="0" noProof="0" dirty="0" smtClean="0">
+                <a:ln>
+                  <a:noFill/>
+                </a:ln>
+                <a:solidFill>
+                  <a:prstClr val="black"/>
+                </a:solidFill>
+                <a:effectLst/>
+                <a:uLnTx/>
+                <a:uFillTx/>
+                <a:latin typeface="Calibri"/>
+                <a:ea typeface="+mn-ea"/>
+                <a:cs typeface="+mn-cs"/>
+              </a:rPr>
+              <a:t> treatment regiment (or one school burning down during the study). </a:t>
+            </a:r>
+          </a:p>
+          <a:p>
+            <a:pPr marL="0" marR="0" lvl="0" indent="0" algn="l" defTabSz="914400" rtl="0" eaLnBrk="1" fontAlgn="auto" latinLnBrk="0" hangingPunct="1">
+              <a:lnSpc>
+                <a:spcPct val="100000"/>
+              </a:lnSpc>
+              <a:spcBef>
+                <a:spcPts val="0"/>
+              </a:spcBef>
+              <a:spcAft>
+                <a:spcPts val="0"/>
+              </a:spcAft>
+              <a:buClrTx/>
+              <a:buSzTx/>
+              <a:buFontTx/>
+              <a:buNone/>
+              <a:tabLst/>
+              <a:defRPr/>
+            </a:pPr>
+            <a:endParaRPr lang="en-US" baseline="0" dirty="0">
+              <a:solidFill>
+                <a:schemeClr val="tx2">
+                  <a:lumMod val="75000"/>
+                </a:schemeClr>
+              </a:solidFill>
+              <a:latin typeface="Calibri"/>
+            </a:endParaRPr>
+          </a:p>
+          <a:p>
+            <a:pPr marL="0" marR="0" lvl="0" indent="0" algn="l" defTabSz="914400" rtl="0" eaLnBrk="1" fontAlgn="auto" latinLnBrk="0" hangingPunct="1">
+              <a:lnSpc>
+                <a:spcPct val="100000"/>
+              </a:lnSpc>
+              <a:spcBef>
+                <a:spcPts val="0"/>
+              </a:spcBef>
+              <a:spcAft>
+                <a:spcPts val="0"/>
+              </a:spcAft>
+              <a:buClrTx/>
+              <a:buSzTx/>
+              <a:buFontTx/>
+              <a:buNone/>
+              <a:tabLst/>
+              <a:defRPr/>
+            </a:pPr>
+            <a:r>
+              <a:rPr lang="en-US" b="1" noProof="0" dirty="0" smtClean="0">
+                <a:solidFill>
+                  <a:schemeClr val="tx2">
+                    <a:lumMod val="75000"/>
+                  </a:schemeClr>
+                </a:solidFill>
+                <a:latin typeface="Calibri"/>
+              </a:rPr>
+              <a:t>Non-compliance means participants refuse to receive or comply with the treatment. </a:t>
+            </a:r>
+            <a:r>
+              <a:rPr lang="en-US" noProof="0" dirty="0" smtClean="0">
+                <a:solidFill>
+                  <a:prstClr val="black"/>
+                </a:solidFill>
+                <a:latin typeface="Calibri"/>
+              </a:rPr>
+              <a:t>But they do not refuse to participate in the study – </a:t>
+            </a:r>
+            <a:r>
+              <a:rPr lang="en-US" b="1" noProof="0" dirty="0" smtClean="0">
+                <a:solidFill>
+                  <a:schemeClr val="tx2">
+                    <a:lumMod val="75000"/>
+                  </a:schemeClr>
+                </a:solidFill>
+                <a:latin typeface="Calibri"/>
+              </a:rPr>
+              <a:t>we can still measure their performance in the second time period. </a:t>
+            </a:r>
+          </a:p>
+          <a:p>
+            <a:pPr marL="0" marR="0" lvl="0" indent="0" algn="l" defTabSz="914400" rtl="0" eaLnBrk="1" fontAlgn="auto" latinLnBrk="0" hangingPunct="1">
+              <a:lnSpc>
+                <a:spcPct val="100000"/>
+              </a:lnSpc>
+              <a:spcBef>
+                <a:spcPts val="0"/>
+              </a:spcBef>
+              <a:spcAft>
+                <a:spcPts val="0"/>
+              </a:spcAft>
+              <a:buClrTx/>
+              <a:buSzTx/>
+              <a:buFontTx/>
+              <a:buNone/>
+              <a:tabLst/>
+              <a:defRPr/>
+            </a:pPr>
+            <a:endParaRPr kumimoji="0" lang="en-US" sz="1800" b="0" i="0" u="none" strike="noStrike" kern="1200" cap="none" spc="0" normalizeH="0" baseline="0" dirty="0">
+              <a:ln>
+                <a:noFill/>
+              </a:ln>
+              <a:solidFill>
+                <a:prstClr val="black"/>
+              </a:solidFill>
+              <a:effectLst/>
+              <a:uLnTx/>
+              <a:uFillTx/>
+              <a:latin typeface="Calibri"/>
+              <a:ea typeface="+mn-ea"/>
+              <a:cs typeface="+mn-cs"/>
+            </a:endParaRPr>
+          </a:p>
+          <a:p>
+            <a:pPr marL="0" marR="0" lvl="0" indent="0" algn="l" defTabSz="914400" rtl="0" eaLnBrk="1" fontAlgn="auto" latinLnBrk="0" hangingPunct="1">
+              <a:lnSpc>
+                <a:spcPct val="100000"/>
+              </a:lnSpc>
+              <a:spcBef>
+                <a:spcPts val="0"/>
+              </a:spcBef>
+              <a:spcAft>
+                <a:spcPts val="0"/>
+              </a:spcAft>
+              <a:buClrTx/>
+              <a:buSzTx/>
+              <a:buFontTx/>
+              <a:buNone/>
+              <a:tabLst/>
+              <a:defRPr/>
+            </a:pPr>
+            <a:r>
+              <a:rPr lang="en-US" noProof="0" dirty="0" smtClean="0">
+                <a:solidFill>
+                  <a:prstClr val="black"/>
+                </a:solidFill>
+                <a:latin typeface="Calibri"/>
+              </a:rPr>
+              <a:t>Attrition means people left the study. You can accept the treatment and still </a:t>
+            </a:r>
+            <a:r>
+              <a:rPr lang="en-US" noProof="0" dirty="0" err="1" smtClean="0">
+                <a:solidFill>
+                  <a:prstClr val="black"/>
+                </a:solidFill>
+                <a:latin typeface="Calibri"/>
+              </a:rPr>
+              <a:t>attrit</a:t>
+            </a:r>
+            <a:r>
+              <a:rPr lang="en-US" noProof="0" dirty="0" smtClean="0">
+                <a:solidFill>
+                  <a:prstClr val="black"/>
+                </a:solidFill>
+                <a:latin typeface="Calibri"/>
+              </a:rPr>
+              <a:t>. </a:t>
+            </a:r>
+            <a:r>
+              <a:rPr lang="en-US" dirty="0" smtClean="0">
+                <a:solidFill>
+                  <a:prstClr val="black"/>
+                </a:solidFill>
+                <a:latin typeface="Calibri"/>
+              </a:rPr>
+              <a:t>Or you can refuse treatment and refuse participation. Either way, </a:t>
+            </a:r>
+            <a:r>
+              <a:rPr lang="en-US" b="1" dirty="0" smtClean="0">
+                <a:solidFill>
+                  <a:schemeClr val="tx2">
+                    <a:lumMod val="75000"/>
+                  </a:schemeClr>
+                </a:solidFill>
+                <a:latin typeface="Calibri"/>
+              </a:rPr>
+              <a:t>attrition means we can’t measure the outcome in the post-treatment study period</a:t>
+            </a:r>
+            <a:r>
+              <a:rPr lang="en-US" dirty="0" smtClean="0">
+                <a:solidFill>
+                  <a:schemeClr val="tx2">
+                    <a:lumMod val="75000"/>
+                  </a:schemeClr>
+                </a:solidFill>
+                <a:latin typeface="Calibri"/>
+              </a:rPr>
+              <a:t>. </a:t>
+            </a:r>
+            <a:endParaRPr kumimoji="0" lang="en-US" sz="1800" b="0" i="0" u="none" strike="noStrike" kern="1200" cap="none" spc="0" normalizeH="0" baseline="0" noProof="0" dirty="0">
+              <a:ln>
+                <a:noFill/>
+              </a:ln>
+              <a:solidFill>
+                <a:schemeClr val="tx2">
+                  <a:lumMod val="75000"/>
+                </a:schemeClr>
+              </a:solidFill>
+              <a:effectLst/>
+              <a:uLnTx/>
+              <a:uFillTx/>
+              <a:latin typeface="Calibri"/>
+            </a:endParaRPr>
+          </a:p>
+        </p:txBody>
+      </p:sp>
+    </p:spTree>
+    <p:extLst>
+      <p:ext uri="{BB962C8B-B14F-4D97-AF65-F5344CB8AC3E}">
+        <p14:creationId xmlns:p14="http://schemas.microsoft.com/office/powerpoint/2010/main" val="1297873813"/>
       </p:ext>
     </p:extLst>
   </p:cSld>
@@ -43437,8 +48982,8 @@
           </a:p>
         </p:txBody>
       </p:sp>
-      <mc:AlternateContent xmlns:mc="http://schemas.openxmlformats.org/markup-compatibility/2006">
-        <mc:Choice xmlns:a14="http://schemas.microsoft.com/office/drawing/2010/main" Requires="a14">
+      <mc:AlternateContent xmlns:mc="http://schemas.openxmlformats.org/markup-compatibility/2006" xmlns:a14="http://schemas.microsoft.com/office/drawing/2010/main">
+        <mc:Choice Requires="a14">
           <p:sp>
             <p:nvSpPr>
               <p:cNvPr id="26" name="TextBox 25"/>
@@ -43461,6 +49006,7 @@
               </a:bodyPr>
               <a:lstStyle/>
               <a:p>
+                <a:pPr/>
                 <a14:m>
                   <m:oMathPara xmlns:m="http://schemas.openxmlformats.org/officeDocument/2006/math">
                     <m:oMathParaPr>
@@ -43584,7 +49130,7 @@
             </p:txBody>
           </p:sp>
         </mc:Choice>
-        <mc:Fallback>
+        <mc:Fallback xmlns="">
           <p:sp>
             <p:nvSpPr>
               <p:cNvPr id="26" name="TextBox 25"/>
@@ -44691,8 +50237,8 @@
           </a:p>
         </p:txBody>
       </p:sp>
-      <mc:AlternateContent xmlns:mc="http://schemas.openxmlformats.org/markup-compatibility/2006">
-        <mc:Choice xmlns:a14="http://schemas.microsoft.com/office/drawing/2010/main" Requires="a14">
+      <mc:AlternateContent xmlns:mc="http://schemas.openxmlformats.org/markup-compatibility/2006" xmlns:a14="http://schemas.microsoft.com/office/drawing/2010/main">
+        <mc:Choice Requires="a14">
           <p:sp>
             <p:nvSpPr>
               <p:cNvPr id="26" name="TextBox 25"/>
@@ -44715,6 +50261,7 @@
               </a:bodyPr>
               <a:lstStyle/>
               <a:p>
+                <a:pPr/>
                 <a14:m>
                   <m:oMathPara xmlns:m="http://schemas.openxmlformats.org/officeDocument/2006/math">
                     <m:oMathParaPr>
@@ -44838,7 +50385,7 @@
             </p:txBody>
           </p:sp>
         </mc:Choice>
-        <mc:Fallback>
+        <mc:Fallback xmlns="">
           <p:sp>
             <p:nvSpPr>
               <p:cNvPr id="26" name="TextBox 25"/>

--- a/lectures/p-02-tests-for-cf-validity.pptx
+++ b/lectures/p-02-tests-for-cf-validity.pptx
@@ -1205,7 +1205,7 @@
           <a:blip xmlns:r="http://schemas.openxmlformats.org/officeDocument/2006/relationships" r:embed="rId1">
             <a:extLst>
               <a:ext uri="{96DAC541-7B7A-43D3-8B79-37D633B846F1}">
-                <asvg:svgBlip xmlns:asvg="http://schemas.microsoft.com/office/drawing/2016/SVG/main" xmlns="" r:embed="rId2"/>
+                <asvg:svgBlip xmlns="" xmlns:asvg="http://schemas.microsoft.com/office/drawing/2016/SVG/main" r:embed="rId2"/>
               </a:ext>
             </a:extLst>
           </a:blip>
@@ -1295,7 +1295,7 @@
                 <a14:useLocalDpi xmlns:a14="http://schemas.microsoft.com/office/drawing/2010/main" val="0"/>
               </a:ext>
               <a:ext uri="{96DAC541-7B7A-43D3-8B79-37D633B846F1}">
-                <asvg:svgBlip xmlns:asvg="http://schemas.microsoft.com/office/drawing/2016/SVG/main" xmlns="" r:embed="rId4"/>
+                <asvg:svgBlip xmlns="" xmlns:asvg="http://schemas.microsoft.com/office/drawing/2016/SVG/main" r:embed="rId4"/>
               </a:ext>
             </a:extLst>
           </a:blip>
@@ -1401,7 +1401,7 @@
           <a:blip xmlns:r="http://schemas.openxmlformats.org/officeDocument/2006/relationships" r:embed="rId5">
             <a:extLst>
               <a:ext uri="{96DAC541-7B7A-43D3-8B79-37D633B846F1}">
-                <asvg:svgBlip xmlns:asvg="http://schemas.microsoft.com/office/drawing/2016/SVG/main" xmlns="" r:embed="rId4"/>
+                <asvg:svgBlip xmlns="" xmlns:asvg="http://schemas.microsoft.com/office/drawing/2016/SVG/main" r:embed="rId4"/>
               </a:ext>
             </a:extLst>
           </a:blip>
@@ -1545,7 +1545,7 @@
           <a:blip xmlns:r="http://schemas.openxmlformats.org/officeDocument/2006/relationships" r:embed="rId1">
             <a:extLst>
               <a:ext uri="{96DAC541-7B7A-43D3-8B79-37D633B846F1}">
-                <asvg:svgBlip xmlns:asvg="http://schemas.microsoft.com/office/drawing/2016/SVG/main" xmlns="" r:embed="rId2"/>
+                <asvg:svgBlip xmlns="" xmlns:asvg="http://schemas.microsoft.com/office/drawing/2016/SVG/main" r:embed="rId2"/>
               </a:ext>
             </a:extLst>
           </a:blip>
@@ -1693,7 +1693,7 @@
                 <a14:useLocalDpi xmlns:a14="http://schemas.microsoft.com/office/drawing/2010/main" val="0"/>
               </a:ext>
               <a:ext uri="{96DAC541-7B7A-43D3-8B79-37D633B846F1}">
-                <asvg:svgBlip xmlns:asvg="http://schemas.microsoft.com/office/drawing/2016/SVG/main" xmlns="" r:embed="rId4"/>
+                <asvg:svgBlip xmlns="" xmlns:asvg="http://schemas.microsoft.com/office/drawing/2016/SVG/main" r:embed="rId4"/>
               </a:ext>
             </a:extLst>
           </a:blip>
@@ -1914,7 +1914,7 @@
           <a:blip xmlns:r="http://schemas.openxmlformats.org/officeDocument/2006/relationships" r:embed="rId5">
             <a:extLst>
               <a:ext uri="{96DAC541-7B7A-43D3-8B79-37D633B846F1}">
-                <asvg:svgBlip xmlns:asvg="http://schemas.microsoft.com/office/drawing/2016/SVG/main" xmlns="" r:embed="rId4"/>
+                <asvg:svgBlip xmlns="" xmlns:asvg="http://schemas.microsoft.com/office/drawing/2016/SVG/main" r:embed="rId4"/>
               </a:ext>
             </a:extLst>
           </a:blip>
@@ -2286,7 +2286,7 @@
   </dgm:layoutNode>
   <dgm:extLst>
     <a:ext uri="{68A01E43-0DF5-4B5B-8FA6-DAF915123BFB}">
-      <dgm1612:lstStyle xmlns:dgm1612="http://schemas.microsoft.com/office/drawing/2016/12/diagram" xmlns="">
+      <dgm1612:lstStyle xmlns="" xmlns:dgm1612="http://schemas.microsoft.com/office/drawing/2016/12/diagram">
         <a:lvl1pPr>
           <a:lnSpc>
             <a:spcPct val="100000"/>
@@ -3419,7 +3419,7 @@
           <a:p>
             <a:fld id="{001A807B-7DBB-45D2-B3F3-CAA592858B49}" type="datetimeFigureOut">
               <a:rPr lang="en-US" smtClean="0"/>
-              <a:t>2/1/2020</a:t>
+              <a:t>2/10/2020</a:t>
             </a:fld>
             <a:endParaRPr lang="en-US"/>
           </a:p>
@@ -4415,7 +4415,7 @@
           <a:p>
             <a:fld id="{F3175D55-7172-4598-95C7-7AC62CC8AEC3}" type="datetimeFigureOut">
               <a:rPr lang="en-US" smtClean="0"/>
-              <a:t>2/1/2020</a:t>
+              <a:t>2/10/2020</a:t>
             </a:fld>
             <a:endParaRPr lang="en-US"/>
           </a:p>
@@ -4583,7 +4583,7 @@
           <a:p>
             <a:fld id="{F3175D55-7172-4598-95C7-7AC62CC8AEC3}" type="datetimeFigureOut">
               <a:rPr lang="en-US" smtClean="0"/>
-              <a:t>2/1/2020</a:t>
+              <a:t>2/10/2020</a:t>
             </a:fld>
             <a:endParaRPr lang="en-US"/>
           </a:p>
@@ -4761,7 +4761,7 @@
           <a:p>
             <a:fld id="{F3175D55-7172-4598-95C7-7AC62CC8AEC3}" type="datetimeFigureOut">
               <a:rPr lang="en-US" smtClean="0"/>
-              <a:t>2/1/2020</a:t>
+              <a:t>2/10/2020</a:t>
             </a:fld>
             <a:endParaRPr lang="en-US"/>
           </a:p>
@@ -5002,7 +5002,7 @@
             <a:fld id="{AEF3C9D5-948D-45BF-A43A-BC1C8F177659}" type="datetime1">
               <a:rPr lang="en-US" smtClean="0"/>
               <a:pPr/>
-              <a:t>2/1/2020</a:t>
+              <a:t>2/10/2020</a:t>
             </a:fld>
             <a:endParaRPr lang="en-US"/>
           </a:p>
@@ -5172,7 +5172,7 @@
             <a:fld id="{24DE1747-153E-4BA7-845E-5E7975F88D66}" type="datetime1">
               <a:rPr lang="en-US" smtClean="0"/>
               <a:pPr/>
-              <a:t>2/1/2020</a:t>
+              <a:t>2/10/2020</a:t>
             </a:fld>
             <a:endParaRPr lang="en-US"/>
           </a:p>
@@ -5419,7 +5419,7 @@
             <a:fld id="{F71ECA1C-BCD9-4C21-9BC5-BB94294F1269}" type="datetime1">
               <a:rPr lang="en-US" smtClean="0"/>
               <a:pPr/>
-              <a:t>2/1/2020</a:t>
+              <a:t>2/10/2020</a:t>
             </a:fld>
             <a:endParaRPr lang="en-US"/>
           </a:p>
@@ -5706,7 +5706,7 @@
             <a:fld id="{C74D56A4-68C4-40CF-99B1-A59BBC130E54}" type="datetime1">
               <a:rPr lang="en-US" smtClean="0"/>
               <a:pPr/>
-              <a:t>2/1/2020</a:t>
+              <a:t>2/10/2020</a:t>
             </a:fld>
             <a:endParaRPr lang="en-US"/>
           </a:p>
@@ -6127,7 +6127,7 @@
             <a:fld id="{50E4250C-EECC-464A-9F01-39097C0C28CA}" type="datetime1">
               <a:rPr lang="en-US" smtClean="0"/>
               <a:pPr/>
-              <a:t>2/1/2020</a:t>
+              <a:t>2/10/2020</a:t>
             </a:fld>
             <a:endParaRPr lang="en-US"/>
           </a:p>
@@ -6963,7 +6963,7 @@
             <a:fld id="{EE38F263-8F67-4EB6-A377-0FB965046360}" type="datetime1">
               <a:rPr lang="en-US" smtClean="0"/>
               <a:pPr/>
-              <a:t>2/1/2020</a:t>
+              <a:t>2/10/2020</a:t>
             </a:fld>
             <a:endParaRPr lang="en-US"/>
           </a:p>
@@ -7141,7 +7141,7 @@
           <a:p>
             <a:fld id="{F3175D55-7172-4598-95C7-7AC62CC8AEC3}" type="datetimeFigureOut">
               <a:rPr lang="en-US" smtClean="0"/>
-              <a:t>2/1/2020</a:t>
+              <a:t>2/10/2020</a:t>
             </a:fld>
             <a:endParaRPr lang="en-US"/>
           </a:p>
@@ -7471,7 +7471,7 @@
             <a:fld id="{D059461F-53CE-4F0D-8C52-0E69A5D463FE}" type="datetime1">
               <a:rPr lang="en-US" smtClean="0"/>
               <a:pPr/>
-              <a:t>2/1/2020</a:t>
+              <a:t>2/10/2020</a:t>
             </a:fld>
             <a:endParaRPr lang="en-US"/>
           </a:p>
@@ -7725,7 +7725,7 @@
             <a:fld id="{AF95868E-B978-4568-9431-F5759F396BAA}" type="datetime1">
               <a:rPr lang="en-US" smtClean="0"/>
               <a:pPr/>
-              <a:t>2/1/2020</a:t>
+              <a:t>2/10/2020</a:t>
             </a:fld>
             <a:endParaRPr lang="en-US"/>
           </a:p>
@@ -7895,7 +7895,7 @@
             <a:fld id="{C4E74B5A-09BF-4687-B57D-3DB82197D943}" type="datetime1">
               <a:rPr lang="en-US" smtClean="0"/>
               <a:pPr/>
-              <a:t>2/1/2020</a:t>
+              <a:t>2/10/2020</a:t>
             </a:fld>
             <a:endParaRPr lang="en-US"/>
           </a:p>
@@ -8075,7 +8075,7 @@
             <a:fld id="{49A3F927-E985-4A56-9013-78D3FFC3EF4C}" type="datetime1">
               <a:rPr lang="en-US" smtClean="0"/>
               <a:pPr/>
-              <a:t>2/1/2020</a:t>
+              <a:t>2/10/2020</a:t>
             </a:fld>
             <a:endParaRPr lang="en-US"/>
           </a:p>
@@ -8194,7 +8194,7 @@
             <a:fld id="{EE38F263-8F67-4EB6-A377-0FB965046360}" type="datetime1">
               <a:rPr lang="en-US" smtClean="0"/>
               <a:pPr/>
-              <a:t>2/1/2020</a:t>
+              <a:t>2/10/2020</a:t>
             </a:fld>
             <a:endParaRPr lang="en-US"/>
           </a:p>
@@ -8436,7 +8436,7 @@
             <a:fld id="{AEF3C9D5-948D-45BF-A43A-BC1C8F177659}" type="datetime1">
               <a:rPr lang="en-US" smtClean="0"/>
               <a:pPr/>
-              <a:t>2/1/2020</a:t>
+              <a:t>2/10/2020</a:t>
             </a:fld>
             <a:endParaRPr lang="en-US"/>
           </a:p>
@@ -8606,7 +8606,7 @@
             <a:fld id="{24DE1747-153E-4BA7-845E-5E7975F88D66}" type="datetime1">
               <a:rPr lang="en-US" smtClean="0"/>
               <a:pPr/>
-              <a:t>2/1/2020</a:t>
+              <a:t>2/10/2020</a:t>
             </a:fld>
             <a:endParaRPr lang="en-US"/>
           </a:p>
@@ -8853,7 +8853,7 @@
             <a:fld id="{F71ECA1C-BCD9-4C21-9BC5-BB94294F1269}" type="datetime1">
               <a:rPr lang="en-US" smtClean="0"/>
               <a:pPr/>
-              <a:t>2/1/2020</a:t>
+              <a:t>2/10/2020</a:t>
             </a:fld>
             <a:endParaRPr lang="en-US"/>
           </a:p>
@@ -9140,7 +9140,7 @@
             <a:fld id="{C74D56A4-68C4-40CF-99B1-A59BBC130E54}" type="datetime1">
               <a:rPr lang="en-US" smtClean="0"/>
               <a:pPr/>
-              <a:t>2/1/2020</a:t>
+              <a:t>2/10/2020</a:t>
             </a:fld>
             <a:endParaRPr lang="en-US"/>
           </a:p>
@@ -9391,7 +9391,7 @@
           <a:p>
             <a:fld id="{F3175D55-7172-4598-95C7-7AC62CC8AEC3}" type="datetimeFigureOut">
               <a:rPr lang="en-US" smtClean="0"/>
-              <a:t>2/1/2020</a:t>
+              <a:t>2/10/2020</a:t>
             </a:fld>
             <a:endParaRPr lang="en-US"/>
           </a:p>
@@ -9811,7 +9811,7 @@
             <a:fld id="{50E4250C-EECC-464A-9F01-39097C0C28CA}" type="datetime1">
               <a:rPr lang="en-US" smtClean="0"/>
               <a:pPr/>
-              <a:t>2/1/2020</a:t>
+              <a:t>2/10/2020</a:t>
             </a:fld>
             <a:endParaRPr lang="en-US"/>
           </a:p>
@@ -10200,7 +10200,7 @@
             <a:fld id="{EE38F263-8F67-4EB6-A377-0FB965046360}" type="datetime1">
               <a:rPr lang="en-US" smtClean="0"/>
               <a:pPr/>
-              <a:t>2/1/2020</a:t>
+              <a:t>2/10/2020</a:t>
             </a:fld>
             <a:endParaRPr lang="en-US"/>
           </a:p>
@@ -10531,7 +10531,7 @@
             <a:fld id="{D059461F-53CE-4F0D-8C52-0E69A5D463FE}" type="datetime1">
               <a:rPr lang="en-US" smtClean="0"/>
               <a:pPr/>
-              <a:t>2/1/2020</a:t>
+              <a:t>2/10/2020</a:t>
             </a:fld>
             <a:endParaRPr lang="en-US"/>
           </a:p>
@@ -10785,7 +10785,7 @@
             <a:fld id="{AF95868E-B978-4568-9431-F5759F396BAA}" type="datetime1">
               <a:rPr lang="en-US" smtClean="0"/>
               <a:pPr/>
-              <a:t>2/1/2020</a:t>
+              <a:t>2/10/2020</a:t>
             </a:fld>
             <a:endParaRPr lang="en-US"/>
           </a:p>
@@ -10955,7 +10955,7 @@
             <a:fld id="{C4E74B5A-09BF-4687-B57D-3DB82197D943}" type="datetime1">
               <a:rPr lang="en-US" smtClean="0"/>
               <a:pPr/>
-              <a:t>2/1/2020</a:t>
+              <a:t>2/10/2020</a:t>
             </a:fld>
             <a:endParaRPr lang="en-US"/>
           </a:p>
@@ -11135,7 +11135,7 @@
             <a:fld id="{49A3F927-E985-4A56-9013-78D3FFC3EF4C}" type="datetime1">
               <a:rPr lang="en-US" smtClean="0"/>
               <a:pPr/>
-              <a:t>2/1/2020</a:t>
+              <a:t>2/10/2020</a:t>
             </a:fld>
             <a:endParaRPr lang="en-US"/>
           </a:p>
@@ -11254,7 +11254,7 @@
             <a:fld id="{EE38F263-8F67-4EB6-A377-0FB965046360}" type="datetime1">
               <a:rPr lang="en-US" smtClean="0"/>
               <a:pPr/>
-              <a:t>2/1/2020</a:t>
+              <a:t>2/10/2020</a:t>
             </a:fld>
             <a:endParaRPr lang="en-US"/>
           </a:p>
@@ -11372,7 +11372,7 @@
           <a:p>
             <a:fld id="{5F8CB659-BAAB-4DA9-8080-ED588401F2FB}" type="datetimeFigureOut">
               <a:rPr lang="en-US" smtClean="0"/>
-              <a:t>2/1/2020</a:t>
+              <a:t>2/10/2020</a:t>
             </a:fld>
             <a:endParaRPr lang="en-US"/>
           </a:p>
@@ -11601,7 +11601,7 @@
           <a:p>
             <a:fld id="{F3175D55-7172-4598-95C7-7AC62CC8AEC3}" type="datetimeFigureOut">
               <a:rPr lang="en-US" smtClean="0"/>
-              <a:t>2/1/2020</a:t>
+              <a:t>2/10/2020</a:t>
             </a:fld>
             <a:endParaRPr lang="en-US"/>
           </a:p>
@@ -11842,7 +11842,7 @@
             <a:fld id="{AEF3C9D5-948D-45BF-A43A-BC1C8F177659}" type="datetime1">
               <a:rPr lang="en-US" smtClean="0"/>
               <a:pPr/>
-              <a:t>2/1/2020</a:t>
+              <a:t>2/10/2020</a:t>
             </a:fld>
             <a:endParaRPr lang="en-US"/>
           </a:p>
@@ -12012,7 +12012,7 @@
             <a:fld id="{24DE1747-153E-4BA7-845E-5E7975F88D66}" type="datetime1">
               <a:rPr lang="en-US" smtClean="0"/>
               <a:pPr/>
-              <a:t>2/1/2020</a:t>
+              <a:t>2/10/2020</a:t>
             </a:fld>
             <a:endParaRPr lang="en-US"/>
           </a:p>
@@ -12259,7 +12259,7 @@
             <a:fld id="{F71ECA1C-BCD9-4C21-9BC5-BB94294F1269}" type="datetime1">
               <a:rPr lang="en-US" smtClean="0"/>
               <a:pPr/>
-              <a:t>2/1/2020</a:t>
+              <a:t>2/10/2020</a:t>
             </a:fld>
             <a:endParaRPr lang="en-US"/>
           </a:p>
@@ -12546,7 +12546,7 @@
             <a:fld id="{C74D56A4-68C4-40CF-99B1-A59BBC130E54}" type="datetime1">
               <a:rPr lang="en-US" smtClean="0"/>
               <a:pPr/>
-              <a:t>2/1/2020</a:t>
+              <a:t>2/10/2020</a:t>
             </a:fld>
             <a:endParaRPr lang="en-US"/>
           </a:p>
@@ -12967,7 +12967,7 @@
             <a:fld id="{50E4250C-EECC-464A-9F01-39097C0C28CA}" type="datetime1">
               <a:rPr lang="en-US" smtClean="0"/>
               <a:pPr/>
-              <a:t>2/1/2020</a:t>
+              <a:t>2/10/2020</a:t>
             </a:fld>
             <a:endParaRPr lang="en-US"/>
           </a:p>
@@ -13803,7 +13803,7 @@
             <a:fld id="{EE38F263-8F67-4EB6-A377-0FB965046360}" type="datetime1">
               <a:rPr lang="en-US" smtClean="0"/>
               <a:pPr/>
-              <a:t>2/1/2020</a:t>
+              <a:t>2/10/2020</a:t>
             </a:fld>
             <a:endParaRPr lang="en-US"/>
           </a:p>
@@ -14134,7 +14134,7 @@
             <a:fld id="{D059461F-53CE-4F0D-8C52-0E69A5D463FE}" type="datetime1">
               <a:rPr lang="en-US" smtClean="0"/>
               <a:pPr/>
-              <a:t>2/1/2020</a:t>
+              <a:t>2/10/2020</a:t>
             </a:fld>
             <a:endParaRPr lang="en-US"/>
           </a:p>
@@ -14499,7 +14499,7 @@
           <a:p>
             <a:fld id="{F3175D55-7172-4598-95C7-7AC62CC8AEC3}" type="datetimeFigureOut">
               <a:rPr lang="en-US" smtClean="0"/>
-              <a:t>2/1/2020</a:t>
+              <a:t>2/10/2020</a:t>
             </a:fld>
             <a:endParaRPr lang="en-US"/>
           </a:p>
@@ -14752,7 +14752,7 @@
             <a:fld id="{AF95868E-B978-4568-9431-F5759F396BAA}" type="datetime1">
               <a:rPr lang="en-US" smtClean="0"/>
               <a:pPr/>
-              <a:t>2/1/2020</a:t>
+              <a:t>2/10/2020</a:t>
             </a:fld>
             <a:endParaRPr lang="en-US"/>
           </a:p>
@@ -14922,7 +14922,7 @@
             <a:fld id="{C4E74B5A-09BF-4687-B57D-3DB82197D943}" type="datetime1">
               <a:rPr lang="en-US" smtClean="0"/>
               <a:pPr/>
-              <a:t>2/1/2020</a:t>
+              <a:t>2/10/2020</a:t>
             </a:fld>
             <a:endParaRPr lang="en-US"/>
           </a:p>
@@ -15102,7 +15102,7 @@
             <a:fld id="{49A3F927-E985-4A56-9013-78D3FFC3EF4C}" type="datetime1">
               <a:rPr lang="en-US" smtClean="0"/>
               <a:pPr/>
-              <a:t>2/1/2020</a:t>
+              <a:t>2/10/2020</a:t>
             </a:fld>
             <a:endParaRPr lang="en-US"/>
           </a:p>
@@ -15221,7 +15221,7 @@
             <a:fld id="{EE38F263-8F67-4EB6-A377-0FB965046360}" type="datetime1">
               <a:rPr lang="en-US" smtClean="0"/>
               <a:pPr/>
-              <a:t>2/1/2020</a:t>
+              <a:t>2/10/2020</a:t>
             </a:fld>
             <a:endParaRPr lang="en-US"/>
           </a:p>
@@ -15339,7 +15339,7 @@
           <a:p>
             <a:fld id="{9AA5EA0D-0DFA-4FB3-91EC-F80588E7F6C0}" type="datetimeFigureOut">
               <a:rPr lang="en-US" smtClean="0"/>
-              <a:t>2/1/2020</a:t>
+              <a:t>2/10/2020</a:t>
             </a:fld>
             <a:endParaRPr lang="en-US"/>
           </a:p>
@@ -15717,7 +15717,7 @@
           <a:p>
             <a:fld id="{F3175D55-7172-4598-95C7-7AC62CC8AEC3}" type="datetimeFigureOut">
               <a:rPr lang="en-US" smtClean="0"/>
-              <a:t>2/1/2020</a:t>
+              <a:t>2/10/2020</a:t>
             </a:fld>
             <a:endParaRPr lang="en-US"/>
           </a:p>
@@ -15812,7 +15812,7 @@
           <a:p>
             <a:fld id="{F3175D55-7172-4598-95C7-7AC62CC8AEC3}" type="datetimeFigureOut">
               <a:rPr lang="en-US" smtClean="0"/>
-              <a:t>2/1/2020</a:t>
+              <a:t>2/10/2020</a:t>
             </a:fld>
             <a:endParaRPr lang="en-US"/>
           </a:p>
@@ -16087,7 +16087,7 @@
           <a:p>
             <a:fld id="{F3175D55-7172-4598-95C7-7AC62CC8AEC3}" type="datetimeFigureOut">
               <a:rPr lang="en-US" smtClean="0"/>
-              <a:t>2/1/2020</a:t>
+              <a:t>2/10/2020</a:t>
             </a:fld>
             <a:endParaRPr lang="en-US"/>
           </a:p>
@@ -16339,7 +16339,7 @@
           <a:p>
             <a:fld id="{F3175D55-7172-4598-95C7-7AC62CC8AEC3}" type="datetimeFigureOut">
               <a:rPr lang="en-US" smtClean="0"/>
-              <a:t>2/1/2020</a:t>
+              <a:t>2/10/2020</a:t>
             </a:fld>
             <a:endParaRPr lang="en-US"/>
           </a:p>
@@ -16550,7 +16550,7 @@
           <a:p>
             <a:fld id="{F3175D55-7172-4598-95C7-7AC62CC8AEC3}" type="datetimeFigureOut">
               <a:rPr lang="en-US" smtClean="0"/>
-              <a:t>2/1/2020</a:t>
+              <a:t>2/10/2020</a:t>
             </a:fld>
             <a:endParaRPr lang="en-US"/>
           </a:p>
@@ -17089,7 +17089,7 @@
             <a:fld id="{EE38F263-8F67-4EB6-A377-0FB965046360}" type="datetime1">
               <a:rPr lang="en-US" smtClean="0"/>
               <a:pPr/>
-              <a:t>2/1/2020</a:t>
+              <a:t>2/10/2020</a:t>
             </a:fld>
             <a:endParaRPr lang="en-US"/>
           </a:p>
@@ -17605,7 +17605,7 @@
             <a:fld id="{EE38F263-8F67-4EB6-A377-0FB965046360}" type="datetime1">
               <a:rPr lang="en-US" smtClean="0"/>
               <a:pPr/>
-              <a:t>2/1/2020</a:t>
+              <a:t>2/10/2020</a:t>
             </a:fld>
             <a:endParaRPr lang="en-US"/>
           </a:p>
@@ -18119,7 +18119,7 @@
             <a:fld id="{EE38F263-8F67-4EB6-A377-0FB965046360}" type="datetime1">
               <a:rPr lang="en-US" smtClean="0"/>
               <a:pPr/>
-              <a:t>2/1/2020</a:t>
+              <a:t>2/10/2020</a:t>
             </a:fld>
             <a:endParaRPr lang="en-US"/>
           </a:p>
@@ -35030,7 +35030,7 @@
                 <a14:useLocalDpi xmlns:a14="http://schemas.microsoft.com/office/drawing/2010/main" val="0"/>
               </a:ext>
               <a:ext uri="{96DAC541-7B7A-43D3-8B79-37D633B846F1}">
-                <asvg:svgBlip xmlns:asvg="http://schemas.microsoft.com/office/drawing/2016/SVG/main" xmlns="" r:embed="rId4"/>
+                <asvg:svgBlip xmlns="" xmlns:asvg="http://schemas.microsoft.com/office/drawing/2016/SVG/main" r:embed="rId4"/>
               </a:ext>
             </a:extLst>
           </a:blip>
@@ -36573,8 +36573,8 @@
         </p:nvSpPr>
         <p:spPr>
           <a:xfrm>
-            <a:off x="4237351" y="5454133"/>
-            <a:ext cx="3717301" cy="1200329"/>
+            <a:off x="4284975" y="5743084"/>
+            <a:ext cx="3717300" cy="646331"/>
           </a:xfrm>
           <a:prstGeom prst="rect">
             <a:avLst/>
@@ -36589,30 +36589,7 @@
           <a:p>
             <a:pPr algn="ctr"/>
             <a:r>
-              <a:rPr lang="en-US" dirty="0">
-                <a:solidFill>
-                  <a:schemeClr val="accent6">
-                    <a:lumMod val="75000"/>
-                  </a:schemeClr>
-                </a:solidFill>
-              </a:rPr>
-              <a:t>New alpha = 0.05 / 6 = 0.0083</a:t>
-            </a:r>
-          </a:p>
-          <a:p>
-            <a:pPr algn="ctr"/>
-            <a:endParaRPr lang="en-US" dirty="0">
-              <a:solidFill>
-                <a:schemeClr val="accent6">
-                  <a:lumMod val="75000"/>
-                </a:schemeClr>
-              </a:solidFill>
-            </a:endParaRPr>
-          </a:p>
-          <a:p>
-            <a:pPr algn="ctr"/>
-            <a:r>
-              <a:rPr lang="en-US" dirty="0">
+              <a:rPr lang="en-US" dirty="0" smtClean="0">
                 <a:solidFill>
                   <a:schemeClr val="tx1">
                     <a:lumMod val="65000"/>
@@ -36620,7 +36597,29 @@
                   </a:schemeClr>
                 </a:solidFill>
               </a:rPr>
-              <a:t>0.04  &gt;  0.0083</a:t>
+              <a:t>0.04  </a:t>
+            </a:r>
+            <a:r>
+              <a:rPr lang="en-US" dirty="0">
+                <a:solidFill>
+                  <a:schemeClr val="tx1">
+                    <a:lumMod val="65000"/>
+                    <a:lumOff val="35000"/>
+                  </a:schemeClr>
+                </a:solidFill>
+              </a:rPr>
+              <a:t>&gt;  </a:t>
+            </a:r>
+            <a:r>
+              <a:rPr lang="en-US" dirty="0" smtClean="0">
+                <a:solidFill>
+                  <a:schemeClr val="tx1">
+                    <a:lumMod val="65000"/>
+                    <a:lumOff val="35000"/>
+                  </a:schemeClr>
+                </a:solidFill>
+              </a:rPr>
+              <a:t>0.0071</a:t>
             </a:r>
             <a:r>
               <a:rPr lang="en-US" dirty="0">
@@ -36714,7 +36713,7 @@
         <p:spPr>
           <a:xfrm>
             <a:off x="3970176" y="5743084"/>
-            <a:ext cx="1376265" cy="387128"/>
+            <a:ext cx="1287624" cy="184666"/>
           </a:xfrm>
           <a:prstGeom prst="straightConnector1">
             <a:avLst/>
@@ -36744,6 +36743,439 @@
           </a:fontRef>
         </p:style>
       </p:cxnSp>
+      <p:sp>
+        <p:nvSpPr>
+          <p:cNvPr id="10" name="TextBox 9"/>
+          <p:cNvSpPr txBox="1"/>
+          <p:nvPr/>
+        </p:nvSpPr>
+        <p:spPr>
+          <a:xfrm>
+            <a:off x="8359194" y="5420551"/>
+            <a:ext cx="3290131" cy="369332"/>
+          </a:xfrm>
+          <a:prstGeom prst="rect">
+            <a:avLst/>
+          </a:prstGeom>
+          <a:noFill/>
+        </p:spPr>
+        <p:txBody>
+          <a:bodyPr wrap="none" rtlCol="0">
+            <a:spAutoFit/>
+          </a:bodyPr>
+          <a:lstStyle/>
+          <a:p>
+            <a:pPr algn="ctr"/>
+            <a:r>
+              <a:rPr lang="en-US" dirty="0">
+                <a:solidFill>
+                  <a:schemeClr val="tx1">
+                    <a:lumMod val="65000"/>
+                    <a:lumOff val="35000"/>
+                  </a:schemeClr>
+                </a:solidFill>
+              </a:rPr>
+              <a:t>New alpha = </a:t>
+            </a:r>
+            <a:r>
+              <a:rPr lang="en-US" dirty="0" smtClean="0">
+                <a:solidFill>
+                  <a:schemeClr val="tx1">
+                    <a:lumMod val="65000"/>
+                    <a:lumOff val="35000"/>
+                  </a:schemeClr>
+                </a:solidFill>
+              </a:rPr>
+              <a:t>( 0.05 </a:t>
+            </a:r>
+            <a:r>
+              <a:rPr lang="en-US" dirty="0">
+                <a:solidFill>
+                  <a:schemeClr val="tx1">
+                    <a:lumMod val="65000"/>
+                    <a:lumOff val="35000"/>
+                  </a:schemeClr>
+                </a:solidFill>
+              </a:rPr>
+              <a:t>/ </a:t>
+            </a:r>
+            <a:r>
+              <a:rPr lang="en-US" dirty="0" smtClean="0">
+                <a:solidFill>
+                  <a:schemeClr val="tx1">
+                    <a:lumMod val="65000"/>
+                    <a:lumOff val="35000"/>
+                  </a:schemeClr>
+                </a:solidFill>
+              </a:rPr>
+              <a:t>7 )  = 0.0071</a:t>
+            </a:r>
+            <a:endParaRPr lang="en-US" dirty="0">
+              <a:solidFill>
+                <a:schemeClr val="tx1">
+                  <a:lumMod val="65000"/>
+                  <a:lumOff val="35000"/>
+                </a:schemeClr>
+              </a:solidFill>
+            </a:endParaRPr>
+          </a:p>
+        </p:txBody>
+      </p:sp>
+      <p:cxnSp>
+        <p:nvCxnSpPr>
+          <p:cNvPr id="11" name="Straight Arrow Connector 10">
+            <a:extLst>
+              <a:ext uri="{FF2B5EF4-FFF2-40B4-BE49-F238E27FC236}">
+                <a16:creationId xmlns:a16="http://schemas.microsoft.com/office/drawing/2014/main" id="{22AED7CA-FB8A-44AD-9F0E-B223485921F1}"/>
+              </a:ext>
+            </a:extLst>
+          </p:cNvPr>
+          <p:cNvCxnSpPr>
+            <a:cxnSpLocks/>
+          </p:cNvCxnSpPr>
+          <p:nvPr/>
+        </p:nvCxnSpPr>
+        <p:spPr>
+          <a:xfrm flipH="1">
+            <a:off x="6926180" y="5653844"/>
+            <a:ext cx="1409700" cy="256241"/>
+          </a:xfrm>
+          <a:prstGeom prst="straightConnector1">
+            <a:avLst/>
+          </a:prstGeom>
+          <a:ln>
+            <a:solidFill>
+              <a:schemeClr val="tx1">
+                <a:lumMod val="75000"/>
+                <a:lumOff val="25000"/>
+              </a:schemeClr>
+            </a:solidFill>
+            <a:tailEnd type="triangle"/>
+          </a:ln>
+        </p:spPr>
+        <p:style>
+          <a:lnRef idx="1">
+            <a:schemeClr val="accent1"/>
+          </a:lnRef>
+          <a:fillRef idx="0">
+            <a:schemeClr val="accent1"/>
+          </a:fillRef>
+          <a:effectRef idx="0">
+            <a:schemeClr val="accent1"/>
+          </a:effectRef>
+          <a:fontRef idx="minor">
+            <a:schemeClr val="tx1"/>
+          </a:fontRef>
+        </p:style>
+      </p:cxnSp>
+      <p:cxnSp>
+        <p:nvCxnSpPr>
+          <p:cNvPr id="13" name="Straight Arrow Connector 12"/>
+          <p:cNvCxnSpPr/>
+          <p:nvPr/>
+        </p:nvCxnSpPr>
+        <p:spPr>
+          <a:xfrm>
+            <a:off x="3649287" y="2809702"/>
+            <a:ext cx="236913" cy="0"/>
+          </a:xfrm>
+          <a:prstGeom prst="straightConnector1">
+            <a:avLst/>
+          </a:prstGeom>
+          <a:ln w="25400">
+            <a:solidFill>
+              <a:srgbClr val="E46C0A"/>
+            </a:solidFill>
+            <a:tailEnd type="triangle"/>
+          </a:ln>
+        </p:spPr>
+        <p:style>
+          <a:lnRef idx="1">
+            <a:schemeClr val="accent1"/>
+          </a:lnRef>
+          <a:fillRef idx="0">
+            <a:schemeClr val="accent1"/>
+          </a:fillRef>
+          <a:effectRef idx="0">
+            <a:schemeClr val="accent1"/>
+          </a:effectRef>
+          <a:fontRef idx="minor">
+            <a:schemeClr val="tx1"/>
+          </a:fontRef>
+        </p:style>
+      </p:cxnSp>
+      <p:cxnSp>
+        <p:nvCxnSpPr>
+          <p:cNvPr id="15" name="Straight Arrow Connector 14"/>
+          <p:cNvCxnSpPr/>
+          <p:nvPr/>
+        </p:nvCxnSpPr>
+        <p:spPr>
+          <a:xfrm>
+            <a:off x="3649287" y="3055408"/>
+            <a:ext cx="236913" cy="0"/>
+          </a:xfrm>
+          <a:prstGeom prst="straightConnector1">
+            <a:avLst/>
+          </a:prstGeom>
+          <a:ln w="25400">
+            <a:solidFill>
+              <a:srgbClr val="E46C0A"/>
+            </a:solidFill>
+            <a:tailEnd type="triangle"/>
+          </a:ln>
+        </p:spPr>
+        <p:style>
+          <a:lnRef idx="1">
+            <a:schemeClr val="accent1"/>
+          </a:lnRef>
+          <a:fillRef idx="0">
+            <a:schemeClr val="accent1"/>
+          </a:fillRef>
+          <a:effectRef idx="0">
+            <a:schemeClr val="accent1"/>
+          </a:effectRef>
+          <a:fontRef idx="minor">
+            <a:schemeClr val="tx1"/>
+          </a:fontRef>
+        </p:style>
+      </p:cxnSp>
+      <p:cxnSp>
+        <p:nvCxnSpPr>
+          <p:cNvPr id="16" name="Straight Arrow Connector 15"/>
+          <p:cNvCxnSpPr/>
+          <p:nvPr/>
+        </p:nvCxnSpPr>
+        <p:spPr>
+          <a:xfrm>
+            <a:off x="3649287" y="3316665"/>
+            <a:ext cx="236913" cy="0"/>
+          </a:xfrm>
+          <a:prstGeom prst="straightConnector1">
+            <a:avLst/>
+          </a:prstGeom>
+          <a:ln w="25400">
+            <a:solidFill>
+              <a:srgbClr val="E46C0A"/>
+            </a:solidFill>
+            <a:tailEnd type="triangle"/>
+          </a:ln>
+        </p:spPr>
+        <p:style>
+          <a:lnRef idx="1">
+            <a:schemeClr val="accent1"/>
+          </a:lnRef>
+          <a:fillRef idx="0">
+            <a:schemeClr val="accent1"/>
+          </a:fillRef>
+          <a:effectRef idx="0">
+            <a:schemeClr val="accent1"/>
+          </a:effectRef>
+          <a:fontRef idx="minor">
+            <a:schemeClr val="tx1"/>
+          </a:fontRef>
+        </p:style>
+      </p:cxnSp>
+      <p:cxnSp>
+        <p:nvCxnSpPr>
+          <p:cNvPr id="17" name="Straight Arrow Connector 16"/>
+          <p:cNvCxnSpPr/>
+          <p:nvPr/>
+        </p:nvCxnSpPr>
+        <p:spPr>
+          <a:xfrm>
+            <a:off x="3649287" y="3543300"/>
+            <a:ext cx="236913" cy="0"/>
+          </a:xfrm>
+          <a:prstGeom prst="straightConnector1">
+            <a:avLst/>
+          </a:prstGeom>
+          <a:ln w="25400">
+            <a:solidFill>
+              <a:srgbClr val="E46C0A"/>
+            </a:solidFill>
+            <a:tailEnd type="triangle"/>
+          </a:ln>
+        </p:spPr>
+        <p:style>
+          <a:lnRef idx="1">
+            <a:schemeClr val="accent1"/>
+          </a:lnRef>
+          <a:fillRef idx="0">
+            <a:schemeClr val="accent1"/>
+          </a:fillRef>
+          <a:effectRef idx="0">
+            <a:schemeClr val="accent1"/>
+          </a:effectRef>
+          <a:fontRef idx="minor">
+            <a:schemeClr val="tx1"/>
+          </a:fontRef>
+        </p:style>
+      </p:cxnSp>
+      <p:cxnSp>
+        <p:nvCxnSpPr>
+          <p:cNvPr id="18" name="Straight Arrow Connector 17"/>
+          <p:cNvCxnSpPr/>
+          <p:nvPr/>
+        </p:nvCxnSpPr>
+        <p:spPr>
+          <a:xfrm>
+            <a:off x="3649287" y="3885833"/>
+            <a:ext cx="236913" cy="0"/>
+          </a:xfrm>
+          <a:prstGeom prst="straightConnector1">
+            <a:avLst/>
+          </a:prstGeom>
+          <a:ln w="25400">
+            <a:solidFill>
+              <a:srgbClr val="E46C0A"/>
+            </a:solidFill>
+            <a:tailEnd type="triangle"/>
+          </a:ln>
+        </p:spPr>
+        <p:style>
+          <a:lnRef idx="1">
+            <a:schemeClr val="accent1"/>
+          </a:lnRef>
+          <a:fillRef idx="0">
+            <a:schemeClr val="accent1"/>
+          </a:fillRef>
+          <a:effectRef idx="0">
+            <a:schemeClr val="accent1"/>
+          </a:effectRef>
+          <a:fontRef idx="minor">
+            <a:schemeClr val="tx1"/>
+          </a:fontRef>
+        </p:style>
+      </p:cxnSp>
+      <p:cxnSp>
+        <p:nvCxnSpPr>
+          <p:cNvPr id="19" name="Straight Arrow Connector 18"/>
+          <p:cNvCxnSpPr/>
+          <p:nvPr/>
+        </p:nvCxnSpPr>
+        <p:spPr>
+          <a:xfrm>
+            <a:off x="3649287" y="4128428"/>
+            <a:ext cx="236913" cy="0"/>
+          </a:xfrm>
+          <a:prstGeom prst="straightConnector1">
+            <a:avLst/>
+          </a:prstGeom>
+          <a:ln w="25400">
+            <a:solidFill>
+              <a:srgbClr val="E46C0A"/>
+            </a:solidFill>
+            <a:tailEnd type="triangle"/>
+          </a:ln>
+        </p:spPr>
+        <p:style>
+          <a:lnRef idx="1">
+            <a:schemeClr val="accent1"/>
+          </a:lnRef>
+          <a:fillRef idx="0">
+            <a:schemeClr val="accent1"/>
+          </a:fillRef>
+          <a:effectRef idx="0">
+            <a:schemeClr val="accent1"/>
+          </a:effectRef>
+          <a:fontRef idx="minor">
+            <a:schemeClr val="tx1"/>
+          </a:fontRef>
+        </p:style>
+      </p:cxnSp>
+      <p:cxnSp>
+        <p:nvCxnSpPr>
+          <p:cNvPr id="20" name="Straight Arrow Connector 19"/>
+          <p:cNvCxnSpPr/>
+          <p:nvPr/>
+        </p:nvCxnSpPr>
+        <p:spPr>
+          <a:xfrm>
+            <a:off x="3649287" y="4585628"/>
+            <a:ext cx="236913" cy="0"/>
+          </a:xfrm>
+          <a:prstGeom prst="straightConnector1">
+            <a:avLst/>
+          </a:prstGeom>
+          <a:ln w="25400">
+            <a:solidFill>
+              <a:srgbClr val="E46C0A"/>
+            </a:solidFill>
+            <a:tailEnd type="triangle"/>
+          </a:ln>
+        </p:spPr>
+        <p:style>
+          <a:lnRef idx="1">
+            <a:schemeClr val="accent1"/>
+          </a:lnRef>
+          <a:fillRef idx="0">
+            <a:schemeClr val="accent1"/>
+          </a:fillRef>
+          <a:effectRef idx="0">
+            <a:schemeClr val="accent1"/>
+          </a:effectRef>
+          <a:fontRef idx="minor">
+            <a:schemeClr val="tx1"/>
+          </a:fontRef>
+        </p:style>
+      </p:cxnSp>
+      <p:sp>
+        <p:nvSpPr>
+          <p:cNvPr id="21" name="TextBox 20"/>
+          <p:cNvSpPr txBox="1"/>
+          <p:nvPr/>
+        </p:nvSpPr>
+        <p:spPr>
+          <a:xfrm>
+            <a:off x="2266950" y="3072110"/>
+            <a:ext cx="1066510" cy="923330"/>
+          </a:xfrm>
+          <a:prstGeom prst="rect">
+            <a:avLst/>
+          </a:prstGeom>
+          <a:noFill/>
+        </p:spPr>
+        <p:txBody>
+          <a:bodyPr wrap="none" rtlCol="0">
+            <a:spAutoFit/>
+          </a:bodyPr>
+          <a:lstStyle/>
+          <a:p>
+            <a:pPr algn="ctr"/>
+            <a:r>
+              <a:rPr lang="en-US" dirty="0" smtClean="0">
+                <a:solidFill>
+                  <a:srgbClr val="E46C0A"/>
+                </a:solidFill>
+              </a:rPr>
+              <a:t>seven</a:t>
+            </a:r>
+          </a:p>
+          <a:p>
+            <a:pPr algn="ctr"/>
+            <a:r>
+              <a:rPr lang="en-US" dirty="0" smtClean="0">
+                <a:solidFill>
+                  <a:srgbClr val="E46C0A"/>
+                </a:solidFill>
+              </a:rPr>
+              <a:t>contrasts</a:t>
+            </a:r>
+          </a:p>
+          <a:p>
+            <a:pPr algn="ctr"/>
+            <a:r>
+              <a:rPr lang="en-US" dirty="0" smtClean="0">
+                <a:solidFill>
+                  <a:srgbClr val="E46C0A"/>
+                </a:solidFill>
+              </a:rPr>
+              <a:t>reported</a:t>
+            </a:r>
+          </a:p>
+        </p:txBody>
+      </p:sp>
     </p:spTree>
     <p:extLst>
       <p:ext uri="{BB962C8B-B14F-4D97-AF65-F5344CB8AC3E}">
@@ -40755,7 +41187,7 @@
                 <a:hlinkClick r:id="rId2">
                   <a:extLst>
                     <a:ext uri="{A12FA001-AC4F-418D-AE19-62706E023703}">
-                      <ahyp:hlinkClr xmlns:ahyp="http://schemas.microsoft.com/office/drawing/2018/hyperlinkcolor" xmlns="" val="tx"/>
+                      <ahyp:hlinkClr xmlns="" xmlns:ahyp="http://schemas.microsoft.com/office/drawing/2018/hyperlinkcolor" val="tx"/>
                     </a:ext>
                   </a:extLst>
                 </a:hlinkClick>
@@ -43044,15 +43476,6 @@
               </a:rPr>
               <a:t>How non-compliance</a:t>
             </a:r>
-            <a:r>
-              <a:rPr lang="en-US" sz="4400" dirty="0" smtClean="0">
-                <a:solidFill>
-                  <a:schemeClr val="bg1"/>
-                </a:solidFill>
-                <a:latin typeface="Euphemia"/>
-              </a:rPr>
-              <a:t/>
-            </a:r>
             <a:br>
               <a:rPr lang="en-US" sz="4400" dirty="0" smtClean="0">
                 <a:solidFill>
@@ -43085,16 +43508,7 @@
                 </a:solidFill>
                 <a:latin typeface="Euphemia"/>
               </a:rPr>
-              <a:t>measure of</a:t>
-            </a:r>
-            <a:r>
-              <a:rPr lang="en-US" sz="4400" dirty="0" smtClean="0">
-                <a:solidFill>
-                  <a:schemeClr val="bg1"/>
-                </a:solidFill>
-                <a:latin typeface="Euphemia"/>
-              </a:rPr>
-              <a:t> </a:t>
+              <a:t>measure of </a:t>
             </a:r>
             <a:br>
               <a:rPr lang="en-US" sz="4400" dirty="0" smtClean="0">
